--- a/DevSkills/Presentatie prototype.pptx
+++ b/DevSkills/Presentatie prototype.pptx
@@ -6,9 +6,14 @@
   </p:sldMasterIdLst>
   <p:sldIdLst>
     <p:sldId id="256" r:id="rId2"/>
-    <p:sldId id="257" r:id="rId3"/>
-    <p:sldId id="258" r:id="rId4"/>
-    <p:sldId id="259" r:id="rId5"/>
+    <p:sldId id="265" r:id="rId3"/>
+    <p:sldId id="257" r:id="rId4"/>
+    <p:sldId id="258" r:id="rId5"/>
+    <p:sldId id="260" r:id="rId6"/>
+    <p:sldId id="259" r:id="rId7"/>
+    <p:sldId id="261" r:id="rId8"/>
+    <p:sldId id="263" r:id="rId9"/>
+    <p:sldId id="264" r:id="rId10"/>
   </p:sldIdLst>
   <p:sldSz cx="12192000" cy="6858000"/>
   <p:notesSz cx="6858000" cy="9144000"/>
@@ -107,6 +112,11 @@
       </a:defRPr>
     </a:lvl9pPr>
   </p:defaultTextStyle>
+  <p:extLst>
+    <p:ext uri="{EFAFB233-063F-42B5-8137-9DF3F51BA10A}">
+      <p15:sldGuideLst xmlns:p15="http://schemas.microsoft.com/office/powerpoint/2012/main"/>
+    </p:ext>
+  </p:extLst>
 </p:presentation>
 </file>
 
@@ -257,7 +267,7 @@
           <a:p>
             <a:fld id="{C17B659D-F4FA-4109-B47A-84311A4E7D96}" type="datetimeFigureOut">
               <a:rPr lang="nl-NL" smtClean="0"/>
-              <a:t>16-1-2023</a:t>
+              <a:t>30-1-2023</a:t>
             </a:fld>
             <a:endParaRPr lang="nl-NL"/>
           </a:p>
@@ -455,7 +465,7 @@
           <a:p>
             <a:fld id="{C17B659D-F4FA-4109-B47A-84311A4E7D96}" type="datetimeFigureOut">
               <a:rPr lang="nl-NL" smtClean="0"/>
-              <a:t>16-1-2023</a:t>
+              <a:t>30-1-2023</a:t>
             </a:fld>
             <a:endParaRPr lang="nl-NL"/>
           </a:p>
@@ -663,7 +673,7 @@
           <a:p>
             <a:fld id="{C17B659D-F4FA-4109-B47A-84311A4E7D96}" type="datetimeFigureOut">
               <a:rPr lang="nl-NL" smtClean="0"/>
-              <a:t>16-1-2023</a:t>
+              <a:t>30-1-2023</a:t>
             </a:fld>
             <a:endParaRPr lang="nl-NL"/>
           </a:p>
@@ -861,7 +871,7 @@
           <a:p>
             <a:fld id="{C17B659D-F4FA-4109-B47A-84311A4E7D96}" type="datetimeFigureOut">
               <a:rPr lang="nl-NL" smtClean="0"/>
-              <a:t>16-1-2023</a:t>
+              <a:t>30-1-2023</a:t>
             </a:fld>
             <a:endParaRPr lang="nl-NL"/>
           </a:p>
@@ -1136,7 +1146,7 @@
           <a:p>
             <a:fld id="{C17B659D-F4FA-4109-B47A-84311A4E7D96}" type="datetimeFigureOut">
               <a:rPr lang="nl-NL" smtClean="0"/>
-              <a:t>16-1-2023</a:t>
+              <a:t>30-1-2023</a:t>
             </a:fld>
             <a:endParaRPr lang="nl-NL"/>
           </a:p>
@@ -1401,7 +1411,7 @@
           <a:p>
             <a:fld id="{C17B659D-F4FA-4109-B47A-84311A4E7D96}" type="datetimeFigureOut">
               <a:rPr lang="nl-NL" smtClean="0"/>
-              <a:t>16-1-2023</a:t>
+              <a:t>30-1-2023</a:t>
             </a:fld>
             <a:endParaRPr lang="nl-NL"/>
           </a:p>
@@ -1813,7 +1823,7 @@
           <a:p>
             <a:fld id="{C17B659D-F4FA-4109-B47A-84311A4E7D96}" type="datetimeFigureOut">
               <a:rPr lang="nl-NL" smtClean="0"/>
-              <a:t>16-1-2023</a:t>
+              <a:t>30-1-2023</a:t>
             </a:fld>
             <a:endParaRPr lang="nl-NL"/>
           </a:p>
@@ -1954,7 +1964,7 @@
           <a:p>
             <a:fld id="{C17B659D-F4FA-4109-B47A-84311A4E7D96}" type="datetimeFigureOut">
               <a:rPr lang="nl-NL" smtClean="0"/>
-              <a:t>16-1-2023</a:t>
+              <a:t>30-1-2023</a:t>
             </a:fld>
             <a:endParaRPr lang="nl-NL"/>
           </a:p>
@@ -2067,7 +2077,7 @@
           <a:p>
             <a:fld id="{C17B659D-F4FA-4109-B47A-84311A4E7D96}" type="datetimeFigureOut">
               <a:rPr lang="nl-NL" smtClean="0"/>
-              <a:t>16-1-2023</a:t>
+              <a:t>30-1-2023</a:t>
             </a:fld>
             <a:endParaRPr lang="nl-NL"/>
           </a:p>
@@ -2378,7 +2388,7 @@
           <a:p>
             <a:fld id="{C17B659D-F4FA-4109-B47A-84311A4E7D96}" type="datetimeFigureOut">
               <a:rPr lang="nl-NL" smtClean="0"/>
-              <a:t>16-1-2023</a:t>
+              <a:t>30-1-2023</a:t>
             </a:fld>
             <a:endParaRPr lang="nl-NL"/>
           </a:p>
@@ -2666,7 +2676,7 @@
           <a:p>
             <a:fld id="{C17B659D-F4FA-4109-B47A-84311A4E7D96}" type="datetimeFigureOut">
               <a:rPr lang="nl-NL" smtClean="0"/>
-              <a:t>16-1-2023</a:t>
+              <a:t>30-1-2023</a:t>
             </a:fld>
             <a:endParaRPr lang="nl-NL"/>
           </a:p>
@@ -2907,7 +2917,7 @@
           <a:p>
             <a:fld id="{C17B659D-F4FA-4109-B47A-84311A4E7D96}" type="datetimeFigureOut">
               <a:rPr lang="nl-NL" smtClean="0"/>
-              <a:t>16-1-2023</a:t>
+              <a:t>30-1-2023</a:t>
             </a:fld>
             <a:endParaRPr lang="nl-NL"/>
           </a:p>
@@ -3310,6 +3320,14 @@
 <file path=ppt/slides/slide1.xml><?xml version="1.0" encoding="utf-8"?>
 <p:sld xmlns:a="http://schemas.openxmlformats.org/drawingml/2006/main" xmlns:r="http://schemas.openxmlformats.org/officeDocument/2006/relationships" xmlns:p="http://schemas.openxmlformats.org/presentationml/2006/main">
   <p:cSld>
+    <p:bg>
+      <p:bgPr>
+        <a:solidFill>
+          <a:schemeClr val="bg1"/>
+        </a:solidFill>
+        <a:effectLst/>
+      </p:bgPr>
+    </p:bg>
     <p:spTree>
       <p:nvGrpSpPr>
         <p:cNvPr id="1" name=""/>
@@ -3324,12 +3342,72 @@
           <a:chExt cx="0" cy="0"/>
         </a:xfrm>
       </p:grpSpPr>
+      <p:sp useBgFill="1">
+        <p:nvSpPr>
+          <p:cNvPr id="9" name="Rectangle 8">
+            <a:extLst>
+              <a:ext uri="{FF2B5EF4-FFF2-40B4-BE49-F238E27FC236}">
+                <a16:creationId xmlns:a16="http://schemas.microsoft.com/office/drawing/2014/main" id="{5A59F003-E00A-43F9-91DC-CC54E3B87466}"/>
+              </a:ext>
+              <a:ext uri="{C183D7F6-B498-43B3-948B-1728B52AA6E4}">
+                <adec:decorative xmlns:adec="http://schemas.microsoft.com/office/drawing/2017/decorative" val="1"/>
+              </a:ext>
+            </a:extLst>
+          </p:cNvPr>
+          <p:cNvSpPr>
+            <a:spLocks noGrp="1" noRot="1" noChangeAspect="1" noMove="1" noResize="1" noEditPoints="1" noAdjustHandles="1" noChangeArrowheads="1" noChangeShapeType="1" noTextEdit="1"/>
+          </p:cNvSpPr>
+          <p:nvPr>
+            <p:extLst>
+              <p:ext uri="{386F3935-93C4-4BCD-93E2-E3B085C9AB24}">
+                <p16:designElem xmlns:p16="http://schemas.microsoft.com/office/powerpoint/2015/main" val="1"/>
+              </p:ext>
+            </p:extLst>
+          </p:nvPr>
+        </p:nvSpPr>
+        <p:spPr>
+          <a:xfrm>
+            <a:off x="0" y="0"/>
+            <a:ext cx="12192000" cy="6858000"/>
+          </a:xfrm>
+          <a:prstGeom prst="rect">
+            <a:avLst/>
+          </a:prstGeom>
+          <a:ln>
+            <a:noFill/>
+          </a:ln>
+        </p:spPr>
+        <p:style>
+          <a:lnRef idx="2">
+            <a:schemeClr val="accent1">
+              <a:shade val="50000"/>
+            </a:schemeClr>
+          </a:lnRef>
+          <a:fillRef idx="1">
+            <a:schemeClr val="accent1"/>
+          </a:fillRef>
+          <a:effectRef idx="0">
+            <a:schemeClr val="accent1"/>
+          </a:effectRef>
+          <a:fontRef idx="minor">
+            <a:schemeClr val="lt1"/>
+          </a:fontRef>
+        </p:style>
+        <p:txBody>
+          <a:bodyPr rtlCol="0" anchor="ctr"/>
+          <a:lstStyle/>
+          <a:p>
+            <a:pPr algn="ctr"/>
+            <a:endParaRPr lang="en-US"/>
+          </a:p>
+        </p:txBody>
+      </p:sp>
       <p:pic>
         <p:nvPicPr>
-          <p:cNvPr id="1026" name="Picture 2" descr="Exquisite 4 player chess set">
-            <a:extLst>
-              <a:ext uri="{FF2B5EF4-FFF2-40B4-BE49-F238E27FC236}">
-                <a16:creationId xmlns:a16="http://schemas.microsoft.com/office/drawing/2014/main" id="{10AF25B5-24DA-EB56-F579-2EF282C1A8B1}"/>
+          <p:cNvPr id="4" name="Picture 2" descr="Exquisite 4 player chess set">
+            <a:extLst>
+              <a:ext uri="{FF2B5EF4-FFF2-40B4-BE49-F238E27FC236}">
+                <a16:creationId xmlns:a16="http://schemas.microsoft.com/office/drawing/2014/main" id="{7E061625-82EC-F90B-C430-94D252A4D463}"/>
               </a:ext>
             </a:extLst>
           </p:cNvPr>
@@ -3338,7 +3416,7 @@
           </p:cNvPicPr>
           <p:nvPr/>
         </p:nvPicPr>
-        <p:blipFill>
+        <p:blipFill rotWithShape="1">
           <a:blip r:embed="rId2">
             <a:extLst>
               <a:ext uri="{28A0092B-C50C-407E-A947-70E740481C1C}">
@@ -3346,10 +3424,8 @@
               </a:ext>
             </a:extLst>
           </a:blip>
-          <a:srcRect/>
-          <a:stretch>
-            <a:fillRect/>
-          </a:stretch>
+          <a:srcRect t="15730"/>
+          <a:stretch/>
         </p:blipFill>
         <p:spPr bwMode="auto">
           <a:xfrm>
@@ -3373,6 +3449,91 @@
       </p:pic>
       <p:sp>
         <p:nvSpPr>
+          <p:cNvPr id="11" name="Rectangle 10">
+            <a:extLst>
+              <a:ext uri="{FF2B5EF4-FFF2-40B4-BE49-F238E27FC236}">
+                <a16:creationId xmlns:a16="http://schemas.microsoft.com/office/drawing/2014/main" id="{D74A4382-E3AD-430A-9A1F-DFA3E0E77A7D}"/>
+              </a:ext>
+              <a:ext uri="{C183D7F6-B498-43B3-948B-1728B52AA6E4}">
+                <adec:decorative xmlns:adec="http://schemas.microsoft.com/office/drawing/2017/decorative" val="1"/>
+              </a:ext>
+            </a:extLst>
+          </p:cNvPr>
+          <p:cNvSpPr>
+            <a:spLocks noGrp="1" noRot="1" noChangeAspect="1" noMove="1" noResize="1" noEditPoints="1" noAdjustHandles="1" noChangeArrowheads="1" noChangeShapeType="1" noTextEdit="1"/>
+          </p:cNvSpPr>
+          <p:nvPr>
+            <p:extLst>
+              <p:ext uri="{386F3935-93C4-4BCD-93E2-E3B085C9AB24}">
+                <p16:designElem xmlns:p16="http://schemas.microsoft.com/office/powerpoint/2015/main" val="1"/>
+              </p:ext>
+            </p:extLst>
+          </p:nvPr>
+        </p:nvSpPr>
+        <p:spPr>
+          <a:xfrm rot="16200000">
+            <a:off x="3799868" y="-1534136"/>
+            <a:ext cx="4592270" cy="12192001"/>
+          </a:xfrm>
+          <a:prstGeom prst="rect">
+            <a:avLst/>
+          </a:prstGeom>
+          <a:gradFill>
+            <a:gsLst>
+              <a:gs pos="35000">
+                <a:schemeClr val="bg1">
+                  <a:alpha val="46000"/>
+                </a:schemeClr>
+              </a:gs>
+              <a:gs pos="21000">
+                <a:schemeClr val="bg1">
+                  <a:alpha val="30000"/>
+                </a:schemeClr>
+              </a:gs>
+              <a:gs pos="0">
+                <a:schemeClr val="bg1">
+                  <a:alpha val="0"/>
+                </a:schemeClr>
+              </a:gs>
+              <a:gs pos="100000">
+                <a:schemeClr val="bg1">
+                  <a:alpha val="90000"/>
+                </a:schemeClr>
+              </a:gs>
+            </a:gsLst>
+            <a:lin ang="10800000" scaled="0"/>
+          </a:gradFill>
+          <a:ln>
+            <a:noFill/>
+          </a:ln>
+        </p:spPr>
+        <p:style>
+          <a:lnRef idx="2">
+            <a:schemeClr val="accent1">
+              <a:shade val="50000"/>
+            </a:schemeClr>
+          </a:lnRef>
+          <a:fillRef idx="1">
+            <a:schemeClr val="accent1"/>
+          </a:fillRef>
+          <a:effectRef idx="0">
+            <a:schemeClr val="accent1"/>
+          </a:effectRef>
+          <a:fontRef idx="minor">
+            <a:schemeClr val="lt1"/>
+          </a:fontRef>
+        </p:style>
+        <p:txBody>
+          <a:bodyPr rtlCol="0" anchor="ctr"/>
+          <a:lstStyle/>
+          <a:p>
+            <a:pPr algn="ctr"/>
+            <a:endParaRPr lang="en-US" dirty="0"/>
+          </a:p>
+        </p:txBody>
+      </p:sp>
+      <p:sp>
+        <p:nvSpPr>
           <p:cNvPr id="2" name="Titel 1">
             <a:extLst>
               <a:ext uri="{FF2B5EF4-FFF2-40B4-BE49-F238E27FC236}">
@@ -3389,20 +3550,19 @@
         </p:nvSpPr>
         <p:spPr>
           <a:xfrm>
-            <a:off x="1524000" y="2503617"/>
-            <a:ext cx="9144000" cy="925383"/>
+            <a:off x="404553" y="3091928"/>
+            <a:ext cx="9078562" cy="2387600"/>
           </a:xfrm>
         </p:spPr>
         <p:txBody>
-          <a:bodyPr/>
-          <a:lstStyle/>
-          <a:p>
-            <a:r>
-              <a:rPr lang="nl-NL" dirty="0">
-                <a:solidFill>
-                  <a:schemeClr val="bg2"/>
-                </a:solidFill>
-              </a:rPr>
+          <a:bodyPr>
+            <a:normAutofit/>
+          </a:bodyPr>
+          <a:lstStyle/>
+          <a:p>
+            <a:pPr algn="l"/>
+            <a:r>
+              <a:rPr lang="nl-NL" sz="6600"/>
               <a:t>Presentatie prototype</a:t>
             </a:r>
           </a:p>
@@ -3410,38 +3570,100 @@
       </p:sp>
       <p:sp>
         <p:nvSpPr>
-          <p:cNvPr id="3" name="Ondertitel 2">
-            <a:extLst>
-              <a:ext uri="{FF2B5EF4-FFF2-40B4-BE49-F238E27FC236}">
-                <a16:creationId xmlns:a16="http://schemas.microsoft.com/office/drawing/2014/main" id="{437939D0-38C3-A7A2-4C0E-8E6462F6B47D}"/>
-              </a:ext>
-            </a:extLst>
-          </p:cNvPr>
-          <p:cNvSpPr>
-            <a:spLocks noGrp="1"/>
-          </p:cNvSpPr>
-          <p:nvPr>
-            <p:ph type="subTitle" idx="1"/>
+          <p:cNvPr id="13" name="Rectangle: Rounded Corners 12">
+            <a:extLst>
+              <a:ext uri="{FF2B5EF4-FFF2-40B4-BE49-F238E27FC236}">
+                <a16:creationId xmlns:a16="http://schemas.microsoft.com/office/drawing/2014/main" id="{79F40191-0F44-4FD1-82CC-ACB507C14BE6}"/>
+              </a:ext>
+              <a:ext uri="{C183D7F6-B498-43B3-948B-1728B52AA6E4}">
+                <adec:decorative xmlns:adec="http://schemas.microsoft.com/office/drawing/2017/decorative" val="1"/>
+              </a:ext>
+            </a:extLst>
+          </p:cNvPr>
+          <p:cNvSpPr>
+            <a:spLocks noGrp="1" noRot="1" noChangeAspect="1" noMove="1" noResize="1" noEditPoints="1" noAdjustHandles="1" noChangeArrowheads="1" noChangeShapeType="1" noTextEdit="1"/>
+          </p:cNvSpPr>
+          <p:nvPr>
+            <p:extLst>
+              <p:ext uri="{386F3935-93C4-4BCD-93E2-E3B085C9AB24}">
+                <p16:designElem xmlns:p16="http://schemas.microsoft.com/office/powerpoint/2015/main" val="1"/>
+              </p:ext>
+            </p:extLst>
           </p:nvPr>
         </p:nvSpPr>
         <p:spPr>
           <a:xfrm>
-            <a:off x="1524000" y="3429000"/>
-            <a:ext cx="9144000" cy="396551"/>
+            <a:off x="0" y="5575039"/>
+            <a:ext cx="9785897" cy="685800"/>
+          </a:xfrm>
+          <a:prstGeom prst="roundRect">
+            <a:avLst>
+              <a:gd name="adj" fmla="val 0"/>
+            </a:avLst>
+          </a:prstGeom>
+          <a:solidFill>
+            <a:schemeClr val="accent2"/>
+          </a:solidFill>
+          <a:ln>
+            <a:noFill/>
+          </a:ln>
+        </p:spPr>
+        <p:style>
+          <a:lnRef idx="2">
+            <a:schemeClr val="accent1">
+              <a:shade val="50000"/>
+            </a:schemeClr>
+          </a:lnRef>
+          <a:fillRef idx="1">
+            <a:schemeClr val="accent1"/>
+          </a:fillRef>
+          <a:effectRef idx="0">
+            <a:schemeClr val="accent1"/>
+          </a:effectRef>
+          <a:fontRef idx="minor">
+            <a:schemeClr val="lt1"/>
+          </a:fontRef>
+        </p:style>
+        <p:txBody>
+          <a:bodyPr rtlCol="0" anchor="ctr"/>
+          <a:lstStyle/>
+          <a:p>
+            <a:pPr algn="ctr"/>
+            <a:endParaRPr lang="en-US"/>
+          </a:p>
+        </p:txBody>
+      </p:sp>
+      <p:sp>
+        <p:nvSpPr>
+          <p:cNvPr id="3" name="Ondertitel 2">
+            <a:extLst>
+              <a:ext uri="{FF2B5EF4-FFF2-40B4-BE49-F238E27FC236}">
+                <a16:creationId xmlns:a16="http://schemas.microsoft.com/office/drawing/2014/main" id="{437939D0-38C3-A7A2-4C0E-8E6462F6B47D}"/>
+              </a:ext>
+            </a:extLst>
+          </p:cNvPr>
+          <p:cNvSpPr>
+            <a:spLocks noGrp="1"/>
+          </p:cNvSpPr>
+          <p:nvPr>
+            <p:ph type="subTitle" idx="1"/>
+          </p:nvPr>
+        </p:nvSpPr>
+        <p:spPr>
+          <a:xfrm>
+            <a:off x="404553" y="5624945"/>
+            <a:ext cx="9078562" cy="592975"/>
           </a:xfrm>
         </p:spPr>
         <p:txBody>
-          <a:bodyPr>
-            <a:normAutofit lnSpcReduction="10000"/>
+          <a:bodyPr anchor="ctr">
+            <a:normAutofit/>
           </a:bodyPr>
           <a:lstStyle/>
           <a:p>
-            <a:r>
-              <a:rPr lang="nl-NL" dirty="0">
-                <a:solidFill>
-                  <a:schemeClr val="bg1"/>
-                </a:solidFill>
-              </a:rPr>
+            <a:pPr algn="l"/>
+            <a:r>
+              <a:rPr lang="nl-NL"/>
               <a:t>Ogulcan, Duco, Khalid en Menno</a:t>
             </a:r>
           </a:p>
@@ -3455,7 +3677,7 @@
     </p:extLst>
   </p:cSld>
   <p:clrMapOvr>
-    <a:masterClrMapping/>
+    <a:overrideClrMapping bg1="dk1" tx1="lt1" bg2="dk2" tx2="lt2" accent1="accent1" accent2="accent2" accent3="accent3" accent4="accent4" accent5="accent5" accent6="accent6" hlink="hlink" folHlink="folHlink"/>
   </p:clrMapOvr>
 </p:sld>
 </file>
@@ -3463,6 +3685,14 @@
 <file path=ppt/slides/slide2.xml><?xml version="1.0" encoding="utf-8"?>
 <p:sld xmlns:a="http://schemas.openxmlformats.org/drawingml/2006/main" xmlns:r="http://schemas.openxmlformats.org/officeDocument/2006/relationships" xmlns:p="http://schemas.openxmlformats.org/presentationml/2006/main">
   <p:cSld>
+    <p:bg>
+      <p:bgPr>
+        <a:solidFill>
+          <a:schemeClr val="bg1"/>
+        </a:solidFill>
+        <a:effectLst/>
+      </p:bgPr>
+    </p:bg>
     <p:spTree>
       <p:nvGrpSpPr>
         <p:cNvPr id="1" name=""/>
@@ -3477,12 +3707,72 @@
           <a:chExt cx="0" cy="0"/>
         </a:xfrm>
       </p:grpSpPr>
+      <p:sp useBgFill="1">
+        <p:nvSpPr>
+          <p:cNvPr id="9" name="Rectangle 8">
+            <a:extLst>
+              <a:ext uri="{FF2B5EF4-FFF2-40B4-BE49-F238E27FC236}">
+                <a16:creationId xmlns:a16="http://schemas.microsoft.com/office/drawing/2014/main" id="{6B5E2835-4E47-45B3-9CFE-732FF7B05472}"/>
+              </a:ext>
+              <a:ext uri="{C183D7F6-B498-43B3-948B-1728B52AA6E4}">
+                <adec:decorative xmlns:adec="http://schemas.microsoft.com/office/drawing/2017/decorative" val="1"/>
+              </a:ext>
+            </a:extLst>
+          </p:cNvPr>
+          <p:cNvSpPr>
+            <a:spLocks noGrp="1" noRot="1" noChangeAspect="1" noMove="1" noResize="1" noEditPoints="1" noAdjustHandles="1" noChangeArrowheads="1" noChangeShapeType="1" noTextEdit="1"/>
+          </p:cNvSpPr>
+          <p:nvPr>
+            <p:extLst>
+              <p:ext uri="{386F3935-93C4-4BCD-93E2-E3B085C9AB24}">
+                <p16:designElem xmlns:p16="http://schemas.microsoft.com/office/powerpoint/2015/main" val="1"/>
+              </p:ext>
+            </p:extLst>
+          </p:nvPr>
+        </p:nvSpPr>
+        <p:spPr>
+          <a:xfrm>
+            <a:off x="0" y="0"/>
+            <a:ext cx="12192000" cy="6858000"/>
+          </a:xfrm>
+          <a:prstGeom prst="rect">
+            <a:avLst/>
+          </a:prstGeom>
+          <a:ln>
+            <a:noFill/>
+          </a:ln>
+        </p:spPr>
+        <p:style>
+          <a:lnRef idx="2">
+            <a:schemeClr val="accent1">
+              <a:shade val="50000"/>
+            </a:schemeClr>
+          </a:lnRef>
+          <a:fillRef idx="1">
+            <a:schemeClr val="accent1"/>
+          </a:fillRef>
+          <a:effectRef idx="0">
+            <a:schemeClr val="accent1"/>
+          </a:effectRef>
+          <a:fontRef idx="minor">
+            <a:schemeClr val="lt1"/>
+          </a:fontRef>
+        </p:style>
+        <p:txBody>
+          <a:bodyPr rtlCol="0" anchor="ctr"/>
+          <a:lstStyle/>
+          <a:p>
+            <a:pPr algn="ctr"/>
+            <a:endParaRPr lang="en-US"/>
+          </a:p>
+        </p:txBody>
+      </p:sp>
       <p:pic>
         <p:nvPicPr>
-          <p:cNvPr id="2050" name="Picture 2" descr="Exquisite 4 player chess set">
-            <a:extLst>
-              <a:ext uri="{FF2B5EF4-FFF2-40B4-BE49-F238E27FC236}">
-                <a16:creationId xmlns:a16="http://schemas.microsoft.com/office/drawing/2014/main" id="{24B42411-66AD-1D88-C474-48B48668AA61}"/>
+          <p:cNvPr id="4" name="Picture 2" descr="Exquisite 4 player chess set">
+            <a:extLst>
+              <a:ext uri="{FF2B5EF4-FFF2-40B4-BE49-F238E27FC236}">
+                <a16:creationId xmlns:a16="http://schemas.microsoft.com/office/drawing/2014/main" id="{4074F4AA-2ABD-8D11-209C-17CAB2CCCC66}"/>
               </a:ext>
             </a:extLst>
           </p:cNvPr>
@@ -3491,7 +3781,7 @@
           </p:cNvPicPr>
           <p:nvPr/>
         </p:nvPicPr>
-        <p:blipFill>
+        <p:blipFill rotWithShape="1">
           <a:blip r:embed="rId2">
             <a:extLst>
               <a:ext uri="{28A0092B-C50C-407E-A947-70E740481C1C}">
@@ -3499,15 +3789,855 @@
               </a:ext>
             </a:extLst>
           </a:blip>
-          <a:srcRect/>
-          <a:stretch>
-            <a:fillRect/>
-          </a:stretch>
+          <a:srcRect l="6267" r="6626" b="-1"/>
+          <a:stretch/>
         </p:blipFill>
         <p:spPr bwMode="auto">
           <a:xfrm>
-            <a:off x="0" y="-1"/>
-            <a:ext cx="12191999" cy="6943725"/>
+            <a:off x="3242695" y="10"/>
+            <a:ext cx="8949307" cy="6857990"/>
+          </a:xfrm>
+          <a:custGeom>
+            <a:avLst/>
+            <a:gdLst/>
+            <a:ahLst/>
+            <a:cxnLst/>
+            <a:rect l="l" t="t" r="r" b="b"/>
+            <a:pathLst>
+              <a:path w="8949307" h="6858000">
+                <a:moveTo>
+                  <a:pt x="0" y="0"/>
+                </a:moveTo>
+                <a:lnTo>
+                  <a:pt x="8949307" y="0"/>
+                </a:lnTo>
+                <a:lnTo>
+                  <a:pt x="8949307" y="6858000"/>
+                </a:lnTo>
+                <a:lnTo>
+                  <a:pt x="0" y="6858000"/>
+                </a:lnTo>
+                <a:lnTo>
+                  <a:pt x="62983" y="6788730"/>
+                </a:lnTo>
+                <a:cubicBezTo>
+                  <a:pt x="773509" y="5928900"/>
+                  <a:pt x="1212979" y="4741056"/>
+                  <a:pt x="1212979" y="3429000"/>
+                </a:cubicBezTo>
+                <a:cubicBezTo>
+                  <a:pt x="1212979" y="2116944"/>
+                  <a:pt x="773509" y="929100"/>
+                  <a:pt x="62983" y="69271"/>
+                </a:cubicBezTo>
+                <a:close/>
+              </a:path>
+            </a:pathLst>
+          </a:custGeom>
+          <a:noFill/>
+          <a:extLst>
+            <a:ext uri="{909E8E84-426E-40DD-AFC4-6F175D3DCCD1}">
+              <a14:hiddenFill xmlns:a14="http://schemas.microsoft.com/office/drawing/2010/main">
+                <a:solidFill>
+                  <a:srgbClr val="FFFFFF"/>
+                </a:solidFill>
+              </a14:hiddenFill>
+            </a:ext>
+          </a:extLst>
+        </p:spPr>
+      </p:pic>
+      <p:sp useBgFill="1">
+        <p:nvSpPr>
+          <p:cNvPr id="11" name="Freeform: Shape 10">
+            <a:extLst>
+              <a:ext uri="{FF2B5EF4-FFF2-40B4-BE49-F238E27FC236}">
+                <a16:creationId xmlns:a16="http://schemas.microsoft.com/office/drawing/2014/main" id="{5B45AD5D-AA52-4F7B-9362-576A39AD9E09}"/>
+              </a:ext>
+              <a:ext uri="{C183D7F6-B498-43B3-948B-1728B52AA6E4}">
+                <adec:decorative xmlns:adec="http://schemas.microsoft.com/office/drawing/2017/decorative" val="1"/>
+              </a:ext>
+            </a:extLst>
+          </p:cNvPr>
+          <p:cNvSpPr>
+            <a:spLocks noGrp="1" noRot="1" noChangeAspect="1" noMove="1" noResize="1" noEditPoints="1" noAdjustHandles="1" noChangeArrowheads="1" noChangeShapeType="1" noTextEdit="1"/>
+          </p:cNvSpPr>
+          <p:nvPr>
+            <p:extLst>
+              <p:ext uri="{386F3935-93C4-4BCD-93E2-E3B085C9AB24}">
+                <p16:designElem xmlns:p16="http://schemas.microsoft.com/office/powerpoint/2015/main" val="1"/>
+              </p:ext>
+            </p:extLst>
+          </p:nvPr>
+        </p:nvSpPr>
+        <p:spPr>
+          <a:xfrm>
+            <a:off x="-1" y="0"/>
+            <a:ext cx="4455673" cy="6858000"/>
+          </a:xfrm>
+          <a:custGeom>
+            <a:avLst/>
+            <a:gdLst>
+              <a:gd name="connsiteX0" fmla="*/ 0 w 4455673"/>
+              <a:gd name="connsiteY0" fmla="*/ 0 h 6858000"/>
+              <a:gd name="connsiteX1" fmla="*/ 3242695 w 4455673"/>
+              <a:gd name="connsiteY1" fmla="*/ 0 h 6858000"/>
+              <a:gd name="connsiteX2" fmla="*/ 3305678 w 4455673"/>
+              <a:gd name="connsiteY2" fmla="*/ 69271 h 6858000"/>
+              <a:gd name="connsiteX3" fmla="*/ 4455673 w 4455673"/>
+              <a:gd name="connsiteY3" fmla="*/ 3429000 h 6858000"/>
+              <a:gd name="connsiteX4" fmla="*/ 3305678 w 4455673"/>
+              <a:gd name="connsiteY4" fmla="*/ 6788730 h 6858000"/>
+              <a:gd name="connsiteX5" fmla="*/ 3242695 w 4455673"/>
+              <a:gd name="connsiteY5" fmla="*/ 6858000 h 6858000"/>
+              <a:gd name="connsiteX6" fmla="*/ 0 w 4455673"/>
+              <a:gd name="connsiteY6" fmla="*/ 6858000 h 6858000"/>
+            </a:gdLst>
+            <a:ahLst/>
+            <a:cxnLst>
+              <a:cxn ang="0">
+                <a:pos x="connsiteX0" y="connsiteY0"/>
+              </a:cxn>
+              <a:cxn ang="0">
+                <a:pos x="connsiteX1" y="connsiteY1"/>
+              </a:cxn>
+              <a:cxn ang="0">
+                <a:pos x="connsiteX2" y="connsiteY2"/>
+              </a:cxn>
+              <a:cxn ang="0">
+                <a:pos x="connsiteX3" y="connsiteY3"/>
+              </a:cxn>
+              <a:cxn ang="0">
+                <a:pos x="connsiteX4" y="connsiteY4"/>
+              </a:cxn>
+              <a:cxn ang="0">
+                <a:pos x="connsiteX5" y="connsiteY5"/>
+              </a:cxn>
+              <a:cxn ang="0">
+                <a:pos x="connsiteX6" y="connsiteY6"/>
+              </a:cxn>
+            </a:cxnLst>
+            <a:rect l="l" t="t" r="r" b="b"/>
+            <a:pathLst>
+              <a:path w="4455673" h="6858000">
+                <a:moveTo>
+                  <a:pt x="0" y="0"/>
+                </a:moveTo>
+                <a:lnTo>
+                  <a:pt x="3242695" y="0"/>
+                </a:lnTo>
+                <a:lnTo>
+                  <a:pt x="3305678" y="69271"/>
+                </a:lnTo>
+                <a:cubicBezTo>
+                  <a:pt x="4016204" y="929100"/>
+                  <a:pt x="4455673" y="2116944"/>
+                  <a:pt x="4455673" y="3429000"/>
+                </a:cubicBezTo>
+                <a:cubicBezTo>
+                  <a:pt x="4455673" y="4741056"/>
+                  <a:pt x="4016204" y="5928900"/>
+                  <a:pt x="3305678" y="6788730"/>
+                </a:cubicBezTo>
+                <a:lnTo>
+                  <a:pt x="3242695" y="6858000"/>
+                </a:lnTo>
+                <a:lnTo>
+                  <a:pt x="0" y="6858000"/>
+                </a:lnTo>
+                <a:close/>
+              </a:path>
+            </a:pathLst>
+          </a:custGeom>
+          <a:ln w="9525">
+            <a:solidFill>
+              <a:srgbClr val="D5D5D5"/>
+            </a:solidFill>
+          </a:ln>
+          <a:effectLst>
+            <a:outerShdw blurRad="50800" dist="38100" algn="l" rotWithShape="0">
+              <a:schemeClr val="bg1">
+                <a:lumMod val="85000"/>
+                <a:alpha val="30000"/>
+              </a:schemeClr>
+            </a:outerShdw>
+          </a:effectLst>
+        </p:spPr>
+        <p:style>
+          <a:lnRef idx="2">
+            <a:schemeClr val="accent1">
+              <a:shade val="50000"/>
+            </a:schemeClr>
+          </a:lnRef>
+          <a:fillRef idx="1">
+            <a:schemeClr val="accent1"/>
+          </a:fillRef>
+          <a:effectRef idx="0">
+            <a:schemeClr val="accent1"/>
+          </a:effectRef>
+          <a:fontRef idx="minor">
+            <a:schemeClr val="lt1"/>
+          </a:fontRef>
+        </p:style>
+        <p:txBody>
+          <a:bodyPr wrap="square" rtlCol="0" anchor="ctr">
+            <a:noAutofit/>
+          </a:bodyPr>
+          <a:lstStyle/>
+          <a:p>
+            <a:pPr marL="0" marR="0" lvl="0" indent="0" algn="ctr" defTabSz="914400" rtl="0" eaLnBrk="1" fontAlgn="auto" latinLnBrk="0" hangingPunct="1">
+              <a:lnSpc>
+                <a:spcPct val="100000"/>
+              </a:lnSpc>
+              <a:spcBef>
+                <a:spcPts val="0"/>
+              </a:spcBef>
+              <a:spcAft>
+                <a:spcPts val="0"/>
+              </a:spcAft>
+              <a:buClrTx/>
+              <a:buSzTx/>
+              <a:buFontTx/>
+              <a:buNone/>
+              <a:tabLst/>
+              <a:defRPr/>
+            </a:pPr>
+            <a:endParaRPr kumimoji="0" lang="en-US" sz="1800" b="0" i="0" u="none" strike="noStrike" kern="1200" cap="none" spc="0" normalizeH="0" baseline="0" noProof="0">
+              <a:ln>
+                <a:noFill/>
+              </a:ln>
+              <a:solidFill>
+                <a:prstClr val="white"/>
+              </a:solidFill>
+              <a:effectLst/>
+              <a:uLnTx/>
+              <a:uFillTx/>
+              <a:latin typeface="Calibri" panose="020F0502020204030204"/>
+              <a:ea typeface="+mn-ea"/>
+              <a:cs typeface="+mn-cs"/>
+            </a:endParaRPr>
+          </a:p>
+        </p:txBody>
+      </p:sp>
+      <p:sp useBgFill="1">
+        <p:nvSpPr>
+          <p:cNvPr id="13" name="Freeform: Shape 12">
+            <a:extLst>
+              <a:ext uri="{FF2B5EF4-FFF2-40B4-BE49-F238E27FC236}">
+                <a16:creationId xmlns:a16="http://schemas.microsoft.com/office/drawing/2014/main" id="{AEDD7960-4866-4399-BEF6-DD1431AB4E34}"/>
+              </a:ext>
+              <a:ext uri="{C183D7F6-B498-43B3-948B-1728B52AA6E4}">
+                <adec:decorative xmlns:adec="http://schemas.microsoft.com/office/drawing/2017/decorative" val="1"/>
+              </a:ext>
+            </a:extLst>
+          </p:cNvPr>
+          <p:cNvSpPr>
+            <a:spLocks noGrp="1" noRot="1" noChangeAspect="1" noMove="1" noResize="1" noEditPoints="1" noAdjustHandles="1" noChangeArrowheads="1" noChangeShapeType="1" noTextEdit="1"/>
+          </p:cNvSpPr>
+          <p:nvPr>
+            <p:extLst>
+              <p:ext uri="{386F3935-93C4-4BCD-93E2-E3B085C9AB24}">
+                <p16:designElem xmlns:p16="http://schemas.microsoft.com/office/powerpoint/2015/main" val="1"/>
+              </p:ext>
+            </p:extLst>
+          </p:nvPr>
+        </p:nvSpPr>
+        <p:spPr>
+          <a:xfrm>
+            <a:off x="0" y="0"/>
+            <a:ext cx="4446529" cy="6858000"/>
+          </a:xfrm>
+          <a:custGeom>
+            <a:avLst/>
+            <a:gdLst>
+              <a:gd name="connsiteX0" fmla="*/ 0 w 4446529"/>
+              <a:gd name="connsiteY0" fmla="*/ 0 h 6858000"/>
+              <a:gd name="connsiteX1" fmla="*/ 3233551 w 4446529"/>
+              <a:gd name="connsiteY1" fmla="*/ 0 h 6858000"/>
+              <a:gd name="connsiteX2" fmla="*/ 3296534 w 4446529"/>
+              <a:gd name="connsiteY2" fmla="*/ 69271 h 6858000"/>
+              <a:gd name="connsiteX3" fmla="*/ 4446529 w 4446529"/>
+              <a:gd name="connsiteY3" fmla="*/ 3429000 h 6858000"/>
+              <a:gd name="connsiteX4" fmla="*/ 3296534 w 4446529"/>
+              <a:gd name="connsiteY4" fmla="*/ 6788730 h 6858000"/>
+              <a:gd name="connsiteX5" fmla="*/ 3233551 w 4446529"/>
+              <a:gd name="connsiteY5" fmla="*/ 6858000 h 6858000"/>
+              <a:gd name="connsiteX6" fmla="*/ 0 w 4446529"/>
+              <a:gd name="connsiteY6" fmla="*/ 6858000 h 6858000"/>
+            </a:gdLst>
+            <a:ahLst/>
+            <a:cxnLst>
+              <a:cxn ang="0">
+                <a:pos x="connsiteX0" y="connsiteY0"/>
+              </a:cxn>
+              <a:cxn ang="0">
+                <a:pos x="connsiteX1" y="connsiteY1"/>
+              </a:cxn>
+              <a:cxn ang="0">
+                <a:pos x="connsiteX2" y="connsiteY2"/>
+              </a:cxn>
+              <a:cxn ang="0">
+                <a:pos x="connsiteX3" y="connsiteY3"/>
+              </a:cxn>
+              <a:cxn ang="0">
+                <a:pos x="connsiteX4" y="connsiteY4"/>
+              </a:cxn>
+              <a:cxn ang="0">
+                <a:pos x="connsiteX5" y="connsiteY5"/>
+              </a:cxn>
+              <a:cxn ang="0">
+                <a:pos x="connsiteX6" y="connsiteY6"/>
+              </a:cxn>
+            </a:cxnLst>
+            <a:rect l="l" t="t" r="r" b="b"/>
+            <a:pathLst>
+              <a:path w="4446529" h="6858000">
+                <a:moveTo>
+                  <a:pt x="0" y="0"/>
+                </a:moveTo>
+                <a:lnTo>
+                  <a:pt x="3233551" y="0"/>
+                </a:lnTo>
+                <a:lnTo>
+                  <a:pt x="3296534" y="69271"/>
+                </a:lnTo>
+                <a:cubicBezTo>
+                  <a:pt x="4007060" y="929100"/>
+                  <a:pt x="4446529" y="2116944"/>
+                  <a:pt x="4446529" y="3429000"/>
+                </a:cubicBezTo>
+                <a:cubicBezTo>
+                  <a:pt x="4446529" y="4741056"/>
+                  <a:pt x="4007060" y="5928900"/>
+                  <a:pt x="3296534" y="6788730"/>
+                </a:cubicBezTo>
+                <a:lnTo>
+                  <a:pt x="3233551" y="6858000"/>
+                </a:lnTo>
+                <a:lnTo>
+                  <a:pt x="0" y="6858000"/>
+                </a:lnTo>
+                <a:close/>
+              </a:path>
+            </a:pathLst>
+          </a:custGeom>
+          <a:ln w="9525">
+            <a:noFill/>
+          </a:ln>
+          <a:effectLst/>
+        </p:spPr>
+        <p:style>
+          <a:lnRef idx="2">
+            <a:schemeClr val="accent1">
+              <a:shade val="50000"/>
+            </a:schemeClr>
+          </a:lnRef>
+          <a:fillRef idx="1">
+            <a:schemeClr val="accent1"/>
+          </a:fillRef>
+          <a:effectRef idx="0">
+            <a:schemeClr val="accent1"/>
+          </a:effectRef>
+          <a:fontRef idx="minor">
+            <a:schemeClr val="lt1"/>
+          </a:fontRef>
+        </p:style>
+        <p:txBody>
+          <a:bodyPr wrap="square" rtlCol="0" anchor="ctr">
+            <a:noAutofit/>
+          </a:bodyPr>
+          <a:lstStyle/>
+          <a:p>
+            <a:pPr marL="0" marR="0" lvl="0" indent="0" algn="ctr" defTabSz="914400" rtl="0" eaLnBrk="1" fontAlgn="auto" latinLnBrk="0" hangingPunct="1">
+              <a:lnSpc>
+                <a:spcPct val="100000"/>
+              </a:lnSpc>
+              <a:spcBef>
+                <a:spcPts val="0"/>
+              </a:spcBef>
+              <a:spcAft>
+                <a:spcPts val="0"/>
+              </a:spcAft>
+              <a:buClrTx/>
+              <a:buSzTx/>
+              <a:buFontTx/>
+              <a:buNone/>
+              <a:tabLst/>
+              <a:defRPr/>
+            </a:pPr>
+            <a:endParaRPr kumimoji="0" lang="en-US" sz="1800" b="0" i="0" u="none" strike="noStrike" kern="1200" cap="none" spc="0" normalizeH="0" baseline="0" noProof="0">
+              <a:ln>
+                <a:noFill/>
+              </a:ln>
+              <a:solidFill>
+                <a:prstClr val="white"/>
+              </a:solidFill>
+              <a:effectLst/>
+              <a:uLnTx/>
+              <a:uFillTx/>
+              <a:latin typeface="Calibri" panose="020F0502020204030204"/>
+              <a:ea typeface="+mn-ea"/>
+              <a:cs typeface="+mn-cs"/>
+            </a:endParaRPr>
+          </a:p>
+        </p:txBody>
+      </p:sp>
+      <p:sp>
+        <p:nvSpPr>
+          <p:cNvPr id="2" name="Titel 1">
+            <a:extLst>
+              <a:ext uri="{FF2B5EF4-FFF2-40B4-BE49-F238E27FC236}">
+                <a16:creationId xmlns:a16="http://schemas.microsoft.com/office/drawing/2014/main" id="{FE904F98-E4A2-EF78-18C0-A460D6BB544C}"/>
+              </a:ext>
+            </a:extLst>
+          </p:cNvPr>
+          <p:cNvSpPr>
+            <a:spLocks noGrp="1"/>
+          </p:cNvSpPr>
+          <p:nvPr>
+            <p:ph type="title"/>
+          </p:nvPr>
+        </p:nvSpPr>
+        <p:spPr>
+          <a:xfrm>
+            <a:off x="371094" y="1161288"/>
+            <a:ext cx="3438144" cy="1125728"/>
+          </a:xfrm>
+        </p:spPr>
+        <p:txBody>
+          <a:bodyPr anchor="b">
+            <a:normAutofit/>
+          </a:bodyPr>
+          <a:lstStyle/>
+          <a:p>
+            <a:r>
+              <a:rPr lang="en-US" sz="2800" dirty="0" err="1"/>
+              <a:t>Inhoud</a:t>
+            </a:r>
+            <a:endParaRPr lang="nl-NL" sz="2800" dirty="0"/>
+          </a:p>
+        </p:txBody>
+      </p:sp>
+      <p:sp>
+        <p:nvSpPr>
+          <p:cNvPr id="15" name="Rectangle 14">
+            <a:extLst>
+              <a:ext uri="{FF2B5EF4-FFF2-40B4-BE49-F238E27FC236}">
+                <a16:creationId xmlns:a16="http://schemas.microsoft.com/office/drawing/2014/main" id="{55D4142C-5077-457F-A6AD-3FECFDB39685}"/>
+              </a:ext>
+              <a:ext uri="{C183D7F6-B498-43B3-948B-1728B52AA6E4}">
+                <adec:decorative xmlns:adec="http://schemas.microsoft.com/office/drawing/2017/decorative" val="1"/>
+              </a:ext>
+            </a:extLst>
+          </p:cNvPr>
+          <p:cNvSpPr>
+            <a:spLocks noGrp="1" noRot="1" noChangeAspect="1" noMove="1" noResize="1" noEditPoints="1" noAdjustHandles="1" noChangeArrowheads="1" noChangeShapeType="1" noTextEdit="1"/>
+          </p:cNvSpPr>
+          <p:nvPr>
+            <p:extLst>
+              <p:ext uri="{386F3935-93C4-4BCD-93E2-E3B085C9AB24}">
+                <p16:designElem xmlns:p16="http://schemas.microsoft.com/office/powerpoint/2015/main" val="1"/>
+              </p:ext>
+            </p:extLst>
+          </p:nvPr>
+        </p:nvSpPr>
+        <p:spPr>
+          <a:xfrm rot="5400000">
+            <a:off x="662559" y="605790"/>
+            <a:ext cx="73152" cy="548640"/>
+          </a:xfrm>
+          <a:prstGeom prst="rect">
+            <a:avLst/>
+          </a:prstGeom>
+          <a:solidFill>
+            <a:schemeClr val="accent2"/>
+          </a:solidFill>
+          <a:ln>
+            <a:noFill/>
+          </a:ln>
+        </p:spPr>
+        <p:style>
+          <a:lnRef idx="2">
+            <a:schemeClr val="accent1">
+              <a:shade val="50000"/>
+            </a:schemeClr>
+          </a:lnRef>
+          <a:fillRef idx="1">
+            <a:schemeClr val="accent1"/>
+          </a:fillRef>
+          <a:effectRef idx="0">
+            <a:schemeClr val="accent1"/>
+          </a:effectRef>
+          <a:fontRef idx="minor">
+            <a:schemeClr val="lt1"/>
+          </a:fontRef>
+        </p:style>
+        <p:txBody>
+          <a:bodyPr rtlCol="0" anchor="ctr"/>
+          <a:lstStyle/>
+          <a:p>
+            <a:pPr algn="ctr"/>
+            <a:endParaRPr lang="en-US">
+              <a:solidFill>
+                <a:prstClr val="white"/>
+              </a:solidFill>
+              <a:latin typeface="Calibri" panose="020F0502020204030204"/>
+            </a:endParaRPr>
+          </a:p>
+        </p:txBody>
+      </p:sp>
+      <p:sp>
+        <p:nvSpPr>
+          <p:cNvPr id="17" name="Rectangle 16">
+            <a:extLst>
+              <a:ext uri="{FF2B5EF4-FFF2-40B4-BE49-F238E27FC236}">
+                <a16:creationId xmlns:a16="http://schemas.microsoft.com/office/drawing/2014/main" id="{7A5F0580-5EE9-419F-96EE-B6529EF6E7D0}"/>
+              </a:ext>
+              <a:ext uri="{C183D7F6-B498-43B3-948B-1728B52AA6E4}">
+                <adec:decorative xmlns:adec="http://schemas.microsoft.com/office/drawing/2017/decorative" val="1"/>
+              </a:ext>
+            </a:extLst>
+          </p:cNvPr>
+          <p:cNvSpPr>
+            <a:spLocks noGrp="1" noRot="1" noChangeAspect="1" noMove="1" noResize="1" noEditPoints="1" noAdjustHandles="1" noChangeArrowheads="1" noChangeShapeType="1" noTextEdit="1"/>
+          </p:cNvSpPr>
+          <p:nvPr>
+            <p:extLst>
+              <p:ext uri="{386F3935-93C4-4BCD-93E2-E3B085C9AB24}">
+                <p16:designElem xmlns:p16="http://schemas.microsoft.com/office/powerpoint/2015/main" val="1"/>
+              </p:ext>
+            </p:extLst>
+          </p:nvPr>
+        </p:nvSpPr>
+        <p:spPr>
+          <a:xfrm>
+            <a:off x="428244" y="2443480"/>
+            <a:ext cx="3337560" cy="18288"/>
+          </a:xfrm>
+          <a:prstGeom prst="rect">
+            <a:avLst/>
+          </a:prstGeom>
+          <a:solidFill>
+            <a:srgbClr val="D5D5D5"/>
+          </a:solidFill>
+          <a:ln w="3175">
+            <a:noFill/>
+          </a:ln>
+          <a:effectLst/>
+        </p:spPr>
+        <p:style>
+          <a:lnRef idx="2">
+            <a:schemeClr val="accent1">
+              <a:shade val="50000"/>
+            </a:schemeClr>
+          </a:lnRef>
+          <a:fillRef idx="1">
+            <a:schemeClr val="accent1"/>
+          </a:fillRef>
+          <a:effectRef idx="0">
+            <a:schemeClr val="accent1"/>
+          </a:effectRef>
+          <a:fontRef idx="minor">
+            <a:schemeClr val="lt1"/>
+          </a:fontRef>
+        </p:style>
+        <p:txBody>
+          <a:bodyPr rtlCol="0" anchor="ctr"/>
+          <a:lstStyle/>
+          <a:p>
+            <a:pPr algn="ctr"/>
+            <a:endParaRPr lang="en-US">
+              <a:solidFill>
+                <a:prstClr val="white"/>
+              </a:solidFill>
+              <a:latin typeface="Calibri" panose="020F0502020204030204"/>
+            </a:endParaRPr>
+          </a:p>
+        </p:txBody>
+      </p:sp>
+      <p:sp>
+        <p:nvSpPr>
+          <p:cNvPr id="3" name="Tijdelijke aanduiding voor inhoud 2">
+            <a:extLst>
+              <a:ext uri="{FF2B5EF4-FFF2-40B4-BE49-F238E27FC236}">
+                <a16:creationId xmlns:a16="http://schemas.microsoft.com/office/drawing/2014/main" id="{F601FF99-8FFA-6CD1-219A-E01AD93C917C}"/>
+              </a:ext>
+            </a:extLst>
+          </p:cNvPr>
+          <p:cNvSpPr>
+            <a:spLocks noGrp="1"/>
+          </p:cNvSpPr>
+          <p:nvPr>
+            <p:ph idx="1"/>
+          </p:nvPr>
+        </p:nvSpPr>
+        <p:spPr>
+          <a:xfrm>
+            <a:off x="371094" y="2718054"/>
+            <a:ext cx="3438906" cy="3207258"/>
+          </a:xfrm>
+        </p:spPr>
+        <p:txBody>
+          <a:bodyPr anchor="t">
+            <a:normAutofit/>
+          </a:bodyPr>
+          <a:lstStyle/>
+          <a:p>
+            <a:pPr algn="l">
+              <a:buFont typeface="Arial" panose="020B0604020202020204" pitchFamily="34" charset="0"/>
+              <a:buChar char="•"/>
+            </a:pPr>
+            <a:r>
+              <a:rPr lang="nl-NL" sz="1200" b="0" i="0" dirty="0">
+                <a:solidFill>
+                  <a:srgbClr val="333333"/>
+                </a:solidFill>
+                <a:effectLst/>
+                <a:latin typeface="Open Sans" panose="020B0606030504020204" pitchFamily="34" charset="0"/>
+              </a:rPr>
+              <a:t>Waar het spel over gaat en hoe het werkt.</a:t>
+            </a:r>
+          </a:p>
+          <a:p>
+            <a:pPr algn="l">
+              <a:buFont typeface="Arial" panose="020B0604020202020204" pitchFamily="34" charset="0"/>
+              <a:buChar char="•"/>
+            </a:pPr>
+            <a:r>
+              <a:rPr lang="nl-NL" sz="1200" dirty="0">
+                <a:solidFill>
+                  <a:srgbClr val="333333"/>
+                </a:solidFill>
+                <a:latin typeface="Open Sans" panose="020B0606030504020204" pitchFamily="34" charset="0"/>
+              </a:rPr>
+              <a:t>Onze</a:t>
+            </a:r>
+            <a:r>
+              <a:rPr lang="nl-NL" sz="1200" b="0" i="0" dirty="0">
+                <a:solidFill>
+                  <a:srgbClr val="333333"/>
+                </a:solidFill>
+                <a:effectLst/>
+                <a:latin typeface="Open Sans" panose="020B0606030504020204" pitchFamily="34" charset="0"/>
+              </a:rPr>
+              <a:t> inspiratie.</a:t>
+            </a:r>
+          </a:p>
+          <a:p>
+            <a:r>
+              <a:rPr lang="nl-NL" sz="1200" b="0" i="0" dirty="0">
+                <a:solidFill>
+                  <a:srgbClr val="333333"/>
+                </a:solidFill>
+                <a:effectLst/>
+                <a:latin typeface="Open Sans" panose="020B0606030504020204" pitchFamily="34" charset="0"/>
+              </a:rPr>
+              <a:t>De flowcharts die jullie hebben gemaakt.</a:t>
+            </a:r>
+          </a:p>
+          <a:p>
+            <a:pPr algn="l">
+              <a:buFont typeface="Arial" panose="020B0604020202020204" pitchFamily="34" charset="0"/>
+              <a:buChar char="•"/>
+            </a:pPr>
+            <a:r>
+              <a:rPr lang="nl-NL" sz="1200" b="0" i="0" dirty="0">
+                <a:solidFill>
+                  <a:srgbClr val="333333"/>
+                </a:solidFill>
+                <a:effectLst/>
+                <a:latin typeface="Open Sans" panose="020B0606030504020204" pitchFamily="34" charset="0"/>
+              </a:rPr>
+              <a:t>Wat jullie tot nu toe hebben gedaan aan het prototype.</a:t>
+            </a:r>
+          </a:p>
+          <a:p>
+            <a:pPr algn="l">
+              <a:buFont typeface="Arial" panose="020B0604020202020204" pitchFamily="34" charset="0"/>
+              <a:buChar char="•"/>
+            </a:pPr>
+            <a:r>
+              <a:rPr lang="nl-NL" sz="1200" b="0" i="0" dirty="0">
+                <a:solidFill>
+                  <a:srgbClr val="333333"/>
+                </a:solidFill>
+                <a:effectLst/>
+                <a:latin typeface="Open Sans" panose="020B0606030504020204" pitchFamily="34" charset="0"/>
+              </a:rPr>
+              <a:t>Wat er nog aan moet gebeuren en wat jullie niet gaan doen (</a:t>
+            </a:r>
+            <a:r>
+              <a:rPr lang="nl-NL" sz="1200" b="0" i="0" dirty="0" err="1">
+                <a:solidFill>
+                  <a:srgbClr val="333333"/>
+                </a:solidFill>
+                <a:effectLst/>
+                <a:latin typeface="Open Sans" panose="020B0606030504020204" pitchFamily="34" charset="0"/>
+              </a:rPr>
+              <a:t>MoSCoW</a:t>
+            </a:r>
+            <a:r>
+              <a:rPr lang="nl-NL" sz="1200" b="0" i="0" dirty="0">
+                <a:solidFill>
+                  <a:srgbClr val="333333"/>
+                </a:solidFill>
+                <a:effectLst/>
+                <a:latin typeface="Open Sans" panose="020B0606030504020204" pitchFamily="34" charset="0"/>
+              </a:rPr>
+              <a:t> &amp; </a:t>
+            </a:r>
+            <a:r>
+              <a:rPr lang="nl-NL" sz="1200" b="0" i="0" dirty="0" err="1">
+                <a:solidFill>
+                  <a:srgbClr val="333333"/>
+                </a:solidFill>
+                <a:effectLst/>
+                <a:latin typeface="Open Sans" panose="020B0606030504020204" pitchFamily="34" charset="0"/>
+              </a:rPr>
+              <a:t>ToDo</a:t>
+            </a:r>
+            <a:r>
+              <a:rPr lang="nl-NL" sz="1200" b="0" i="0" dirty="0">
+                <a:solidFill>
+                  <a:srgbClr val="333333"/>
+                </a:solidFill>
+                <a:effectLst/>
+                <a:latin typeface="Open Sans" panose="020B0606030504020204" pitchFamily="34" charset="0"/>
+              </a:rPr>
+              <a:t>).</a:t>
+            </a:r>
+          </a:p>
+          <a:p>
+            <a:endParaRPr lang="nl-NL" sz="1700" dirty="0"/>
+          </a:p>
+        </p:txBody>
+      </p:sp>
+    </p:spTree>
+    <p:extLst>
+      <p:ext uri="{BB962C8B-B14F-4D97-AF65-F5344CB8AC3E}">
+        <p14:creationId xmlns:p14="http://schemas.microsoft.com/office/powerpoint/2010/main" val="1269505466"/>
+      </p:ext>
+    </p:extLst>
+  </p:cSld>
+  <p:clrMapOvr>
+    <a:masterClrMapping/>
+  </p:clrMapOvr>
+</p:sld>
+</file>
+
+<file path=ppt/slides/slide3.xml><?xml version="1.0" encoding="utf-8"?>
+<p:sld xmlns:a="http://schemas.openxmlformats.org/drawingml/2006/main" xmlns:r="http://schemas.openxmlformats.org/officeDocument/2006/relationships" xmlns:p="http://schemas.openxmlformats.org/presentationml/2006/main">
+  <p:cSld>
+    <p:bg>
+      <p:bgPr>
+        <a:solidFill>
+          <a:schemeClr val="bg1"/>
+        </a:solidFill>
+        <a:effectLst/>
+      </p:bgPr>
+    </p:bg>
+    <p:spTree>
+      <p:nvGrpSpPr>
+        <p:cNvPr id="1" name=""/>
+        <p:cNvGrpSpPr/>
+        <p:nvPr/>
+      </p:nvGrpSpPr>
+      <p:grpSpPr>
+        <a:xfrm>
+          <a:off x="0" y="0"/>
+          <a:ext cx="0" cy="0"/>
+          <a:chOff x="0" y="0"/>
+          <a:chExt cx="0" cy="0"/>
+        </a:xfrm>
+      </p:grpSpPr>
+      <p:sp useBgFill="1">
+        <p:nvSpPr>
+          <p:cNvPr id="2055" name="Rectangle 2054">
+            <a:extLst>
+              <a:ext uri="{FF2B5EF4-FFF2-40B4-BE49-F238E27FC236}">
+                <a16:creationId xmlns:a16="http://schemas.microsoft.com/office/drawing/2014/main" id="{E91DC736-0EF8-4F87-9146-EBF1D2EE4D3D}"/>
+              </a:ext>
+              <a:ext uri="{C183D7F6-B498-43B3-948B-1728B52AA6E4}">
+                <adec:decorative xmlns:adec="http://schemas.microsoft.com/office/drawing/2017/decorative" val="1"/>
+              </a:ext>
+            </a:extLst>
+          </p:cNvPr>
+          <p:cNvSpPr>
+            <a:spLocks noGrp="1" noRot="1" noChangeAspect="1" noMove="1" noResize="1" noEditPoints="1" noAdjustHandles="1" noChangeArrowheads="1" noChangeShapeType="1" noTextEdit="1"/>
+          </p:cNvSpPr>
+          <p:nvPr>
+            <p:extLst>
+              <p:ext uri="{386F3935-93C4-4BCD-93E2-E3B085C9AB24}">
+                <p16:designElem xmlns:p16="http://schemas.microsoft.com/office/powerpoint/2015/main" val="1"/>
+              </p:ext>
+            </p:extLst>
+          </p:nvPr>
+        </p:nvSpPr>
+        <p:spPr>
+          <a:xfrm>
+            <a:off x="0" y="0"/>
+            <a:ext cx="12192000" cy="6858000"/>
+          </a:xfrm>
+          <a:prstGeom prst="rect">
+            <a:avLst/>
+          </a:prstGeom>
+          <a:ln>
+            <a:noFill/>
+          </a:ln>
+        </p:spPr>
+        <p:style>
+          <a:lnRef idx="2">
+            <a:schemeClr val="accent1">
+              <a:shade val="50000"/>
+            </a:schemeClr>
+          </a:lnRef>
+          <a:fillRef idx="1">
+            <a:schemeClr val="accent1"/>
+          </a:fillRef>
+          <a:effectRef idx="0">
+            <a:schemeClr val="accent1"/>
+          </a:effectRef>
+          <a:fontRef idx="minor">
+            <a:schemeClr val="lt1"/>
+          </a:fontRef>
+        </p:style>
+        <p:txBody>
+          <a:bodyPr rtlCol="0" anchor="ctr"/>
+          <a:lstStyle/>
+          <a:p>
+            <a:pPr algn="ctr"/>
+            <a:endParaRPr lang="en-US"/>
+          </a:p>
+        </p:txBody>
+      </p:sp>
+      <p:pic>
+        <p:nvPicPr>
+          <p:cNvPr id="2050" name="Picture 2" descr="Exquisite 4 player chess set">
+            <a:extLst>
+              <a:ext uri="{FF2B5EF4-FFF2-40B4-BE49-F238E27FC236}">
+                <a16:creationId xmlns:a16="http://schemas.microsoft.com/office/drawing/2014/main" id="{24B42411-66AD-1D88-C474-48B48668AA61}"/>
+              </a:ext>
+            </a:extLst>
+          </p:cNvPr>
+          <p:cNvPicPr>
+            <a:picLocks noChangeAspect="1" noChangeArrowheads="1"/>
+          </p:cNvPicPr>
+          <p:nvPr/>
+        </p:nvPicPr>
+        <p:blipFill rotWithShape="1">
+          <a:blip r:embed="rId2">
+            <a:extLst>
+              <a:ext uri="{28A0092B-C50C-407E-A947-70E740481C1C}">
+                <a14:useLocalDpi xmlns:a14="http://schemas.microsoft.com/office/drawing/2010/main" val="0"/>
+              </a:ext>
+            </a:extLst>
+          </a:blip>
+          <a:srcRect l="7" t="9091" r="23292"/>
+          <a:stretch/>
+        </p:blipFill>
+        <p:spPr bwMode="auto">
+          <a:xfrm>
+            <a:off x="3523488" y="10"/>
+            <a:ext cx="8668512" cy="6857990"/>
           </a:xfrm>
           <a:prstGeom prst="rect">
             <a:avLst/>
@@ -3526,6 +4656,92 @@
       </p:pic>
       <p:sp>
         <p:nvSpPr>
+          <p:cNvPr id="2057" name="Rectangle 2056">
+            <a:extLst>
+              <a:ext uri="{FF2B5EF4-FFF2-40B4-BE49-F238E27FC236}">
+                <a16:creationId xmlns:a16="http://schemas.microsoft.com/office/drawing/2014/main" id="{097CD68E-23E3-4007-8847-CD0944C4F7BE}"/>
+              </a:ext>
+              <a:ext uri="{C183D7F6-B498-43B3-948B-1728B52AA6E4}">
+                <adec:decorative xmlns:adec="http://schemas.microsoft.com/office/drawing/2017/decorative" val="1"/>
+              </a:ext>
+            </a:extLst>
+          </p:cNvPr>
+          <p:cNvSpPr>
+            <a:spLocks noGrp="1" noRot="1" noChangeAspect="1" noMove="1" noResize="1" noEditPoints="1" noAdjustHandles="1" noChangeArrowheads="1" noChangeShapeType="1" noTextEdit="1"/>
+          </p:cNvSpPr>
+          <p:nvPr>
+            <p:extLst>
+              <p:ext uri="{386F3935-93C4-4BCD-93E2-E3B085C9AB24}">
+                <p16:designElem xmlns:p16="http://schemas.microsoft.com/office/powerpoint/2015/main" val="1"/>
+              </p:ext>
+            </p:extLst>
+          </p:nvPr>
+        </p:nvSpPr>
+        <p:spPr>
+          <a:xfrm>
+            <a:off x="0" y="0"/>
+            <a:ext cx="9756601" cy="6858000"/>
+          </a:xfrm>
+          <a:prstGeom prst="rect">
+            <a:avLst/>
+          </a:prstGeom>
+          <a:gradFill>
+            <a:gsLst>
+              <a:gs pos="58000">
+                <a:schemeClr val="bg1"/>
+              </a:gs>
+              <a:gs pos="35000">
+                <a:schemeClr val="bg1">
+                  <a:alpha val="79000"/>
+                </a:schemeClr>
+              </a:gs>
+              <a:gs pos="19000">
+                <a:schemeClr val="bg1">
+                  <a:alpha val="38000"/>
+                </a:schemeClr>
+              </a:gs>
+              <a:gs pos="0">
+                <a:schemeClr val="bg1">
+                  <a:alpha val="0"/>
+                </a:schemeClr>
+              </a:gs>
+              <a:gs pos="100000">
+                <a:schemeClr val="bg1"/>
+              </a:gs>
+            </a:gsLst>
+            <a:lin ang="10800000" scaled="0"/>
+          </a:gradFill>
+          <a:ln>
+            <a:noFill/>
+          </a:ln>
+        </p:spPr>
+        <p:style>
+          <a:lnRef idx="2">
+            <a:schemeClr val="accent1">
+              <a:shade val="50000"/>
+            </a:schemeClr>
+          </a:lnRef>
+          <a:fillRef idx="1">
+            <a:schemeClr val="accent1"/>
+          </a:fillRef>
+          <a:effectRef idx="0">
+            <a:schemeClr val="accent1"/>
+          </a:effectRef>
+          <a:fontRef idx="minor">
+            <a:schemeClr val="lt1"/>
+          </a:fontRef>
+        </p:style>
+        <p:txBody>
+          <a:bodyPr rtlCol="0" anchor="ctr"/>
+          <a:lstStyle/>
+          <a:p>
+            <a:pPr algn="ctr"/>
+            <a:endParaRPr lang="en-US" dirty="0"/>
+          </a:p>
+        </p:txBody>
+      </p:sp>
+      <p:sp>
+        <p:nvSpPr>
           <p:cNvPr id="2" name="Titel 1">
             <a:extLst>
               <a:ext uri="{FF2B5EF4-FFF2-40B4-BE49-F238E27FC236}">
@@ -3540,17 +4756,20 @@
             <p:ph type="title"/>
           </p:nvPr>
         </p:nvSpPr>
-        <p:spPr/>
-        <p:txBody>
-          <a:bodyPr/>
-          <a:lstStyle/>
-          <a:p>
-            <a:r>
-              <a:rPr lang="nl-NL" dirty="0">
-                <a:solidFill>
-                  <a:schemeClr val="bg1"/>
-                </a:solidFill>
-              </a:rPr>
+        <p:spPr>
+          <a:xfrm>
+            <a:off x="477981" y="1122363"/>
+            <a:ext cx="4023360" cy="3204134"/>
+          </a:xfrm>
+        </p:spPr>
+        <p:txBody>
+          <a:bodyPr vert="horz" lIns="91440" tIns="45720" rIns="91440" bIns="45720" rtlCol="0" anchor="b">
+            <a:normAutofit/>
+          </a:bodyPr>
+          <a:lstStyle/>
+          <a:p>
+            <a:r>
+              <a:rPr lang="en-US" sz="4800"/>
               <a:t>Waar gaat het spel over</a:t>
             </a:r>
           </a:p>
@@ -3572,19 +4791,186 @@
             <p:ph idx="1"/>
           </p:nvPr>
         </p:nvSpPr>
-        <p:spPr/>
-        <p:txBody>
-          <a:bodyPr/>
-          <a:lstStyle/>
-          <a:p>
-            <a:r>
-              <a:rPr lang="nl-NL" dirty="0">
-                <a:solidFill>
-                  <a:schemeClr val="bg1"/>
-                </a:solidFill>
-              </a:rPr>
+        <p:spPr>
+          <a:xfrm>
+            <a:off x="477980" y="4872922"/>
+            <a:ext cx="4023359" cy="1208141"/>
+          </a:xfrm>
+        </p:spPr>
+        <p:txBody>
+          <a:bodyPr vert="horz" lIns="91440" tIns="45720" rIns="91440" bIns="45720" rtlCol="0">
+            <a:normAutofit/>
+          </a:bodyPr>
+          <a:lstStyle/>
+          <a:p>
+            <a:pPr marL="0" indent="0">
+              <a:buNone/>
+            </a:pPr>
+            <a:r>
+              <a:rPr lang="en-US" sz="2000"/>
               <a:t>Ons spel is gebaseerd op 4 persoons en clash royal</a:t>
             </a:r>
+          </a:p>
+        </p:txBody>
+      </p:sp>
+      <p:sp>
+        <p:nvSpPr>
+          <p:cNvPr id="2063" name="Rectangle 2058">
+            <a:extLst>
+              <a:ext uri="{FF2B5EF4-FFF2-40B4-BE49-F238E27FC236}">
+                <a16:creationId xmlns:a16="http://schemas.microsoft.com/office/drawing/2014/main" id="{AF2F604E-43BE-4DC3-B983-E071523364F8}"/>
+              </a:ext>
+              <a:ext uri="{C183D7F6-B498-43B3-948B-1728B52AA6E4}">
+                <adec:decorative xmlns:adec="http://schemas.microsoft.com/office/drawing/2017/decorative" val="1"/>
+              </a:ext>
+            </a:extLst>
+          </p:cNvPr>
+          <p:cNvSpPr>
+            <a:spLocks noGrp="1" noRot="1" noChangeAspect="1" noMove="1" noResize="1" noEditPoints="1" noAdjustHandles="1" noChangeArrowheads="1" noChangeShapeType="1" noTextEdit="1"/>
+          </p:cNvSpPr>
+          <p:nvPr>
+            <p:extLst>
+              <p:ext uri="{386F3935-93C4-4BCD-93E2-E3B085C9AB24}">
+                <p16:designElem xmlns:p16="http://schemas.microsoft.com/office/powerpoint/2015/main" val="1"/>
+              </p:ext>
+            </p:extLst>
+          </p:nvPr>
+        </p:nvSpPr>
+        <p:spPr>
+          <a:xfrm rot="5400000">
+            <a:off x="759921" y="346791"/>
+            <a:ext cx="146304" cy="704088"/>
+          </a:xfrm>
+          <a:prstGeom prst="rect">
+            <a:avLst/>
+          </a:prstGeom>
+          <a:solidFill>
+            <a:schemeClr val="accent2"/>
+          </a:solidFill>
+          <a:ln>
+            <a:noFill/>
+          </a:ln>
+        </p:spPr>
+        <p:style>
+          <a:lnRef idx="2">
+            <a:schemeClr val="accent1">
+              <a:shade val="50000"/>
+            </a:schemeClr>
+          </a:lnRef>
+          <a:fillRef idx="1">
+            <a:schemeClr val="accent1"/>
+          </a:fillRef>
+          <a:effectRef idx="0">
+            <a:schemeClr val="accent1"/>
+          </a:effectRef>
+          <a:fontRef idx="minor">
+            <a:schemeClr val="lt1"/>
+          </a:fontRef>
+        </p:style>
+        <p:txBody>
+          <a:bodyPr rtlCol="0" anchor="ctr"/>
+          <a:lstStyle/>
+          <a:p>
+            <a:pPr algn="ctr"/>
+            <a:endParaRPr lang="en-US">
+              <a:solidFill>
+                <a:prstClr val="white"/>
+              </a:solidFill>
+              <a:latin typeface="Calibri" panose="020F0502020204030204"/>
+            </a:endParaRPr>
+          </a:p>
+        </p:txBody>
+      </p:sp>
+      <p:sp>
+        <p:nvSpPr>
+          <p:cNvPr id="2064" name="Rectangle 2060">
+            <a:extLst>
+              <a:ext uri="{FF2B5EF4-FFF2-40B4-BE49-F238E27FC236}">
+                <a16:creationId xmlns:a16="http://schemas.microsoft.com/office/drawing/2014/main" id="{08C9B587-E65E-4B52-B37C-ABEBB6E87928}"/>
+              </a:ext>
+              <a:ext uri="{C183D7F6-B498-43B3-948B-1728B52AA6E4}">
+                <adec:decorative xmlns:adec="http://schemas.microsoft.com/office/drawing/2017/decorative" val="1"/>
+              </a:ext>
+            </a:extLst>
+          </p:cNvPr>
+          <p:cNvSpPr>
+            <a:spLocks noGrp="1" noRot="1" noChangeAspect="1" noMove="1" noResize="1" noEditPoints="1" noAdjustHandles="1" noChangeArrowheads="1" noChangeShapeType="1" noTextEdit="1"/>
+          </p:cNvSpPr>
+          <p:nvPr>
+            <p:extLst>
+              <p:ext uri="{386F3935-93C4-4BCD-93E2-E3B085C9AB24}">
+                <p16:designElem xmlns:p16="http://schemas.microsoft.com/office/powerpoint/2015/main" val="1"/>
+              </p:ext>
+            </p:extLst>
+          </p:nvPr>
+        </p:nvSpPr>
+        <p:spPr>
+          <a:xfrm>
+            <a:off x="481029" y="4546920"/>
+            <a:ext cx="3977640" cy="18288"/>
+          </a:xfrm>
+          <a:prstGeom prst="rect">
+            <a:avLst/>
+          </a:prstGeom>
+          <a:solidFill>
+            <a:srgbClr val="D5D5D5"/>
+          </a:solidFill>
+          <a:ln w="3175">
+            <a:noFill/>
+          </a:ln>
+          <a:effectLst/>
+        </p:spPr>
+        <p:style>
+          <a:lnRef idx="2">
+            <a:schemeClr val="accent1">
+              <a:shade val="50000"/>
+            </a:schemeClr>
+          </a:lnRef>
+          <a:fillRef idx="1">
+            <a:schemeClr val="accent1"/>
+          </a:fillRef>
+          <a:effectRef idx="0">
+            <a:schemeClr val="accent1"/>
+          </a:effectRef>
+          <a:fontRef idx="minor">
+            <a:schemeClr val="lt1"/>
+          </a:fontRef>
+        </p:style>
+        <p:txBody>
+          <a:bodyPr rtlCol="0" anchor="ctr"/>
+          <a:lstStyle/>
+          <a:p>
+            <a:pPr marL="0" marR="0" lvl="0" indent="0" algn="ctr" defTabSz="914400" rtl="0" eaLnBrk="1" fontAlgn="auto" latinLnBrk="0" hangingPunct="1">
+              <a:lnSpc>
+                <a:spcPct val="100000"/>
+              </a:lnSpc>
+              <a:spcBef>
+                <a:spcPts val="0"/>
+              </a:spcBef>
+              <a:spcAft>
+                <a:spcPts val="0"/>
+              </a:spcAft>
+              <a:buClrTx/>
+              <a:buSzTx/>
+              <a:buFontTx/>
+              <a:buNone/>
+              <a:tabLst/>
+              <a:defRPr/>
+            </a:pPr>
+            <a:endParaRPr kumimoji="0" lang="en-US" sz="1800" b="0" i="0" u="none" strike="noStrike" kern="1200" cap="none" spc="0" normalizeH="0" baseline="0" noProof="0">
+              <a:ln>
+                <a:noFill/>
+              </a:ln>
+              <a:solidFill>
+                <a:prstClr val="white"/>
+              </a:solidFill>
+              <a:effectLst/>
+              <a:uLnTx/>
+              <a:uFillTx/>
+              <a:latin typeface="Calibri" panose="020F0502020204030204"/>
+              <a:ea typeface="+mn-ea"/>
+              <a:cs typeface="+mn-cs"/>
+            </a:endParaRPr>
           </a:p>
         </p:txBody>
       </p:sp>
@@ -3601,9 +4987,17 @@
 </p:sld>
 </file>
 
-<file path=ppt/slides/slide3.xml><?xml version="1.0" encoding="utf-8"?>
+<file path=ppt/slides/slide4.xml><?xml version="1.0" encoding="utf-8"?>
 <p:sld xmlns:a="http://schemas.openxmlformats.org/drawingml/2006/main" xmlns:r="http://schemas.openxmlformats.org/officeDocument/2006/relationships" xmlns:p="http://schemas.openxmlformats.org/presentationml/2006/main">
   <p:cSld>
+    <p:bg>
+      <p:bgPr>
+        <a:solidFill>
+          <a:schemeClr val="bg1"/>
+        </a:solidFill>
+        <a:effectLst/>
+      </p:bgPr>
+    </p:bg>
     <p:spTree>
       <p:nvGrpSpPr>
         <p:cNvPr id="1" name=""/>
@@ -3618,6 +5012,66 @@
           <a:chExt cx="0" cy="0"/>
         </a:xfrm>
       </p:grpSpPr>
+      <p:sp useBgFill="1">
+        <p:nvSpPr>
+          <p:cNvPr id="3079" name="Rectangle 3078">
+            <a:extLst>
+              <a:ext uri="{FF2B5EF4-FFF2-40B4-BE49-F238E27FC236}">
+                <a16:creationId xmlns:a16="http://schemas.microsoft.com/office/drawing/2014/main" id="{6B5E2835-4E47-45B3-9CFE-732FF7B05472}"/>
+              </a:ext>
+              <a:ext uri="{C183D7F6-B498-43B3-948B-1728B52AA6E4}">
+                <adec:decorative xmlns:adec="http://schemas.microsoft.com/office/drawing/2017/decorative" val="1"/>
+              </a:ext>
+            </a:extLst>
+          </p:cNvPr>
+          <p:cNvSpPr>
+            <a:spLocks noGrp="1" noRot="1" noChangeAspect="1" noMove="1" noResize="1" noEditPoints="1" noAdjustHandles="1" noChangeArrowheads="1" noChangeShapeType="1" noTextEdit="1"/>
+          </p:cNvSpPr>
+          <p:nvPr>
+            <p:extLst>
+              <p:ext uri="{386F3935-93C4-4BCD-93E2-E3B085C9AB24}">
+                <p16:designElem xmlns:p16="http://schemas.microsoft.com/office/powerpoint/2015/main" val="1"/>
+              </p:ext>
+            </p:extLst>
+          </p:nvPr>
+        </p:nvSpPr>
+        <p:spPr>
+          <a:xfrm>
+            <a:off x="0" y="0"/>
+            <a:ext cx="12192000" cy="6858000"/>
+          </a:xfrm>
+          <a:prstGeom prst="rect">
+            <a:avLst/>
+          </a:prstGeom>
+          <a:ln>
+            <a:noFill/>
+          </a:ln>
+        </p:spPr>
+        <p:style>
+          <a:lnRef idx="2">
+            <a:schemeClr val="accent1">
+              <a:shade val="50000"/>
+            </a:schemeClr>
+          </a:lnRef>
+          <a:fillRef idx="1">
+            <a:schemeClr val="accent1"/>
+          </a:fillRef>
+          <a:effectRef idx="0">
+            <a:schemeClr val="accent1"/>
+          </a:effectRef>
+          <a:fontRef idx="minor">
+            <a:schemeClr val="lt1"/>
+          </a:fontRef>
+        </p:style>
+        <p:txBody>
+          <a:bodyPr rtlCol="0" anchor="ctr"/>
+          <a:lstStyle/>
+          <a:p>
+            <a:pPr algn="ctr"/>
+            <a:endParaRPr lang="en-US"/>
+          </a:p>
+        </p:txBody>
+      </p:sp>
       <p:pic>
         <p:nvPicPr>
           <p:cNvPr id="3074" name="Picture 2" descr="Exquisite 4 player chess set">
@@ -3632,7 +5086,7 @@
           </p:cNvPicPr>
           <p:nvPr/>
         </p:nvPicPr>
-        <p:blipFill>
+        <p:blipFill rotWithShape="1">
           <a:blip r:embed="rId2">
             <a:extLst>
               <a:ext uri="{28A0092B-C50C-407E-A947-70E740481C1C}">
@@ -3640,15 +5094,1501 @@
               </a:ext>
             </a:extLst>
           </a:blip>
-          <a:srcRect/>
-          <a:stretch>
-            <a:fillRect/>
-          </a:stretch>
+          <a:srcRect l="6267" r="6626" b="-1"/>
+          <a:stretch/>
         </p:blipFill>
         <p:spPr bwMode="auto">
           <a:xfrm>
-            <a:off x="0" y="-47625"/>
+            <a:off x="3242695" y="10"/>
+            <a:ext cx="8949307" cy="6857990"/>
+          </a:xfrm>
+          <a:custGeom>
+            <a:avLst/>
+            <a:gdLst/>
+            <a:ahLst/>
+            <a:cxnLst/>
+            <a:rect l="l" t="t" r="r" b="b"/>
+            <a:pathLst>
+              <a:path w="8949307" h="6858000">
+                <a:moveTo>
+                  <a:pt x="0" y="0"/>
+                </a:moveTo>
+                <a:lnTo>
+                  <a:pt x="8949307" y="0"/>
+                </a:lnTo>
+                <a:lnTo>
+                  <a:pt x="8949307" y="6858000"/>
+                </a:lnTo>
+                <a:lnTo>
+                  <a:pt x="0" y="6858000"/>
+                </a:lnTo>
+                <a:lnTo>
+                  <a:pt x="62983" y="6788730"/>
+                </a:lnTo>
+                <a:cubicBezTo>
+                  <a:pt x="773509" y="5928900"/>
+                  <a:pt x="1212979" y="4741056"/>
+                  <a:pt x="1212979" y="3429000"/>
+                </a:cubicBezTo>
+                <a:cubicBezTo>
+                  <a:pt x="1212979" y="2116944"/>
+                  <a:pt x="773509" y="929100"/>
+                  <a:pt x="62983" y="69271"/>
+                </a:cubicBezTo>
+                <a:close/>
+              </a:path>
+            </a:pathLst>
+          </a:custGeom>
+          <a:noFill/>
+          <a:extLst>
+            <a:ext uri="{909E8E84-426E-40DD-AFC4-6F175D3DCCD1}">
+              <a14:hiddenFill xmlns:a14="http://schemas.microsoft.com/office/drawing/2010/main">
+                <a:solidFill>
+                  <a:srgbClr val="FFFFFF"/>
+                </a:solidFill>
+              </a14:hiddenFill>
+            </a:ext>
+          </a:extLst>
+        </p:spPr>
+      </p:pic>
+      <p:sp useBgFill="1">
+        <p:nvSpPr>
+          <p:cNvPr id="3081" name="Freeform: Shape 3080">
+            <a:extLst>
+              <a:ext uri="{FF2B5EF4-FFF2-40B4-BE49-F238E27FC236}">
+                <a16:creationId xmlns:a16="http://schemas.microsoft.com/office/drawing/2014/main" id="{5B45AD5D-AA52-4F7B-9362-576A39AD9E09}"/>
+              </a:ext>
+              <a:ext uri="{C183D7F6-B498-43B3-948B-1728B52AA6E4}">
+                <adec:decorative xmlns:adec="http://schemas.microsoft.com/office/drawing/2017/decorative" val="1"/>
+              </a:ext>
+            </a:extLst>
+          </p:cNvPr>
+          <p:cNvSpPr>
+            <a:spLocks noGrp="1" noRot="1" noChangeAspect="1" noMove="1" noResize="1" noEditPoints="1" noAdjustHandles="1" noChangeArrowheads="1" noChangeShapeType="1" noTextEdit="1"/>
+          </p:cNvSpPr>
+          <p:nvPr>
+            <p:extLst>
+              <p:ext uri="{386F3935-93C4-4BCD-93E2-E3B085C9AB24}">
+                <p16:designElem xmlns:p16="http://schemas.microsoft.com/office/powerpoint/2015/main" val="1"/>
+              </p:ext>
+            </p:extLst>
+          </p:nvPr>
+        </p:nvSpPr>
+        <p:spPr>
+          <a:xfrm>
+            <a:off x="-1" y="0"/>
+            <a:ext cx="4455673" cy="6858000"/>
+          </a:xfrm>
+          <a:custGeom>
+            <a:avLst/>
+            <a:gdLst>
+              <a:gd name="connsiteX0" fmla="*/ 0 w 4455673"/>
+              <a:gd name="connsiteY0" fmla="*/ 0 h 6858000"/>
+              <a:gd name="connsiteX1" fmla="*/ 3242695 w 4455673"/>
+              <a:gd name="connsiteY1" fmla="*/ 0 h 6858000"/>
+              <a:gd name="connsiteX2" fmla="*/ 3305678 w 4455673"/>
+              <a:gd name="connsiteY2" fmla="*/ 69271 h 6858000"/>
+              <a:gd name="connsiteX3" fmla="*/ 4455673 w 4455673"/>
+              <a:gd name="connsiteY3" fmla="*/ 3429000 h 6858000"/>
+              <a:gd name="connsiteX4" fmla="*/ 3305678 w 4455673"/>
+              <a:gd name="connsiteY4" fmla="*/ 6788730 h 6858000"/>
+              <a:gd name="connsiteX5" fmla="*/ 3242695 w 4455673"/>
+              <a:gd name="connsiteY5" fmla="*/ 6858000 h 6858000"/>
+              <a:gd name="connsiteX6" fmla="*/ 0 w 4455673"/>
+              <a:gd name="connsiteY6" fmla="*/ 6858000 h 6858000"/>
+            </a:gdLst>
+            <a:ahLst/>
+            <a:cxnLst>
+              <a:cxn ang="0">
+                <a:pos x="connsiteX0" y="connsiteY0"/>
+              </a:cxn>
+              <a:cxn ang="0">
+                <a:pos x="connsiteX1" y="connsiteY1"/>
+              </a:cxn>
+              <a:cxn ang="0">
+                <a:pos x="connsiteX2" y="connsiteY2"/>
+              </a:cxn>
+              <a:cxn ang="0">
+                <a:pos x="connsiteX3" y="connsiteY3"/>
+              </a:cxn>
+              <a:cxn ang="0">
+                <a:pos x="connsiteX4" y="connsiteY4"/>
+              </a:cxn>
+              <a:cxn ang="0">
+                <a:pos x="connsiteX5" y="connsiteY5"/>
+              </a:cxn>
+              <a:cxn ang="0">
+                <a:pos x="connsiteX6" y="connsiteY6"/>
+              </a:cxn>
+            </a:cxnLst>
+            <a:rect l="l" t="t" r="r" b="b"/>
+            <a:pathLst>
+              <a:path w="4455673" h="6858000">
+                <a:moveTo>
+                  <a:pt x="0" y="0"/>
+                </a:moveTo>
+                <a:lnTo>
+                  <a:pt x="3242695" y="0"/>
+                </a:lnTo>
+                <a:lnTo>
+                  <a:pt x="3305678" y="69271"/>
+                </a:lnTo>
+                <a:cubicBezTo>
+                  <a:pt x="4016204" y="929100"/>
+                  <a:pt x="4455673" y="2116944"/>
+                  <a:pt x="4455673" y="3429000"/>
+                </a:cubicBezTo>
+                <a:cubicBezTo>
+                  <a:pt x="4455673" y="4741056"/>
+                  <a:pt x="4016204" y="5928900"/>
+                  <a:pt x="3305678" y="6788730"/>
+                </a:cubicBezTo>
+                <a:lnTo>
+                  <a:pt x="3242695" y="6858000"/>
+                </a:lnTo>
+                <a:lnTo>
+                  <a:pt x="0" y="6858000"/>
+                </a:lnTo>
+                <a:close/>
+              </a:path>
+            </a:pathLst>
+          </a:custGeom>
+          <a:ln w="9525">
+            <a:solidFill>
+              <a:srgbClr val="D5D5D5"/>
+            </a:solidFill>
+          </a:ln>
+          <a:effectLst>
+            <a:outerShdw blurRad="50800" dist="38100" algn="l" rotWithShape="0">
+              <a:schemeClr val="bg1">
+                <a:lumMod val="85000"/>
+                <a:alpha val="30000"/>
+              </a:schemeClr>
+            </a:outerShdw>
+          </a:effectLst>
+        </p:spPr>
+        <p:style>
+          <a:lnRef idx="2">
+            <a:schemeClr val="accent1">
+              <a:shade val="50000"/>
+            </a:schemeClr>
+          </a:lnRef>
+          <a:fillRef idx="1">
+            <a:schemeClr val="accent1"/>
+          </a:fillRef>
+          <a:effectRef idx="0">
+            <a:schemeClr val="accent1"/>
+          </a:effectRef>
+          <a:fontRef idx="minor">
+            <a:schemeClr val="lt1"/>
+          </a:fontRef>
+        </p:style>
+        <p:txBody>
+          <a:bodyPr wrap="square" rtlCol="0" anchor="ctr">
+            <a:noAutofit/>
+          </a:bodyPr>
+          <a:lstStyle/>
+          <a:p>
+            <a:pPr marL="0" marR="0" lvl="0" indent="0" algn="ctr" defTabSz="914400" rtl="0" eaLnBrk="1" fontAlgn="auto" latinLnBrk="0" hangingPunct="1">
+              <a:lnSpc>
+                <a:spcPct val="100000"/>
+              </a:lnSpc>
+              <a:spcBef>
+                <a:spcPts val="0"/>
+              </a:spcBef>
+              <a:spcAft>
+                <a:spcPts val="0"/>
+              </a:spcAft>
+              <a:buClrTx/>
+              <a:buSzTx/>
+              <a:buFontTx/>
+              <a:buNone/>
+              <a:tabLst/>
+              <a:defRPr/>
+            </a:pPr>
+            <a:endParaRPr kumimoji="0" lang="en-US" sz="1800" b="0" i="0" u="none" strike="noStrike" kern="1200" cap="none" spc="0" normalizeH="0" baseline="0" noProof="0">
+              <a:ln>
+                <a:noFill/>
+              </a:ln>
+              <a:solidFill>
+                <a:prstClr val="white"/>
+              </a:solidFill>
+              <a:effectLst/>
+              <a:uLnTx/>
+              <a:uFillTx/>
+              <a:latin typeface="Calibri" panose="020F0502020204030204"/>
+              <a:ea typeface="+mn-ea"/>
+              <a:cs typeface="+mn-cs"/>
+            </a:endParaRPr>
+          </a:p>
+        </p:txBody>
+      </p:sp>
+      <p:sp useBgFill="1">
+        <p:nvSpPr>
+          <p:cNvPr id="3083" name="Freeform: Shape 3082">
+            <a:extLst>
+              <a:ext uri="{FF2B5EF4-FFF2-40B4-BE49-F238E27FC236}">
+                <a16:creationId xmlns:a16="http://schemas.microsoft.com/office/drawing/2014/main" id="{AEDD7960-4866-4399-BEF6-DD1431AB4E34}"/>
+              </a:ext>
+              <a:ext uri="{C183D7F6-B498-43B3-948B-1728B52AA6E4}">
+                <adec:decorative xmlns:adec="http://schemas.microsoft.com/office/drawing/2017/decorative" val="1"/>
+              </a:ext>
+            </a:extLst>
+          </p:cNvPr>
+          <p:cNvSpPr>
+            <a:spLocks noGrp="1" noRot="1" noChangeAspect="1" noMove="1" noResize="1" noEditPoints="1" noAdjustHandles="1" noChangeArrowheads="1" noChangeShapeType="1" noTextEdit="1"/>
+          </p:cNvSpPr>
+          <p:nvPr>
+            <p:extLst>
+              <p:ext uri="{386F3935-93C4-4BCD-93E2-E3B085C9AB24}">
+                <p16:designElem xmlns:p16="http://schemas.microsoft.com/office/powerpoint/2015/main" val="1"/>
+              </p:ext>
+            </p:extLst>
+          </p:nvPr>
+        </p:nvSpPr>
+        <p:spPr>
+          <a:xfrm>
+            <a:off x="0" y="0"/>
+            <a:ext cx="4446529" cy="6858000"/>
+          </a:xfrm>
+          <a:custGeom>
+            <a:avLst/>
+            <a:gdLst>
+              <a:gd name="connsiteX0" fmla="*/ 0 w 4446529"/>
+              <a:gd name="connsiteY0" fmla="*/ 0 h 6858000"/>
+              <a:gd name="connsiteX1" fmla="*/ 3233551 w 4446529"/>
+              <a:gd name="connsiteY1" fmla="*/ 0 h 6858000"/>
+              <a:gd name="connsiteX2" fmla="*/ 3296534 w 4446529"/>
+              <a:gd name="connsiteY2" fmla="*/ 69271 h 6858000"/>
+              <a:gd name="connsiteX3" fmla="*/ 4446529 w 4446529"/>
+              <a:gd name="connsiteY3" fmla="*/ 3429000 h 6858000"/>
+              <a:gd name="connsiteX4" fmla="*/ 3296534 w 4446529"/>
+              <a:gd name="connsiteY4" fmla="*/ 6788730 h 6858000"/>
+              <a:gd name="connsiteX5" fmla="*/ 3233551 w 4446529"/>
+              <a:gd name="connsiteY5" fmla="*/ 6858000 h 6858000"/>
+              <a:gd name="connsiteX6" fmla="*/ 0 w 4446529"/>
+              <a:gd name="connsiteY6" fmla="*/ 6858000 h 6858000"/>
+            </a:gdLst>
+            <a:ahLst/>
+            <a:cxnLst>
+              <a:cxn ang="0">
+                <a:pos x="connsiteX0" y="connsiteY0"/>
+              </a:cxn>
+              <a:cxn ang="0">
+                <a:pos x="connsiteX1" y="connsiteY1"/>
+              </a:cxn>
+              <a:cxn ang="0">
+                <a:pos x="connsiteX2" y="connsiteY2"/>
+              </a:cxn>
+              <a:cxn ang="0">
+                <a:pos x="connsiteX3" y="connsiteY3"/>
+              </a:cxn>
+              <a:cxn ang="0">
+                <a:pos x="connsiteX4" y="connsiteY4"/>
+              </a:cxn>
+              <a:cxn ang="0">
+                <a:pos x="connsiteX5" y="connsiteY5"/>
+              </a:cxn>
+              <a:cxn ang="0">
+                <a:pos x="connsiteX6" y="connsiteY6"/>
+              </a:cxn>
+            </a:cxnLst>
+            <a:rect l="l" t="t" r="r" b="b"/>
+            <a:pathLst>
+              <a:path w="4446529" h="6858000">
+                <a:moveTo>
+                  <a:pt x="0" y="0"/>
+                </a:moveTo>
+                <a:lnTo>
+                  <a:pt x="3233551" y="0"/>
+                </a:lnTo>
+                <a:lnTo>
+                  <a:pt x="3296534" y="69271"/>
+                </a:lnTo>
+                <a:cubicBezTo>
+                  <a:pt x="4007060" y="929100"/>
+                  <a:pt x="4446529" y="2116944"/>
+                  <a:pt x="4446529" y="3429000"/>
+                </a:cubicBezTo>
+                <a:cubicBezTo>
+                  <a:pt x="4446529" y="4741056"/>
+                  <a:pt x="4007060" y="5928900"/>
+                  <a:pt x="3296534" y="6788730"/>
+                </a:cubicBezTo>
+                <a:lnTo>
+                  <a:pt x="3233551" y="6858000"/>
+                </a:lnTo>
+                <a:lnTo>
+                  <a:pt x="0" y="6858000"/>
+                </a:lnTo>
+                <a:close/>
+              </a:path>
+            </a:pathLst>
+          </a:custGeom>
+          <a:ln w="9525">
+            <a:noFill/>
+          </a:ln>
+          <a:effectLst/>
+        </p:spPr>
+        <p:style>
+          <a:lnRef idx="2">
+            <a:schemeClr val="accent1">
+              <a:shade val="50000"/>
+            </a:schemeClr>
+          </a:lnRef>
+          <a:fillRef idx="1">
+            <a:schemeClr val="accent1"/>
+          </a:fillRef>
+          <a:effectRef idx="0">
+            <a:schemeClr val="accent1"/>
+          </a:effectRef>
+          <a:fontRef idx="minor">
+            <a:schemeClr val="lt1"/>
+          </a:fontRef>
+        </p:style>
+        <p:txBody>
+          <a:bodyPr wrap="square" rtlCol="0" anchor="ctr">
+            <a:noAutofit/>
+          </a:bodyPr>
+          <a:lstStyle/>
+          <a:p>
+            <a:pPr marL="0" marR="0" lvl="0" indent="0" algn="ctr" defTabSz="914400" rtl="0" eaLnBrk="1" fontAlgn="auto" latinLnBrk="0" hangingPunct="1">
+              <a:lnSpc>
+                <a:spcPct val="100000"/>
+              </a:lnSpc>
+              <a:spcBef>
+                <a:spcPts val="0"/>
+              </a:spcBef>
+              <a:spcAft>
+                <a:spcPts val="0"/>
+              </a:spcAft>
+              <a:buClrTx/>
+              <a:buSzTx/>
+              <a:buFontTx/>
+              <a:buNone/>
+              <a:tabLst/>
+              <a:defRPr/>
+            </a:pPr>
+            <a:endParaRPr kumimoji="0" lang="en-US" sz="1800" b="0" i="0" u="none" strike="noStrike" kern="1200" cap="none" spc="0" normalizeH="0" baseline="0" noProof="0">
+              <a:ln>
+                <a:noFill/>
+              </a:ln>
+              <a:solidFill>
+                <a:prstClr val="white"/>
+              </a:solidFill>
+              <a:effectLst/>
+              <a:uLnTx/>
+              <a:uFillTx/>
+              <a:latin typeface="Calibri" panose="020F0502020204030204"/>
+              <a:ea typeface="+mn-ea"/>
+              <a:cs typeface="+mn-cs"/>
+            </a:endParaRPr>
+          </a:p>
+        </p:txBody>
+      </p:sp>
+      <p:sp>
+        <p:nvSpPr>
+          <p:cNvPr id="2" name="Titel 1">
+            <a:extLst>
+              <a:ext uri="{FF2B5EF4-FFF2-40B4-BE49-F238E27FC236}">
+                <a16:creationId xmlns:a16="http://schemas.microsoft.com/office/drawing/2014/main" id="{B2B0437C-8386-16AF-4364-66C0CC3B2BB6}"/>
+              </a:ext>
+            </a:extLst>
+          </p:cNvPr>
+          <p:cNvSpPr>
+            <a:spLocks noGrp="1"/>
+          </p:cNvSpPr>
+          <p:nvPr>
+            <p:ph type="title"/>
+          </p:nvPr>
+        </p:nvSpPr>
+        <p:spPr>
+          <a:xfrm>
+            <a:off x="371094" y="1161288"/>
+            <a:ext cx="3438144" cy="1125728"/>
+          </a:xfrm>
+        </p:spPr>
+        <p:txBody>
+          <a:bodyPr anchor="b">
+            <a:normAutofit/>
+          </a:bodyPr>
+          <a:lstStyle/>
+          <a:p>
+            <a:r>
+              <a:rPr lang="nl-NL" sz="2800"/>
+              <a:t>Hoe het werkt</a:t>
+            </a:r>
+          </a:p>
+        </p:txBody>
+      </p:sp>
+      <p:sp>
+        <p:nvSpPr>
+          <p:cNvPr id="3085" name="Rectangle 3084">
+            <a:extLst>
+              <a:ext uri="{FF2B5EF4-FFF2-40B4-BE49-F238E27FC236}">
+                <a16:creationId xmlns:a16="http://schemas.microsoft.com/office/drawing/2014/main" id="{55D4142C-5077-457F-A6AD-3FECFDB39685}"/>
+              </a:ext>
+              <a:ext uri="{C183D7F6-B498-43B3-948B-1728B52AA6E4}">
+                <adec:decorative xmlns:adec="http://schemas.microsoft.com/office/drawing/2017/decorative" val="1"/>
+              </a:ext>
+            </a:extLst>
+          </p:cNvPr>
+          <p:cNvSpPr>
+            <a:spLocks noGrp="1" noRot="1" noChangeAspect="1" noMove="1" noResize="1" noEditPoints="1" noAdjustHandles="1" noChangeArrowheads="1" noChangeShapeType="1" noTextEdit="1"/>
+          </p:cNvSpPr>
+          <p:nvPr>
+            <p:extLst>
+              <p:ext uri="{386F3935-93C4-4BCD-93E2-E3B085C9AB24}">
+                <p16:designElem xmlns:p16="http://schemas.microsoft.com/office/powerpoint/2015/main" val="1"/>
+              </p:ext>
+            </p:extLst>
+          </p:nvPr>
+        </p:nvSpPr>
+        <p:spPr>
+          <a:xfrm rot="5400000">
+            <a:off x="662559" y="605790"/>
+            <a:ext cx="73152" cy="548640"/>
+          </a:xfrm>
+          <a:prstGeom prst="rect">
+            <a:avLst/>
+          </a:prstGeom>
+          <a:solidFill>
+            <a:schemeClr val="accent2"/>
+          </a:solidFill>
+          <a:ln>
+            <a:noFill/>
+          </a:ln>
+        </p:spPr>
+        <p:style>
+          <a:lnRef idx="2">
+            <a:schemeClr val="accent1">
+              <a:shade val="50000"/>
+            </a:schemeClr>
+          </a:lnRef>
+          <a:fillRef idx="1">
+            <a:schemeClr val="accent1"/>
+          </a:fillRef>
+          <a:effectRef idx="0">
+            <a:schemeClr val="accent1"/>
+          </a:effectRef>
+          <a:fontRef idx="minor">
+            <a:schemeClr val="lt1"/>
+          </a:fontRef>
+        </p:style>
+        <p:txBody>
+          <a:bodyPr rtlCol="0" anchor="ctr"/>
+          <a:lstStyle/>
+          <a:p>
+            <a:pPr algn="ctr"/>
+            <a:endParaRPr lang="en-US">
+              <a:solidFill>
+                <a:prstClr val="white"/>
+              </a:solidFill>
+              <a:latin typeface="Calibri" panose="020F0502020204030204"/>
+            </a:endParaRPr>
+          </a:p>
+        </p:txBody>
+      </p:sp>
+      <p:sp>
+        <p:nvSpPr>
+          <p:cNvPr id="3087" name="Rectangle 3086">
+            <a:extLst>
+              <a:ext uri="{FF2B5EF4-FFF2-40B4-BE49-F238E27FC236}">
+                <a16:creationId xmlns:a16="http://schemas.microsoft.com/office/drawing/2014/main" id="{7A5F0580-5EE9-419F-96EE-B6529EF6E7D0}"/>
+              </a:ext>
+              <a:ext uri="{C183D7F6-B498-43B3-948B-1728B52AA6E4}">
+                <adec:decorative xmlns:adec="http://schemas.microsoft.com/office/drawing/2017/decorative" val="1"/>
+              </a:ext>
+            </a:extLst>
+          </p:cNvPr>
+          <p:cNvSpPr>
+            <a:spLocks noGrp="1" noRot="1" noChangeAspect="1" noMove="1" noResize="1" noEditPoints="1" noAdjustHandles="1" noChangeArrowheads="1" noChangeShapeType="1" noTextEdit="1"/>
+          </p:cNvSpPr>
+          <p:nvPr>
+            <p:extLst>
+              <p:ext uri="{386F3935-93C4-4BCD-93E2-E3B085C9AB24}">
+                <p16:designElem xmlns:p16="http://schemas.microsoft.com/office/powerpoint/2015/main" val="1"/>
+              </p:ext>
+            </p:extLst>
+          </p:nvPr>
+        </p:nvSpPr>
+        <p:spPr>
+          <a:xfrm>
+            <a:off x="428244" y="2443480"/>
+            <a:ext cx="3337560" cy="18288"/>
+          </a:xfrm>
+          <a:prstGeom prst="rect">
+            <a:avLst/>
+          </a:prstGeom>
+          <a:solidFill>
+            <a:srgbClr val="D5D5D5"/>
+          </a:solidFill>
+          <a:ln w="3175">
+            <a:noFill/>
+          </a:ln>
+          <a:effectLst/>
+        </p:spPr>
+        <p:style>
+          <a:lnRef idx="2">
+            <a:schemeClr val="accent1">
+              <a:shade val="50000"/>
+            </a:schemeClr>
+          </a:lnRef>
+          <a:fillRef idx="1">
+            <a:schemeClr val="accent1"/>
+          </a:fillRef>
+          <a:effectRef idx="0">
+            <a:schemeClr val="accent1"/>
+          </a:effectRef>
+          <a:fontRef idx="minor">
+            <a:schemeClr val="lt1"/>
+          </a:fontRef>
+        </p:style>
+        <p:txBody>
+          <a:bodyPr rtlCol="0" anchor="ctr"/>
+          <a:lstStyle/>
+          <a:p>
+            <a:pPr algn="ctr"/>
+            <a:endParaRPr lang="en-US">
+              <a:solidFill>
+                <a:prstClr val="white"/>
+              </a:solidFill>
+              <a:latin typeface="Calibri" panose="020F0502020204030204"/>
+            </a:endParaRPr>
+          </a:p>
+        </p:txBody>
+      </p:sp>
+      <p:sp>
+        <p:nvSpPr>
+          <p:cNvPr id="3" name="Tijdelijke aanduiding voor inhoud 2">
+            <a:extLst>
+              <a:ext uri="{FF2B5EF4-FFF2-40B4-BE49-F238E27FC236}">
+                <a16:creationId xmlns:a16="http://schemas.microsoft.com/office/drawing/2014/main" id="{C1C32262-9383-87D5-8F3B-35296721AA28}"/>
+              </a:ext>
+            </a:extLst>
+          </p:cNvPr>
+          <p:cNvSpPr>
+            <a:spLocks noGrp="1"/>
+          </p:cNvSpPr>
+          <p:nvPr>
+            <p:ph idx="1"/>
+          </p:nvPr>
+        </p:nvSpPr>
+        <p:spPr>
+          <a:xfrm>
+            <a:off x="371094" y="2718054"/>
+            <a:ext cx="3438906" cy="3207258"/>
+          </a:xfrm>
+        </p:spPr>
+        <p:txBody>
+          <a:bodyPr anchor="t">
+            <a:normAutofit/>
+          </a:bodyPr>
+          <a:lstStyle/>
+          <a:p>
+            <a:r>
+              <a:rPr lang="nl-NL" sz="1700"/>
+              <a:t>Er zijn 4 ridders en 1 tovenaar aan iedere zijde je kunt samen werken of alleen spelen je kunt ook als je wilt elkaar verraden het spel eindigt wanneer er nog maar 1 kant team over is. Je kunt tijdens het spel gebruik maken van verschillende kaarten die je sterker kunnen maken of kaarten die je tegenstanders belemmerd.</a:t>
+            </a:r>
+          </a:p>
+        </p:txBody>
+      </p:sp>
+    </p:spTree>
+    <p:extLst>
+      <p:ext uri="{BB962C8B-B14F-4D97-AF65-F5344CB8AC3E}">
+        <p14:creationId xmlns:p14="http://schemas.microsoft.com/office/powerpoint/2010/main" val="1450873088"/>
+      </p:ext>
+    </p:extLst>
+  </p:cSld>
+  <p:clrMapOvr>
+    <a:masterClrMapping/>
+  </p:clrMapOvr>
+</p:sld>
+</file>
+
+<file path=ppt/slides/slide5.xml><?xml version="1.0" encoding="utf-8"?>
+<p:sld xmlns:a="http://schemas.openxmlformats.org/drawingml/2006/main" xmlns:r="http://schemas.openxmlformats.org/officeDocument/2006/relationships" xmlns:p="http://schemas.openxmlformats.org/presentationml/2006/main">
+  <p:cSld>
+    <p:bg>
+      <p:bgPr>
+        <a:solidFill>
+          <a:schemeClr val="bg1"/>
+        </a:solidFill>
+        <a:effectLst/>
+      </p:bgPr>
+    </p:bg>
+    <p:spTree>
+      <p:nvGrpSpPr>
+        <p:cNvPr id="1" name=""/>
+        <p:cNvGrpSpPr/>
+        <p:nvPr/>
+      </p:nvGrpSpPr>
+      <p:grpSpPr>
+        <a:xfrm>
+          <a:off x="0" y="0"/>
+          <a:ext cx="0" cy="0"/>
+          <a:chOff x="0" y="0"/>
+          <a:chExt cx="0" cy="0"/>
+        </a:xfrm>
+      </p:grpSpPr>
+      <p:sp useBgFill="1">
+        <p:nvSpPr>
+          <p:cNvPr id="9" name="Rectangle 8">
+            <a:extLst>
+              <a:ext uri="{FF2B5EF4-FFF2-40B4-BE49-F238E27FC236}">
+                <a16:creationId xmlns:a16="http://schemas.microsoft.com/office/drawing/2014/main" id="{6B5E2835-4E47-45B3-9CFE-732FF7B05472}"/>
+              </a:ext>
+              <a:ext uri="{C183D7F6-B498-43B3-948B-1728B52AA6E4}">
+                <adec:decorative xmlns:adec="http://schemas.microsoft.com/office/drawing/2017/decorative" val="1"/>
+              </a:ext>
+            </a:extLst>
+          </p:cNvPr>
+          <p:cNvSpPr>
+            <a:spLocks noGrp="1" noRot="1" noChangeAspect="1" noMove="1" noResize="1" noEditPoints="1" noAdjustHandles="1" noChangeArrowheads="1" noChangeShapeType="1" noTextEdit="1"/>
+          </p:cNvSpPr>
+          <p:nvPr>
+            <p:extLst>
+              <p:ext uri="{386F3935-93C4-4BCD-93E2-E3B085C9AB24}">
+                <p16:designElem xmlns:p16="http://schemas.microsoft.com/office/powerpoint/2015/main" val="1"/>
+              </p:ext>
+            </p:extLst>
+          </p:nvPr>
+        </p:nvSpPr>
+        <p:spPr>
+          <a:xfrm>
+            <a:off x="0" y="0"/>
             <a:ext cx="12192000" cy="6858000"/>
+          </a:xfrm>
+          <a:prstGeom prst="rect">
+            <a:avLst/>
+          </a:prstGeom>
+          <a:ln>
+            <a:noFill/>
+          </a:ln>
+        </p:spPr>
+        <p:style>
+          <a:lnRef idx="2">
+            <a:schemeClr val="accent1">
+              <a:shade val="50000"/>
+            </a:schemeClr>
+          </a:lnRef>
+          <a:fillRef idx="1">
+            <a:schemeClr val="accent1"/>
+          </a:fillRef>
+          <a:effectRef idx="0">
+            <a:schemeClr val="accent1"/>
+          </a:effectRef>
+          <a:fontRef idx="minor">
+            <a:schemeClr val="lt1"/>
+          </a:fontRef>
+        </p:style>
+        <p:txBody>
+          <a:bodyPr rtlCol="0" anchor="ctr"/>
+          <a:lstStyle/>
+          <a:p>
+            <a:pPr algn="ctr"/>
+            <a:endParaRPr lang="en-US"/>
+          </a:p>
+        </p:txBody>
+      </p:sp>
+      <p:pic>
+        <p:nvPicPr>
+          <p:cNvPr id="4" name="Picture 2" descr="Exquisite 4 player chess set">
+            <a:extLst>
+              <a:ext uri="{FF2B5EF4-FFF2-40B4-BE49-F238E27FC236}">
+                <a16:creationId xmlns:a16="http://schemas.microsoft.com/office/drawing/2014/main" id="{3E4A4AF7-367C-86F7-AAE6-B5A935BD82C1}"/>
+              </a:ext>
+            </a:extLst>
+          </p:cNvPr>
+          <p:cNvPicPr>
+            <a:picLocks noChangeAspect="1" noChangeArrowheads="1"/>
+          </p:cNvPicPr>
+          <p:nvPr/>
+        </p:nvPicPr>
+        <p:blipFill rotWithShape="1">
+          <a:blip r:embed="rId2">
+            <a:extLst>
+              <a:ext uri="{28A0092B-C50C-407E-A947-70E740481C1C}">
+                <a14:useLocalDpi xmlns:a14="http://schemas.microsoft.com/office/drawing/2010/main" val="0"/>
+              </a:ext>
+            </a:extLst>
+          </a:blip>
+          <a:srcRect l="6267" r="6626" b="-1"/>
+          <a:stretch/>
+        </p:blipFill>
+        <p:spPr bwMode="auto">
+          <a:xfrm>
+            <a:off x="3242695" y="10"/>
+            <a:ext cx="8949307" cy="6857990"/>
+          </a:xfrm>
+          <a:custGeom>
+            <a:avLst/>
+            <a:gdLst/>
+            <a:ahLst/>
+            <a:cxnLst/>
+            <a:rect l="l" t="t" r="r" b="b"/>
+            <a:pathLst>
+              <a:path w="8949307" h="6858000">
+                <a:moveTo>
+                  <a:pt x="0" y="0"/>
+                </a:moveTo>
+                <a:lnTo>
+                  <a:pt x="8949307" y="0"/>
+                </a:lnTo>
+                <a:lnTo>
+                  <a:pt x="8949307" y="6858000"/>
+                </a:lnTo>
+                <a:lnTo>
+                  <a:pt x="0" y="6858000"/>
+                </a:lnTo>
+                <a:lnTo>
+                  <a:pt x="62983" y="6788730"/>
+                </a:lnTo>
+                <a:cubicBezTo>
+                  <a:pt x="773509" y="5928900"/>
+                  <a:pt x="1212979" y="4741056"/>
+                  <a:pt x="1212979" y="3429000"/>
+                </a:cubicBezTo>
+                <a:cubicBezTo>
+                  <a:pt x="1212979" y="2116944"/>
+                  <a:pt x="773509" y="929100"/>
+                  <a:pt x="62983" y="69271"/>
+                </a:cubicBezTo>
+                <a:close/>
+              </a:path>
+            </a:pathLst>
+          </a:custGeom>
+          <a:noFill/>
+          <a:extLst>
+            <a:ext uri="{909E8E84-426E-40DD-AFC4-6F175D3DCCD1}">
+              <a14:hiddenFill xmlns:a14="http://schemas.microsoft.com/office/drawing/2010/main">
+                <a:solidFill>
+                  <a:srgbClr val="FFFFFF"/>
+                </a:solidFill>
+              </a14:hiddenFill>
+            </a:ext>
+          </a:extLst>
+        </p:spPr>
+      </p:pic>
+      <p:sp useBgFill="1">
+        <p:nvSpPr>
+          <p:cNvPr id="11" name="Freeform: Shape 10">
+            <a:extLst>
+              <a:ext uri="{FF2B5EF4-FFF2-40B4-BE49-F238E27FC236}">
+                <a16:creationId xmlns:a16="http://schemas.microsoft.com/office/drawing/2014/main" id="{5B45AD5D-AA52-4F7B-9362-576A39AD9E09}"/>
+              </a:ext>
+              <a:ext uri="{C183D7F6-B498-43B3-948B-1728B52AA6E4}">
+                <adec:decorative xmlns:adec="http://schemas.microsoft.com/office/drawing/2017/decorative" val="1"/>
+              </a:ext>
+            </a:extLst>
+          </p:cNvPr>
+          <p:cNvSpPr>
+            <a:spLocks noGrp="1" noRot="1" noChangeAspect="1" noMove="1" noResize="1" noEditPoints="1" noAdjustHandles="1" noChangeArrowheads="1" noChangeShapeType="1" noTextEdit="1"/>
+          </p:cNvSpPr>
+          <p:nvPr>
+            <p:extLst>
+              <p:ext uri="{386F3935-93C4-4BCD-93E2-E3B085C9AB24}">
+                <p16:designElem xmlns:p16="http://schemas.microsoft.com/office/powerpoint/2015/main" val="1"/>
+              </p:ext>
+            </p:extLst>
+          </p:nvPr>
+        </p:nvSpPr>
+        <p:spPr>
+          <a:xfrm>
+            <a:off x="-1" y="0"/>
+            <a:ext cx="4455673" cy="6858000"/>
+          </a:xfrm>
+          <a:custGeom>
+            <a:avLst/>
+            <a:gdLst>
+              <a:gd name="connsiteX0" fmla="*/ 0 w 4455673"/>
+              <a:gd name="connsiteY0" fmla="*/ 0 h 6858000"/>
+              <a:gd name="connsiteX1" fmla="*/ 3242695 w 4455673"/>
+              <a:gd name="connsiteY1" fmla="*/ 0 h 6858000"/>
+              <a:gd name="connsiteX2" fmla="*/ 3305678 w 4455673"/>
+              <a:gd name="connsiteY2" fmla="*/ 69271 h 6858000"/>
+              <a:gd name="connsiteX3" fmla="*/ 4455673 w 4455673"/>
+              <a:gd name="connsiteY3" fmla="*/ 3429000 h 6858000"/>
+              <a:gd name="connsiteX4" fmla="*/ 3305678 w 4455673"/>
+              <a:gd name="connsiteY4" fmla="*/ 6788730 h 6858000"/>
+              <a:gd name="connsiteX5" fmla="*/ 3242695 w 4455673"/>
+              <a:gd name="connsiteY5" fmla="*/ 6858000 h 6858000"/>
+              <a:gd name="connsiteX6" fmla="*/ 0 w 4455673"/>
+              <a:gd name="connsiteY6" fmla="*/ 6858000 h 6858000"/>
+            </a:gdLst>
+            <a:ahLst/>
+            <a:cxnLst>
+              <a:cxn ang="0">
+                <a:pos x="connsiteX0" y="connsiteY0"/>
+              </a:cxn>
+              <a:cxn ang="0">
+                <a:pos x="connsiteX1" y="connsiteY1"/>
+              </a:cxn>
+              <a:cxn ang="0">
+                <a:pos x="connsiteX2" y="connsiteY2"/>
+              </a:cxn>
+              <a:cxn ang="0">
+                <a:pos x="connsiteX3" y="connsiteY3"/>
+              </a:cxn>
+              <a:cxn ang="0">
+                <a:pos x="connsiteX4" y="connsiteY4"/>
+              </a:cxn>
+              <a:cxn ang="0">
+                <a:pos x="connsiteX5" y="connsiteY5"/>
+              </a:cxn>
+              <a:cxn ang="0">
+                <a:pos x="connsiteX6" y="connsiteY6"/>
+              </a:cxn>
+            </a:cxnLst>
+            <a:rect l="l" t="t" r="r" b="b"/>
+            <a:pathLst>
+              <a:path w="4455673" h="6858000">
+                <a:moveTo>
+                  <a:pt x="0" y="0"/>
+                </a:moveTo>
+                <a:lnTo>
+                  <a:pt x="3242695" y="0"/>
+                </a:lnTo>
+                <a:lnTo>
+                  <a:pt x="3305678" y="69271"/>
+                </a:lnTo>
+                <a:cubicBezTo>
+                  <a:pt x="4016204" y="929100"/>
+                  <a:pt x="4455673" y="2116944"/>
+                  <a:pt x="4455673" y="3429000"/>
+                </a:cubicBezTo>
+                <a:cubicBezTo>
+                  <a:pt x="4455673" y="4741056"/>
+                  <a:pt x="4016204" y="5928900"/>
+                  <a:pt x="3305678" y="6788730"/>
+                </a:cubicBezTo>
+                <a:lnTo>
+                  <a:pt x="3242695" y="6858000"/>
+                </a:lnTo>
+                <a:lnTo>
+                  <a:pt x="0" y="6858000"/>
+                </a:lnTo>
+                <a:close/>
+              </a:path>
+            </a:pathLst>
+          </a:custGeom>
+          <a:ln w="9525">
+            <a:solidFill>
+              <a:srgbClr val="D5D5D5"/>
+            </a:solidFill>
+          </a:ln>
+          <a:effectLst>
+            <a:outerShdw blurRad="50800" dist="38100" algn="l" rotWithShape="0">
+              <a:schemeClr val="bg1">
+                <a:lumMod val="85000"/>
+                <a:alpha val="30000"/>
+              </a:schemeClr>
+            </a:outerShdw>
+          </a:effectLst>
+        </p:spPr>
+        <p:style>
+          <a:lnRef idx="2">
+            <a:schemeClr val="accent1">
+              <a:shade val="50000"/>
+            </a:schemeClr>
+          </a:lnRef>
+          <a:fillRef idx="1">
+            <a:schemeClr val="accent1"/>
+          </a:fillRef>
+          <a:effectRef idx="0">
+            <a:schemeClr val="accent1"/>
+          </a:effectRef>
+          <a:fontRef idx="minor">
+            <a:schemeClr val="lt1"/>
+          </a:fontRef>
+        </p:style>
+        <p:txBody>
+          <a:bodyPr wrap="square" rtlCol="0" anchor="ctr">
+            <a:noAutofit/>
+          </a:bodyPr>
+          <a:lstStyle/>
+          <a:p>
+            <a:pPr marL="0" marR="0" lvl="0" indent="0" algn="ctr" defTabSz="914400" rtl="0" eaLnBrk="1" fontAlgn="auto" latinLnBrk="0" hangingPunct="1">
+              <a:lnSpc>
+                <a:spcPct val="100000"/>
+              </a:lnSpc>
+              <a:spcBef>
+                <a:spcPts val="0"/>
+              </a:spcBef>
+              <a:spcAft>
+                <a:spcPts val="0"/>
+              </a:spcAft>
+              <a:buClrTx/>
+              <a:buSzTx/>
+              <a:buFontTx/>
+              <a:buNone/>
+              <a:tabLst/>
+              <a:defRPr/>
+            </a:pPr>
+            <a:endParaRPr kumimoji="0" lang="en-US" sz="1800" b="0" i="0" u="none" strike="noStrike" kern="1200" cap="none" spc="0" normalizeH="0" baseline="0" noProof="0">
+              <a:ln>
+                <a:noFill/>
+              </a:ln>
+              <a:solidFill>
+                <a:prstClr val="white"/>
+              </a:solidFill>
+              <a:effectLst/>
+              <a:uLnTx/>
+              <a:uFillTx/>
+              <a:latin typeface="Calibri" panose="020F0502020204030204"/>
+              <a:ea typeface="+mn-ea"/>
+              <a:cs typeface="+mn-cs"/>
+            </a:endParaRPr>
+          </a:p>
+        </p:txBody>
+      </p:sp>
+      <p:sp useBgFill="1">
+        <p:nvSpPr>
+          <p:cNvPr id="13" name="Freeform: Shape 12">
+            <a:extLst>
+              <a:ext uri="{FF2B5EF4-FFF2-40B4-BE49-F238E27FC236}">
+                <a16:creationId xmlns:a16="http://schemas.microsoft.com/office/drawing/2014/main" id="{AEDD7960-4866-4399-BEF6-DD1431AB4E34}"/>
+              </a:ext>
+              <a:ext uri="{C183D7F6-B498-43B3-948B-1728B52AA6E4}">
+                <adec:decorative xmlns:adec="http://schemas.microsoft.com/office/drawing/2017/decorative" val="1"/>
+              </a:ext>
+            </a:extLst>
+          </p:cNvPr>
+          <p:cNvSpPr>
+            <a:spLocks noGrp="1" noRot="1" noChangeAspect="1" noMove="1" noResize="1" noEditPoints="1" noAdjustHandles="1" noChangeArrowheads="1" noChangeShapeType="1" noTextEdit="1"/>
+          </p:cNvSpPr>
+          <p:nvPr>
+            <p:extLst>
+              <p:ext uri="{386F3935-93C4-4BCD-93E2-E3B085C9AB24}">
+                <p16:designElem xmlns:p16="http://schemas.microsoft.com/office/powerpoint/2015/main" val="1"/>
+              </p:ext>
+            </p:extLst>
+          </p:nvPr>
+        </p:nvSpPr>
+        <p:spPr>
+          <a:xfrm>
+            <a:off x="0" y="0"/>
+            <a:ext cx="4446529" cy="6858000"/>
+          </a:xfrm>
+          <a:custGeom>
+            <a:avLst/>
+            <a:gdLst>
+              <a:gd name="connsiteX0" fmla="*/ 0 w 4446529"/>
+              <a:gd name="connsiteY0" fmla="*/ 0 h 6858000"/>
+              <a:gd name="connsiteX1" fmla="*/ 3233551 w 4446529"/>
+              <a:gd name="connsiteY1" fmla="*/ 0 h 6858000"/>
+              <a:gd name="connsiteX2" fmla="*/ 3296534 w 4446529"/>
+              <a:gd name="connsiteY2" fmla="*/ 69271 h 6858000"/>
+              <a:gd name="connsiteX3" fmla="*/ 4446529 w 4446529"/>
+              <a:gd name="connsiteY3" fmla="*/ 3429000 h 6858000"/>
+              <a:gd name="connsiteX4" fmla="*/ 3296534 w 4446529"/>
+              <a:gd name="connsiteY4" fmla="*/ 6788730 h 6858000"/>
+              <a:gd name="connsiteX5" fmla="*/ 3233551 w 4446529"/>
+              <a:gd name="connsiteY5" fmla="*/ 6858000 h 6858000"/>
+              <a:gd name="connsiteX6" fmla="*/ 0 w 4446529"/>
+              <a:gd name="connsiteY6" fmla="*/ 6858000 h 6858000"/>
+            </a:gdLst>
+            <a:ahLst/>
+            <a:cxnLst>
+              <a:cxn ang="0">
+                <a:pos x="connsiteX0" y="connsiteY0"/>
+              </a:cxn>
+              <a:cxn ang="0">
+                <a:pos x="connsiteX1" y="connsiteY1"/>
+              </a:cxn>
+              <a:cxn ang="0">
+                <a:pos x="connsiteX2" y="connsiteY2"/>
+              </a:cxn>
+              <a:cxn ang="0">
+                <a:pos x="connsiteX3" y="connsiteY3"/>
+              </a:cxn>
+              <a:cxn ang="0">
+                <a:pos x="connsiteX4" y="connsiteY4"/>
+              </a:cxn>
+              <a:cxn ang="0">
+                <a:pos x="connsiteX5" y="connsiteY5"/>
+              </a:cxn>
+              <a:cxn ang="0">
+                <a:pos x="connsiteX6" y="connsiteY6"/>
+              </a:cxn>
+            </a:cxnLst>
+            <a:rect l="l" t="t" r="r" b="b"/>
+            <a:pathLst>
+              <a:path w="4446529" h="6858000">
+                <a:moveTo>
+                  <a:pt x="0" y="0"/>
+                </a:moveTo>
+                <a:lnTo>
+                  <a:pt x="3233551" y="0"/>
+                </a:lnTo>
+                <a:lnTo>
+                  <a:pt x="3296534" y="69271"/>
+                </a:lnTo>
+                <a:cubicBezTo>
+                  <a:pt x="4007060" y="929100"/>
+                  <a:pt x="4446529" y="2116944"/>
+                  <a:pt x="4446529" y="3429000"/>
+                </a:cubicBezTo>
+                <a:cubicBezTo>
+                  <a:pt x="4446529" y="4741056"/>
+                  <a:pt x="4007060" y="5928900"/>
+                  <a:pt x="3296534" y="6788730"/>
+                </a:cubicBezTo>
+                <a:lnTo>
+                  <a:pt x="3233551" y="6858000"/>
+                </a:lnTo>
+                <a:lnTo>
+                  <a:pt x="0" y="6858000"/>
+                </a:lnTo>
+                <a:close/>
+              </a:path>
+            </a:pathLst>
+          </a:custGeom>
+          <a:ln w="9525">
+            <a:noFill/>
+          </a:ln>
+          <a:effectLst/>
+        </p:spPr>
+        <p:style>
+          <a:lnRef idx="2">
+            <a:schemeClr val="accent1">
+              <a:shade val="50000"/>
+            </a:schemeClr>
+          </a:lnRef>
+          <a:fillRef idx="1">
+            <a:schemeClr val="accent1"/>
+          </a:fillRef>
+          <a:effectRef idx="0">
+            <a:schemeClr val="accent1"/>
+          </a:effectRef>
+          <a:fontRef idx="minor">
+            <a:schemeClr val="lt1"/>
+          </a:fontRef>
+        </p:style>
+        <p:txBody>
+          <a:bodyPr wrap="square" rtlCol="0" anchor="ctr">
+            <a:noAutofit/>
+          </a:bodyPr>
+          <a:lstStyle/>
+          <a:p>
+            <a:pPr marL="0" marR="0" lvl="0" indent="0" algn="ctr" defTabSz="914400" rtl="0" eaLnBrk="1" fontAlgn="auto" latinLnBrk="0" hangingPunct="1">
+              <a:lnSpc>
+                <a:spcPct val="100000"/>
+              </a:lnSpc>
+              <a:spcBef>
+                <a:spcPts val="0"/>
+              </a:spcBef>
+              <a:spcAft>
+                <a:spcPts val="0"/>
+              </a:spcAft>
+              <a:buClrTx/>
+              <a:buSzTx/>
+              <a:buFontTx/>
+              <a:buNone/>
+              <a:tabLst/>
+              <a:defRPr/>
+            </a:pPr>
+            <a:endParaRPr kumimoji="0" lang="en-US" sz="1800" b="0" i="0" u="none" strike="noStrike" kern="1200" cap="none" spc="0" normalizeH="0" baseline="0" noProof="0">
+              <a:ln>
+                <a:noFill/>
+              </a:ln>
+              <a:solidFill>
+                <a:prstClr val="white"/>
+              </a:solidFill>
+              <a:effectLst/>
+              <a:uLnTx/>
+              <a:uFillTx/>
+              <a:latin typeface="Calibri" panose="020F0502020204030204"/>
+              <a:ea typeface="+mn-ea"/>
+              <a:cs typeface="+mn-cs"/>
+            </a:endParaRPr>
+          </a:p>
+        </p:txBody>
+      </p:sp>
+      <p:sp>
+        <p:nvSpPr>
+          <p:cNvPr id="2" name="Titel 1">
+            <a:extLst>
+              <a:ext uri="{FF2B5EF4-FFF2-40B4-BE49-F238E27FC236}">
+                <a16:creationId xmlns:a16="http://schemas.microsoft.com/office/drawing/2014/main" id="{EBDED6C4-00C7-90B0-72ED-C884DF3F1FF1}"/>
+              </a:ext>
+            </a:extLst>
+          </p:cNvPr>
+          <p:cNvSpPr>
+            <a:spLocks noGrp="1"/>
+          </p:cNvSpPr>
+          <p:nvPr>
+            <p:ph type="title"/>
+          </p:nvPr>
+        </p:nvSpPr>
+        <p:spPr>
+          <a:xfrm>
+            <a:off x="371094" y="1161288"/>
+            <a:ext cx="3438144" cy="1125728"/>
+          </a:xfrm>
+        </p:spPr>
+        <p:txBody>
+          <a:bodyPr anchor="b">
+            <a:normAutofit/>
+          </a:bodyPr>
+          <a:lstStyle/>
+          <a:p>
+            <a:r>
+              <a:rPr lang="nl-NL" sz="2800" dirty="0">
+                <a:latin typeface="Open Sans" panose="020B0604020202020204" pitchFamily="34" charset="0"/>
+              </a:rPr>
+              <a:t>Onze</a:t>
+            </a:r>
+            <a:r>
+              <a:rPr lang="nl-NL" sz="2800" b="0" i="0" dirty="0">
+                <a:effectLst/>
+                <a:latin typeface="Open Sans" panose="020B0604020202020204" pitchFamily="34" charset="0"/>
+              </a:rPr>
+              <a:t> inspiratie</a:t>
+            </a:r>
+            <a:endParaRPr lang="nl-NL" sz="2800" dirty="0"/>
+          </a:p>
+        </p:txBody>
+      </p:sp>
+      <p:sp>
+        <p:nvSpPr>
+          <p:cNvPr id="15" name="Rectangle 14">
+            <a:extLst>
+              <a:ext uri="{FF2B5EF4-FFF2-40B4-BE49-F238E27FC236}">
+                <a16:creationId xmlns:a16="http://schemas.microsoft.com/office/drawing/2014/main" id="{55D4142C-5077-457F-A6AD-3FECFDB39685}"/>
+              </a:ext>
+              <a:ext uri="{C183D7F6-B498-43B3-948B-1728B52AA6E4}">
+                <adec:decorative xmlns:adec="http://schemas.microsoft.com/office/drawing/2017/decorative" val="1"/>
+              </a:ext>
+            </a:extLst>
+          </p:cNvPr>
+          <p:cNvSpPr>
+            <a:spLocks noGrp="1" noRot="1" noChangeAspect="1" noMove="1" noResize="1" noEditPoints="1" noAdjustHandles="1" noChangeArrowheads="1" noChangeShapeType="1" noTextEdit="1"/>
+          </p:cNvSpPr>
+          <p:nvPr>
+            <p:extLst>
+              <p:ext uri="{386F3935-93C4-4BCD-93E2-E3B085C9AB24}">
+                <p16:designElem xmlns:p16="http://schemas.microsoft.com/office/powerpoint/2015/main" val="1"/>
+              </p:ext>
+            </p:extLst>
+          </p:nvPr>
+        </p:nvSpPr>
+        <p:spPr>
+          <a:xfrm rot="5400000">
+            <a:off x="662559" y="605790"/>
+            <a:ext cx="73152" cy="548640"/>
+          </a:xfrm>
+          <a:prstGeom prst="rect">
+            <a:avLst/>
+          </a:prstGeom>
+          <a:solidFill>
+            <a:schemeClr val="accent2"/>
+          </a:solidFill>
+          <a:ln>
+            <a:noFill/>
+          </a:ln>
+        </p:spPr>
+        <p:style>
+          <a:lnRef idx="2">
+            <a:schemeClr val="accent1">
+              <a:shade val="50000"/>
+            </a:schemeClr>
+          </a:lnRef>
+          <a:fillRef idx="1">
+            <a:schemeClr val="accent1"/>
+          </a:fillRef>
+          <a:effectRef idx="0">
+            <a:schemeClr val="accent1"/>
+          </a:effectRef>
+          <a:fontRef idx="minor">
+            <a:schemeClr val="lt1"/>
+          </a:fontRef>
+        </p:style>
+        <p:txBody>
+          <a:bodyPr rtlCol="0" anchor="ctr"/>
+          <a:lstStyle/>
+          <a:p>
+            <a:pPr algn="ctr"/>
+            <a:endParaRPr lang="en-US">
+              <a:solidFill>
+                <a:prstClr val="white"/>
+              </a:solidFill>
+              <a:latin typeface="Calibri" panose="020F0502020204030204"/>
+            </a:endParaRPr>
+          </a:p>
+        </p:txBody>
+      </p:sp>
+      <p:sp>
+        <p:nvSpPr>
+          <p:cNvPr id="17" name="Rectangle 16">
+            <a:extLst>
+              <a:ext uri="{FF2B5EF4-FFF2-40B4-BE49-F238E27FC236}">
+                <a16:creationId xmlns:a16="http://schemas.microsoft.com/office/drawing/2014/main" id="{7A5F0580-5EE9-419F-96EE-B6529EF6E7D0}"/>
+              </a:ext>
+              <a:ext uri="{C183D7F6-B498-43B3-948B-1728B52AA6E4}">
+                <adec:decorative xmlns:adec="http://schemas.microsoft.com/office/drawing/2017/decorative" val="1"/>
+              </a:ext>
+            </a:extLst>
+          </p:cNvPr>
+          <p:cNvSpPr>
+            <a:spLocks noGrp="1" noRot="1" noChangeAspect="1" noMove="1" noResize="1" noEditPoints="1" noAdjustHandles="1" noChangeArrowheads="1" noChangeShapeType="1" noTextEdit="1"/>
+          </p:cNvSpPr>
+          <p:nvPr>
+            <p:extLst>
+              <p:ext uri="{386F3935-93C4-4BCD-93E2-E3B085C9AB24}">
+                <p16:designElem xmlns:p16="http://schemas.microsoft.com/office/powerpoint/2015/main" val="1"/>
+              </p:ext>
+            </p:extLst>
+          </p:nvPr>
+        </p:nvSpPr>
+        <p:spPr>
+          <a:xfrm>
+            <a:off x="428244" y="2443480"/>
+            <a:ext cx="3337560" cy="18288"/>
+          </a:xfrm>
+          <a:prstGeom prst="rect">
+            <a:avLst/>
+          </a:prstGeom>
+          <a:solidFill>
+            <a:srgbClr val="D5D5D5"/>
+          </a:solidFill>
+          <a:ln w="3175">
+            <a:noFill/>
+          </a:ln>
+          <a:effectLst/>
+        </p:spPr>
+        <p:style>
+          <a:lnRef idx="2">
+            <a:schemeClr val="accent1">
+              <a:shade val="50000"/>
+            </a:schemeClr>
+          </a:lnRef>
+          <a:fillRef idx="1">
+            <a:schemeClr val="accent1"/>
+          </a:fillRef>
+          <a:effectRef idx="0">
+            <a:schemeClr val="accent1"/>
+          </a:effectRef>
+          <a:fontRef idx="minor">
+            <a:schemeClr val="lt1"/>
+          </a:fontRef>
+        </p:style>
+        <p:txBody>
+          <a:bodyPr rtlCol="0" anchor="ctr"/>
+          <a:lstStyle/>
+          <a:p>
+            <a:pPr algn="ctr"/>
+            <a:endParaRPr lang="en-US">
+              <a:solidFill>
+                <a:prstClr val="white"/>
+              </a:solidFill>
+              <a:latin typeface="Calibri" panose="020F0502020204030204"/>
+            </a:endParaRPr>
+          </a:p>
+        </p:txBody>
+      </p:sp>
+      <p:sp>
+        <p:nvSpPr>
+          <p:cNvPr id="3" name="Tijdelijke aanduiding voor inhoud 2">
+            <a:extLst>
+              <a:ext uri="{FF2B5EF4-FFF2-40B4-BE49-F238E27FC236}">
+                <a16:creationId xmlns:a16="http://schemas.microsoft.com/office/drawing/2014/main" id="{9AEE6D8E-CA7D-31EA-F1C5-47961A79AAC7}"/>
+              </a:ext>
+            </a:extLst>
+          </p:cNvPr>
+          <p:cNvSpPr>
+            <a:spLocks noGrp="1"/>
+          </p:cNvSpPr>
+          <p:nvPr>
+            <p:ph idx="1"/>
+          </p:nvPr>
+        </p:nvSpPr>
+        <p:spPr>
+          <a:xfrm>
+            <a:off x="371094" y="2718054"/>
+            <a:ext cx="3438906" cy="3207258"/>
+          </a:xfrm>
+        </p:spPr>
+        <p:txBody>
+          <a:bodyPr anchor="t">
+            <a:normAutofit/>
+          </a:bodyPr>
+          <a:lstStyle/>
+          <a:p>
+            <a:r>
+              <a:rPr lang="nl-NL" sz="1700" dirty="0"/>
+              <a:t>Onze inspiratie kwam omdat we met ons groepje vaak schaken </a:t>
+            </a:r>
+            <a:r>
+              <a:rPr lang="nl-NL" sz="1700" dirty="0" err="1"/>
+              <a:t>tegenelkaar</a:t>
+            </a:r>
+            <a:r>
+              <a:rPr lang="nl-NL" sz="1700" dirty="0"/>
+              <a:t> </a:t>
+            </a:r>
+          </a:p>
+        </p:txBody>
+      </p:sp>
+    </p:spTree>
+    <p:extLst>
+      <p:ext uri="{BB962C8B-B14F-4D97-AF65-F5344CB8AC3E}">
+        <p14:creationId xmlns:p14="http://schemas.microsoft.com/office/powerpoint/2010/main" val="3652938861"/>
+      </p:ext>
+    </p:extLst>
+  </p:cSld>
+  <p:clrMapOvr>
+    <a:masterClrMapping/>
+  </p:clrMapOvr>
+</p:sld>
+</file>
+
+<file path=ppt/slides/slide6.xml><?xml version="1.0" encoding="utf-8"?>
+<p:sld xmlns:a="http://schemas.openxmlformats.org/drawingml/2006/main" xmlns:r="http://schemas.openxmlformats.org/officeDocument/2006/relationships" xmlns:p="http://schemas.openxmlformats.org/presentationml/2006/main">
+  <p:cSld>
+    <p:bg>
+      <p:bgPr>
+        <a:solidFill>
+          <a:schemeClr val="bg1"/>
+        </a:solidFill>
+        <a:effectLst/>
+      </p:bgPr>
+    </p:bg>
+    <p:spTree>
+      <p:nvGrpSpPr>
+        <p:cNvPr id="1" name=""/>
+        <p:cNvGrpSpPr/>
+        <p:nvPr/>
+      </p:nvGrpSpPr>
+      <p:grpSpPr>
+        <a:xfrm>
+          <a:off x="0" y="0"/>
+          <a:ext cx="0" cy="0"/>
+          <a:chOff x="0" y="0"/>
+          <a:chExt cx="0" cy="0"/>
+        </a:xfrm>
+      </p:grpSpPr>
+      <p:sp>
+        <p:nvSpPr>
+          <p:cNvPr id="10" name="Rectangle 9">
+            <a:extLst>
+              <a:ext uri="{FF2B5EF4-FFF2-40B4-BE49-F238E27FC236}">
+                <a16:creationId xmlns:a16="http://schemas.microsoft.com/office/drawing/2014/main" id="{B4D3D850-2041-4B7C-AED9-54DA385B14F7}"/>
+              </a:ext>
+              <a:ext uri="{C183D7F6-B498-43B3-948B-1728B52AA6E4}">
+                <adec:decorative xmlns:adec="http://schemas.microsoft.com/office/drawing/2017/decorative" val="1"/>
+              </a:ext>
+            </a:extLst>
+          </p:cNvPr>
+          <p:cNvSpPr>
+            <a:spLocks noGrp="1" noRot="1" noChangeAspect="1" noMove="1" noResize="1" noEditPoints="1" noAdjustHandles="1" noChangeArrowheads="1" noChangeShapeType="1" noTextEdit="1"/>
+          </p:cNvSpPr>
+          <p:nvPr>
+            <p:extLst>
+              <p:ext uri="{386F3935-93C4-4BCD-93E2-E3B085C9AB24}">
+                <p16:designElem xmlns:p16="http://schemas.microsoft.com/office/powerpoint/2015/main" val="1"/>
+              </p:ext>
+            </p:extLst>
+          </p:nvPr>
+        </p:nvSpPr>
+        <p:spPr>
+          <a:xfrm>
+            <a:off x="0" y="0"/>
+            <a:ext cx="12192000" cy="6858000"/>
+          </a:xfrm>
+          <a:prstGeom prst="rect">
+            <a:avLst/>
+          </a:prstGeom>
+          <a:solidFill>
+            <a:schemeClr val="bg2"/>
+          </a:solidFill>
+          <a:ln>
+            <a:noFill/>
+          </a:ln>
+        </p:spPr>
+        <p:style>
+          <a:lnRef idx="2">
+            <a:schemeClr val="accent1">
+              <a:shade val="50000"/>
+            </a:schemeClr>
+          </a:lnRef>
+          <a:fillRef idx="1">
+            <a:schemeClr val="accent1"/>
+          </a:fillRef>
+          <a:effectRef idx="0">
+            <a:schemeClr val="accent1"/>
+          </a:effectRef>
+          <a:fontRef idx="minor">
+            <a:schemeClr val="lt1"/>
+          </a:fontRef>
+        </p:style>
+        <p:txBody>
+          <a:bodyPr rtlCol="0" anchor="ctr"/>
+          <a:lstStyle/>
+          <a:p>
+            <a:pPr algn="ctr"/>
+            <a:endParaRPr lang="en-US" dirty="0"/>
+          </a:p>
+        </p:txBody>
+      </p:sp>
+      <p:pic>
+        <p:nvPicPr>
+          <p:cNvPr id="5" name="Afbeelding 4">
+            <a:extLst>
+              <a:ext uri="{FF2B5EF4-FFF2-40B4-BE49-F238E27FC236}">
+                <a16:creationId xmlns:a16="http://schemas.microsoft.com/office/drawing/2014/main" id="{ADD0BEDD-E929-A7D6-537D-A416737E07B3}"/>
+              </a:ext>
+            </a:extLst>
+          </p:cNvPr>
+          <p:cNvPicPr>
+            <a:picLocks noChangeAspect="1"/>
+          </p:cNvPicPr>
+          <p:nvPr/>
+        </p:nvPicPr>
+        <p:blipFill rotWithShape="1">
+          <a:blip r:embed="rId2"/>
+          <a:srcRect r="22443" b="-2"/>
+          <a:stretch/>
+        </p:blipFill>
+        <p:spPr>
+          <a:xfrm>
+            <a:off x="20" y="10"/>
+            <a:ext cx="6095980" cy="6857990"/>
+          </a:xfrm>
+          <a:prstGeom prst="rect">
+            <a:avLst/>
+          </a:prstGeom>
+        </p:spPr>
+      </p:pic>
+      <p:pic>
+        <p:nvPicPr>
+          <p:cNvPr id="4" name="Picture 2" descr="Exquisite 4 player chess set">
+            <a:extLst>
+              <a:ext uri="{FF2B5EF4-FFF2-40B4-BE49-F238E27FC236}">
+                <a16:creationId xmlns:a16="http://schemas.microsoft.com/office/drawing/2014/main" id="{7931D245-D8A2-EEA6-458F-B3322AD8BB41}"/>
+              </a:ext>
+            </a:extLst>
+          </p:cNvPr>
+          <p:cNvPicPr>
+            <a:picLocks noChangeAspect="1" noChangeArrowheads="1"/>
+          </p:cNvPicPr>
+          <p:nvPr/>
+        </p:nvPicPr>
+        <p:blipFill rotWithShape="1">
+          <a:blip r:embed="rId3">
+            <a:extLst>
+              <a:ext uri="{28A0092B-C50C-407E-A947-70E740481C1C}">
+                <a14:useLocalDpi xmlns:a14="http://schemas.microsoft.com/office/drawing/2010/main" val="0"/>
+              </a:ext>
+            </a:extLst>
+          </a:blip>
+          <a:srcRect l="20153" r="20512" b="-1"/>
+          <a:stretch/>
+        </p:blipFill>
+        <p:spPr bwMode="auto">
+          <a:xfrm>
+            <a:off x="6096000" y="10"/>
+            <a:ext cx="6096000" cy="6857990"/>
           </a:xfrm>
           <a:prstGeom prst="rect">
             <a:avLst/>
@@ -3667,10 +6607,144 @@
       </p:pic>
       <p:sp>
         <p:nvSpPr>
+          <p:cNvPr id="12" name="Rectangle 11">
+            <a:extLst>
+              <a:ext uri="{FF2B5EF4-FFF2-40B4-BE49-F238E27FC236}">
+                <a16:creationId xmlns:a16="http://schemas.microsoft.com/office/drawing/2014/main" id="{B497CCB5-5FC2-473C-AFCC-2430CEF1DF71}"/>
+              </a:ext>
+              <a:ext uri="{C183D7F6-B498-43B3-948B-1728B52AA6E4}">
+                <adec:decorative xmlns:adec="http://schemas.microsoft.com/office/drawing/2017/decorative" val="1"/>
+              </a:ext>
+            </a:extLst>
+          </p:cNvPr>
+          <p:cNvSpPr>
+            <a:spLocks noGrp="1" noRot="1" noChangeAspect="1" noMove="1" noResize="1" noEditPoints="1" noAdjustHandles="1" noChangeArrowheads="1" noChangeShapeType="1" noTextEdit="1"/>
+          </p:cNvSpPr>
+          <p:nvPr>
+            <p:extLst>
+              <p:ext uri="{386F3935-93C4-4BCD-93E2-E3B085C9AB24}">
+                <p16:designElem xmlns:p16="http://schemas.microsoft.com/office/powerpoint/2015/main" val="1"/>
+              </p:ext>
+            </p:extLst>
+          </p:nvPr>
+        </p:nvSpPr>
+        <p:spPr>
+          <a:xfrm rot="2700000">
+            <a:off x="4409915" y="1742916"/>
+            <a:ext cx="3372170" cy="3372168"/>
+          </a:xfrm>
+          <a:prstGeom prst="rect">
+            <a:avLst/>
+          </a:prstGeom>
+          <a:solidFill>
+            <a:srgbClr val="FFFFFF"/>
+          </a:solidFill>
+          <a:ln>
+            <a:noFill/>
+          </a:ln>
+        </p:spPr>
+        <p:style>
+          <a:lnRef idx="2">
+            <a:schemeClr val="accent1">
+              <a:shade val="50000"/>
+            </a:schemeClr>
+          </a:lnRef>
+          <a:fillRef idx="1">
+            <a:schemeClr val="accent1"/>
+          </a:fillRef>
+          <a:effectRef idx="0">
+            <a:schemeClr val="accent1"/>
+          </a:effectRef>
+          <a:fontRef idx="minor">
+            <a:schemeClr val="lt1"/>
+          </a:fontRef>
+        </p:style>
+        <p:txBody>
+          <a:bodyPr rtlCol="0" anchor="ctr"/>
+          <a:lstStyle/>
+          <a:p>
+            <a:pPr algn="ctr"/>
+            <a:endParaRPr lang="en-US"/>
+          </a:p>
+        </p:txBody>
+      </p:sp>
+      <p:sp>
+        <p:nvSpPr>
+          <p:cNvPr id="14" name="Frame 13">
+            <a:extLst>
+              <a:ext uri="{FF2B5EF4-FFF2-40B4-BE49-F238E27FC236}">
+                <a16:creationId xmlns:a16="http://schemas.microsoft.com/office/drawing/2014/main" id="{599C8C75-BFDF-44E7-A028-EEB5EDD58817}"/>
+              </a:ext>
+              <a:ext uri="{C183D7F6-B498-43B3-948B-1728B52AA6E4}">
+                <adec:decorative xmlns:adec="http://schemas.microsoft.com/office/drawing/2017/decorative" val="1"/>
+              </a:ext>
+            </a:extLst>
+          </p:cNvPr>
+          <p:cNvSpPr>
+            <a:spLocks noGrp="1" noRot="1" noChangeAspect="1" noMove="1" noResize="1" noEditPoints="1" noAdjustHandles="1" noChangeArrowheads="1" noChangeShapeType="1" noTextEdit="1"/>
+          </p:cNvSpPr>
+          <p:nvPr>
+            <p:extLst>
+              <p:ext uri="{386F3935-93C4-4BCD-93E2-E3B085C9AB24}">
+                <p16:designElem xmlns:p16="http://schemas.microsoft.com/office/powerpoint/2015/main" val="1"/>
+              </p:ext>
+            </p:extLst>
+          </p:nvPr>
+        </p:nvSpPr>
+        <p:spPr>
+          <a:xfrm rot="2700000">
+            <a:off x="3971277" y="1304278"/>
+            <a:ext cx="4249446" cy="4249444"/>
+          </a:xfrm>
+          <a:prstGeom prst="frame">
+            <a:avLst>
+              <a:gd name="adj1" fmla="val 1195"/>
+            </a:avLst>
+          </a:prstGeom>
+          <a:solidFill>
+            <a:srgbClr val="FFFFFF">
+              <a:alpha val="60000"/>
+            </a:srgbClr>
+          </a:solidFill>
+          <a:ln>
+            <a:noFill/>
+          </a:ln>
+        </p:spPr>
+        <p:style>
+          <a:lnRef idx="2">
+            <a:schemeClr val="accent1">
+              <a:shade val="50000"/>
+            </a:schemeClr>
+          </a:lnRef>
+          <a:fillRef idx="1">
+            <a:schemeClr val="accent1"/>
+          </a:fillRef>
+          <a:effectRef idx="0">
+            <a:schemeClr val="accent1"/>
+          </a:effectRef>
+          <a:fontRef idx="minor">
+            <a:schemeClr val="lt1"/>
+          </a:fontRef>
+        </p:style>
+        <p:txBody>
+          <a:bodyPr rtlCol="0" anchor="ctr"/>
+          <a:lstStyle/>
+          <a:p>
+            <a:pPr algn="ctr"/>
+            <a:endParaRPr lang="en-US">
+              <a:solidFill>
+                <a:schemeClr val="tx1"/>
+              </a:solidFill>
+            </a:endParaRPr>
+          </a:p>
+        </p:txBody>
+      </p:sp>
+      <p:sp>
+        <p:nvSpPr>
           <p:cNvPr id="2" name="Titel 1">
             <a:extLst>
               <a:ext uri="{FF2B5EF4-FFF2-40B4-BE49-F238E27FC236}">
-                <a16:creationId xmlns:a16="http://schemas.microsoft.com/office/drawing/2014/main" id="{B2B0437C-8386-16AF-4364-66C0CC3B2BB6}"/>
+                <a16:creationId xmlns:a16="http://schemas.microsoft.com/office/drawing/2014/main" id="{A217E5F0-D093-3034-28A0-FC4E20B94964}"/>
               </a:ext>
             </a:extLst>
           </p:cNvPr>
@@ -3679,57 +6753,32 @@
           </p:cNvSpPr>
           <p:nvPr>
             <p:ph type="title"/>
-          </p:nvPr>
-        </p:nvSpPr>
-        <p:spPr/>
-        <p:txBody>
-          <a:bodyPr/>
-          <a:lstStyle/>
-          <a:p>
-            <a:r>
-              <a:rPr lang="nl-NL" dirty="0">
-                <a:solidFill>
-                  <a:schemeClr val="bg1"/>
-                </a:solidFill>
-              </a:rPr>
-              <a:t>Hoe het werkt</a:t>
-            </a:r>
-          </a:p>
-        </p:txBody>
-      </p:sp>
-      <p:sp>
-        <p:nvSpPr>
-          <p:cNvPr id="3" name="Tijdelijke aanduiding voor inhoud 2">
-            <a:extLst>
-              <a:ext uri="{FF2B5EF4-FFF2-40B4-BE49-F238E27FC236}">
-                <a16:creationId xmlns:a16="http://schemas.microsoft.com/office/drawing/2014/main" id="{C1C32262-9383-87D5-8F3B-35296721AA28}"/>
-              </a:ext>
-            </a:extLst>
-          </p:cNvPr>
-          <p:cNvSpPr>
-            <a:spLocks noGrp="1"/>
-          </p:cNvSpPr>
-          <p:nvPr>
-            <p:ph idx="1"/>
           </p:nvPr>
         </p:nvSpPr>
         <p:spPr>
           <a:xfrm>
-            <a:off x="838200" y="2055813"/>
-            <a:ext cx="10515600" cy="4121150"/>
+            <a:off x="4286858" y="2761554"/>
+            <a:ext cx="3618284" cy="1345720"/>
           </a:xfrm>
+          <a:noFill/>
         </p:spPr>
         <p:txBody>
-          <a:bodyPr/>
-          <a:lstStyle/>
-          <a:p>
-            <a:r>
-              <a:rPr lang="nl-NL" dirty="0">
+          <a:bodyPr vert="horz" lIns="91440" tIns="45720" rIns="91440" bIns="45720" rtlCol="0" anchor="ctr">
+            <a:normAutofit/>
+          </a:bodyPr>
+          <a:lstStyle/>
+          <a:p>
+            <a:pPr algn="ctr"/>
+            <a:r>
+              <a:rPr lang="en-US" sz="2800" kern="1200">
                 <a:solidFill>
-                  <a:schemeClr val="bg1"/>
+                  <a:srgbClr val="080808"/>
                 </a:solidFill>
+                <a:latin typeface="+mj-lt"/>
+                <a:ea typeface="+mj-ea"/>
+                <a:cs typeface="+mj-cs"/>
               </a:rPr>
-              <a:t>Er zijn 4 ridders en 1 tovenaar aan iedere zijde je kunt samen werken of alleen spelen je kunt ook als je wilt elkaar verraden het spel eindigt wanneer er nog maar 1 kant team over is. Je kunt tijdens het spel gebruik maken van verschillende kaarten die je sterker kunnen maken of kaarten die je tegenstanders belemmerd.</a:t>
+              <a:t>De flowchart</a:t>
             </a:r>
           </a:p>
         </p:txBody>
@@ -3737,7 +6786,7 @@
     </p:spTree>
     <p:extLst>
       <p:ext uri="{BB962C8B-B14F-4D97-AF65-F5344CB8AC3E}">
-        <p14:creationId xmlns:p14="http://schemas.microsoft.com/office/powerpoint/2010/main" val="1450873088"/>
+        <p14:creationId xmlns:p14="http://schemas.microsoft.com/office/powerpoint/2010/main" val="754147637"/>
       </p:ext>
     </p:extLst>
   </p:cSld>
@@ -3747,9 +6796,17 @@
 </p:sld>
 </file>
 
-<file path=ppt/slides/slide4.xml><?xml version="1.0" encoding="utf-8"?>
+<file path=ppt/slides/slide7.xml><?xml version="1.0" encoding="utf-8"?>
 <p:sld xmlns:a="http://schemas.openxmlformats.org/drawingml/2006/main" xmlns:r="http://schemas.openxmlformats.org/officeDocument/2006/relationships" xmlns:p="http://schemas.openxmlformats.org/presentationml/2006/main">
   <p:cSld>
+    <p:bg>
+      <p:bgPr>
+        <a:solidFill>
+          <a:schemeClr val="bg1"/>
+        </a:solidFill>
+        <a:effectLst/>
+      </p:bgPr>
+    </p:bg>
     <p:spTree>
       <p:nvGrpSpPr>
         <p:cNvPr id="1" name=""/>
@@ -3764,34 +6821,30 @@
           <a:chExt cx="0" cy="0"/>
         </a:xfrm>
       </p:grpSpPr>
-      <p:pic>
-        <p:nvPicPr>
-          <p:cNvPr id="4" name="Picture 2" descr="Exquisite 4 player chess set">
-            <a:extLst>
-              <a:ext uri="{FF2B5EF4-FFF2-40B4-BE49-F238E27FC236}">
-                <a16:creationId xmlns:a16="http://schemas.microsoft.com/office/drawing/2014/main" id="{7931D245-D8A2-EEA6-458F-B3322AD8BB41}"/>
-              </a:ext>
-            </a:extLst>
-          </p:cNvPr>
-          <p:cNvPicPr>
-            <a:picLocks noChangeAspect="1" noChangeArrowheads="1"/>
-          </p:cNvPicPr>
-          <p:nvPr/>
-        </p:nvPicPr>
-        <p:blipFill>
-          <a:blip r:embed="rId2">
-            <a:extLst>
-              <a:ext uri="{28A0092B-C50C-407E-A947-70E740481C1C}">
-                <a14:useLocalDpi xmlns:a14="http://schemas.microsoft.com/office/drawing/2010/main" val="0"/>
-              </a:ext>
-            </a:extLst>
-          </a:blip>
-          <a:srcRect/>
-          <a:stretch>
-            <a:fillRect/>
-          </a:stretch>
-        </p:blipFill>
-        <p:spPr bwMode="auto">
+      <p:sp useBgFill="1">
+        <p:nvSpPr>
+          <p:cNvPr id="9" name="Rectangle 8">
+            <a:extLst>
+              <a:ext uri="{FF2B5EF4-FFF2-40B4-BE49-F238E27FC236}">
+                <a16:creationId xmlns:a16="http://schemas.microsoft.com/office/drawing/2014/main" id="{6B5E2835-4E47-45B3-9CFE-732FF7B05472}"/>
+              </a:ext>
+              <a:ext uri="{C183D7F6-B498-43B3-948B-1728B52AA6E4}">
+                <adec:decorative xmlns:adec="http://schemas.microsoft.com/office/drawing/2017/decorative" val="1"/>
+              </a:ext>
+            </a:extLst>
+          </p:cNvPr>
+          <p:cNvSpPr>
+            <a:spLocks noGrp="1" noRot="1" noChangeAspect="1" noMove="1" noResize="1" noEditPoints="1" noAdjustHandles="1" noChangeArrowheads="1" noChangeShapeType="1" noTextEdit="1"/>
+          </p:cNvSpPr>
+          <p:nvPr>
+            <p:extLst>
+              <p:ext uri="{386F3935-93C4-4BCD-93E2-E3B085C9AB24}">
+                <p16:designElem xmlns:p16="http://schemas.microsoft.com/office/powerpoint/2015/main" val="1"/>
+              </p:ext>
+            </p:extLst>
+          </p:nvPr>
+        </p:nvSpPr>
+        <p:spPr>
           <a:xfrm>
             <a:off x="0" y="0"/>
             <a:ext cx="12192000" cy="6858000"/>
@@ -3799,6 +6852,102 @@
           <a:prstGeom prst="rect">
             <a:avLst/>
           </a:prstGeom>
+          <a:ln>
+            <a:noFill/>
+          </a:ln>
+        </p:spPr>
+        <p:style>
+          <a:lnRef idx="2">
+            <a:schemeClr val="accent1">
+              <a:shade val="50000"/>
+            </a:schemeClr>
+          </a:lnRef>
+          <a:fillRef idx="1">
+            <a:schemeClr val="accent1"/>
+          </a:fillRef>
+          <a:effectRef idx="0">
+            <a:schemeClr val="accent1"/>
+          </a:effectRef>
+          <a:fontRef idx="minor">
+            <a:schemeClr val="lt1"/>
+          </a:fontRef>
+        </p:style>
+        <p:txBody>
+          <a:bodyPr rtlCol="0" anchor="ctr"/>
+          <a:lstStyle/>
+          <a:p>
+            <a:pPr algn="ctr"/>
+            <a:endParaRPr lang="en-US"/>
+          </a:p>
+        </p:txBody>
+      </p:sp>
+      <p:pic>
+        <p:nvPicPr>
+          <p:cNvPr id="4" name="Picture 2" descr="Exquisite 4 player chess set">
+            <a:extLst>
+              <a:ext uri="{FF2B5EF4-FFF2-40B4-BE49-F238E27FC236}">
+                <a16:creationId xmlns:a16="http://schemas.microsoft.com/office/drawing/2014/main" id="{2AF214D4-D0B1-57E6-3C67-7C6185B1C095}"/>
+              </a:ext>
+            </a:extLst>
+          </p:cNvPr>
+          <p:cNvPicPr>
+            <a:picLocks noChangeAspect="1" noChangeArrowheads="1"/>
+          </p:cNvPicPr>
+          <p:nvPr/>
+        </p:nvPicPr>
+        <p:blipFill rotWithShape="1">
+          <a:blip r:embed="rId2">
+            <a:extLst>
+              <a:ext uri="{28A0092B-C50C-407E-A947-70E740481C1C}">
+                <a14:useLocalDpi xmlns:a14="http://schemas.microsoft.com/office/drawing/2010/main" val="0"/>
+              </a:ext>
+            </a:extLst>
+          </a:blip>
+          <a:srcRect l="6267" r="6626" b="-1"/>
+          <a:stretch/>
+        </p:blipFill>
+        <p:spPr bwMode="auto">
+          <a:xfrm>
+            <a:off x="3242695" y="10"/>
+            <a:ext cx="8949307" cy="6857990"/>
+          </a:xfrm>
+          <a:custGeom>
+            <a:avLst/>
+            <a:gdLst/>
+            <a:ahLst/>
+            <a:cxnLst/>
+            <a:rect l="l" t="t" r="r" b="b"/>
+            <a:pathLst>
+              <a:path w="8949307" h="6858000">
+                <a:moveTo>
+                  <a:pt x="0" y="0"/>
+                </a:moveTo>
+                <a:lnTo>
+                  <a:pt x="8949307" y="0"/>
+                </a:lnTo>
+                <a:lnTo>
+                  <a:pt x="8949307" y="6858000"/>
+                </a:lnTo>
+                <a:lnTo>
+                  <a:pt x="0" y="6858000"/>
+                </a:lnTo>
+                <a:lnTo>
+                  <a:pt x="62983" y="6788730"/>
+                </a:lnTo>
+                <a:cubicBezTo>
+                  <a:pt x="773509" y="5928900"/>
+                  <a:pt x="1212979" y="4741056"/>
+                  <a:pt x="1212979" y="3429000"/>
+                </a:cubicBezTo>
+                <a:cubicBezTo>
+                  <a:pt x="1212979" y="2116944"/>
+                  <a:pt x="773509" y="929100"/>
+                  <a:pt x="62983" y="69271"/>
+                </a:cubicBezTo>
+                <a:close/>
+              </a:path>
+            </a:pathLst>
+          </a:custGeom>
           <a:noFill/>
           <a:extLst>
             <a:ext uri="{909E8E84-426E-40DD-AFC4-6F175D3DCCD1}">
@@ -3811,12 +6960,347 @@
           </a:extLst>
         </p:spPr>
       </p:pic>
+      <p:sp useBgFill="1">
+        <p:nvSpPr>
+          <p:cNvPr id="11" name="Freeform: Shape 10">
+            <a:extLst>
+              <a:ext uri="{FF2B5EF4-FFF2-40B4-BE49-F238E27FC236}">
+                <a16:creationId xmlns:a16="http://schemas.microsoft.com/office/drawing/2014/main" id="{5B45AD5D-AA52-4F7B-9362-576A39AD9E09}"/>
+              </a:ext>
+              <a:ext uri="{C183D7F6-B498-43B3-948B-1728B52AA6E4}">
+                <adec:decorative xmlns:adec="http://schemas.microsoft.com/office/drawing/2017/decorative" val="1"/>
+              </a:ext>
+            </a:extLst>
+          </p:cNvPr>
+          <p:cNvSpPr>
+            <a:spLocks noGrp="1" noRot="1" noChangeAspect="1" noMove="1" noResize="1" noEditPoints="1" noAdjustHandles="1" noChangeArrowheads="1" noChangeShapeType="1" noTextEdit="1"/>
+          </p:cNvSpPr>
+          <p:nvPr>
+            <p:extLst>
+              <p:ext uri="{386F3935-93C4-4BCD-93E2-E3B085C9AB24}">
+                <p16:designElem xmlns:p16="http://schemas.microsoft.com/office/powerpoint/2015/main" val="1"/>
+              </p:ext>
+            </p:extLst>
+          </p:nvPr>
+        </p:nvSpPr>
+        <p:spPr>
+          <a:xfrm>
+            <a:off x="-1" y="0"/>
+            <a:ext cx="4455673" cy="6858000"/>
+          </a:xfrm>
+          <a:custGeom>
+            <a:avLst/>
+            <a:gdLst>
+              <a:gd name="connsiteX0" fmla="*/ 0 w 4455673"/>
+              <a:gd name="connsiteY0" fmla="*/ 0 h 6858000"/>
+              <a:gd name="connsiteX1" fmla="*/ 3242695 w 4455673"/>
+              <a:gd name="connsiteY1" fmla="*/ 0 h 6858000"/>
+              <a:gd name="connsiteX2" fmla="*/ 3305678 w 4455673"/>
+              <a:gd name="connsiteY2" fmla="*/ 69271 h 6858000"/>
+              <a:gd name="connsiteX3" fmla="*/ 4455673 w 4455673"/>
+              <a:gd name="connsiteY3" fmla="*/ 3429000 h 6858000"/>
+              <a:gd name="connsiteX4" fmla="*/ 3305678 w 4455673"/>
+              <a:gd name="connsiteY4" fmla="*/ 6788730 h 6858000"/>
+              <a:gd name="connsiteX5" fmla="*/ 3242695 w 4455673"/>
+              <a:gd name="connsiteY5" fmla="*/ 6858000 h 6858000"/>
+              <a:gd name="connsiteX6" fmla="*/ 0 w 4455673"/>
+              <a:gd name="connsiteY6" fmla="*/ 6858000 h 6858000"/>
+            </a:gdLst>
+            <a:ahLst/>
+            <a:cxnLst>
+              <a:cxn ang="0">
+                <a:pos x="connsiteX0" y="connsiteY0"/>
+              </a:cxn>
+              <a:cxn ang="0">
+                <a:pos x="connsiteX1" y="connsiteY1"/>
+              </a:cxn>
+              <a:cxn ang="0">
+                <a:pos x="connsiteX2" y="connsiteY2"/>
+              </a:cxn>
+              <a:cxn ang="0">
+                <a:pos x="connsiteX3" y="connsiteY3"/>
+              </a:cxn>
+              <a:cxn ang="0">
+                <a:pos x="connsiteX4" y="connsiteY4"/>
+              </a:cxn>
+              <a:cxn ang="0">
+                <a:pos x="connsiteX5" y="connsiteY5"/>
+              </a:cxn>
+              <a:cxn ang="0">
+                <a:pos x="connsiteX6" y="connsiteY6"/>
+              </a:cxn>
+            </a:cxnLst>
+            <a:rect l="l" t="t" r="r" b="b"/>
+            <a:pathLst>
+              <a:path w="4455673" h="6858000">
+                <a:moveTo>
+                  <a:pt x="0" y="0"/>
+                </a:moveTo>
+                <a:lnTo>
+                  <a:pt x="3242695" y="0"/>
+                </a:lnTo>
+                <a:lnTo>
+                  <a:pt x="3305678" y="69271"/>
+                </a:lnTo>
+                <a:cubicBezTo>
+                  <a:pt x="4016204" y="929100"/>
+                  <a:pt x="4455673" y="2116944"/>
+                  <a:pt x="4455673" y="3429000"/>
+                </a:cubicBezTo>
+                <a:cubicBezTo>
+                  <a:pt x="4455673" y="4741056"/>
+                  <a:pt x="4016204" y="5928900"/>
+                  <a:pt x="3305678" y="6788730"/>
+                </a:cubicBezTo>
+                <a:lnTo>
+                  <a:pt x="3242695" y="6858000"/>
+                </a:lnTo>
+                <a:lnTo>
+                  <a:pt x="0" y="6858000"/>
+                </a:lnTo>
+                <a:close/>
+              </a:path>
+            </a:pathLst>
+          </a:custGeom>
+          <a:ln w="9525">
+            <a:solidFill>
+              <a:srgbClr val="D5D5D5"/>
+            </a:solidFill>
+          </a:ln>
+          <a:effectLst>
+            <a:outerShdw blurRad="50800" dist="38100" algn="l" rotWithShape="0">
+              <a:schemeClr val="bg1">
+                <a:lumMod val="85000"/>
+                <a:alpha val="30000"/>
+              </a:schemeClr>
+            </a:outerShdw>
+          </a:effectLst>
+        </p:spPr>
+        <p:style>
+          <a:lnRef idx="2">
+            <a:schemeClr val="accent1">
+              <a:shade val="50000"/>
+            </a:schemeClr>
+          </a:lnRef>
+          <a:fillRef idx="1">
+            <a:schemeClr val="accent1"/>
+          </a:fillRef>
+          <a:effectRef idx="0">
+            <a:schemeClr val="accent1"/>
+          </a:effectRef>
+          <a:fontRef idx="minor">
+            <a:schemeClr val="lt1"/>
+          </a:fontRef>
+        </p:style>
+        <p:txBody>
+          <a:bodyPr wrap="square" rtlCol="0" anchor="ctr">
+            <a:noAutofit/>
+          </a:bodyPr>
+          <a:lstStyle/>
+          <a:p>
+            <a:pPr marL="0" marR="0" lvl="0" indent="0" algn="ctr" defTabSz="914400" rtl="0" eaLnBrk="1" fontAlgn="auto" latinLnBrk="0" hangingPunct="1">
+              <a:lnSpc>
+                <a:spcPct val="100000"/>
+              </a:lnSpc>
+              <a:spcBef>
+                <a:spcPts val="0"/>
+              </a:spcBef>
+              <a:spcAft>
+                <a:spcPts val="0"/>
+              </a:spcAft>
+              <a:buClrTx/>
+              <a:buSzTx/>
+              <a:buFontTx/>
+              <a:buNone/>
+              <a:tabLst/>
+              <a:defRPr/>
+            </a:pPr>
+            <a:endParaRPr kumimoji="0" lang="en-US" sz="1800" b="0" i="0" u="none" strike="noStrike" kern="1200" cap="none" spc="0" normalizeH="0" baseline="0" noProof="0">
+              <a:ln>
+                <a:noFill/>
+              </a:ln>
+              <a:solidFill>
+                <a:prstClr val="white"/>
+              </a:solidFill>
+              <a:effectLst/>
+              <a:uLnTx/>
+              <a:uFillTx/>
+              <a:latin typeface="Calibri" panose="020F0502020204030204"/>
+              <a:ea typeface="+mn-ea"/>
+              <a:cs typeface="+mn-cs"/>
+            </a:endParaRPr>
+          </a:p>
+        </p:txBody>
+      </p:sp>
+      <p:sp useBgFill="1">
+        <p:nvSpPr>
+          <p:cNvPr id="13" name="Freeform: Shape 12">
+            <a:extLst>
+              <a:ext uri="{FF2B5EF4-FFF2-40B4-BE49-F238E27FC236}">
+                <a16:creationId xmlns:a16="http://schemas.microsoft.com/office/drawing/2014/main" id="{AEDD7960-4866-4399-BEF6-DD1431AB4E34}"/>
+              </a:ext>
+              <a:ext uri="{C183D7F6-B498-43B3-948B-1728B52AA6E4}">
+                <adec:decorative xmlns:adec="http://schemas.microsoft.com/office/drawing/2017/decorative" val="1"/>
+              </a:ext>
+            </a:extLst>
+          </p:cNvPr>
+          <p:cNvSpPr>
+            <a:spLocks noGrp="1" noRot="1" noChangeAspect="1" noMove="1" noResize="1" noEditPoints="1" noAdjustHandles="1" noChangeArrowheads="1" noChangeShapeType="1" noTextEdit="1"/>
+          </p:cNvSpPr>
+          <p:nvPr>
+            <p:extLst>
+              <p:ext uri="{386F3935-93C4-4BCD-93E2-E3B085C9AB24}">
+                <p16:designElem xmlns:p16="http://schemas.microsoft.com/office/powerpoint/2015/main" val="1"/>
+              </p:ext>
+            </p:extLst>
+          </p:nvPr>
+        </p:nvSpPr>
+        <p:spPr>
+          <a:xfrm>
+            <a:off x="0" y="0"/>
+            <a:ext cx="4446529" cy="6858000"/>
+          </a:xfrm>
+          <a:custGeom>
+            <a:avLst/>
+            <a:gdLst>
+              <a:gd name="connsiteX0" fmla="*/ 0 w 4446529"/>
+              <a:gd name="connsiteY0" fmla="*/ 0 h 6858000"/>
+              <a:gd name="connsiteX1" fmla="*/ 3233551 w 4446529"/>
+              <a:gd name="connsiteY1" fmla="*/ 0 h 6858000"/>
+              <a:gd name="connsiteX2" fmla="*/ 3296534 w 4446529"/>
+              <a:gd name="connsiteY2" fmla="*/ 69271 h 6858000"/>
+              <a:gd name="connsiteX3" fmla="*/ 4446529 w 4446529"/>
+              <a:gd name="connsiteY3" fmla="*/ 3429000 h 6858000"/>
+              <a:gd name="connsiteX4" fmla="*/ 3296534 w 4446529"/>
+              <a:gd name="connsiteY4" fmla="*/ 6788730 h 6858000"/>
+              <a:gd name="connsiteX5" fmla="*/ 3233551 w 4446529"/>
+              <a:gd name="connsiteY5" fmla="*/ 6858000 h 6858000"/>
+              <a:gd name="connsiteX6" fmla="*/ 0 w 4446529"/>
+              <a:gd name="connsiteY6" fmla="*/ 6858000 h 6858000"/>
+            </a:gdLst>
+            <a:ahLst/>
+            <a:cxnLst>
+              <a:cxn ang="0">
+                <a:pos x="connsiteX0" y="connsiteY0"/>
+              </a:cxn>
+              <a:cxn ang="0">
+                <a:pos x="connsiteX1" y="connsiteY1"/>
+              </a:cxn>
+              <a:cxn ang="0">
+                <a:pos x="connsiteX2" y="connsiteY2"/>
+              </a:cxn>
+              <a:cxn ang="0">
+                <a:pos x="connsiteX3" y="connsiteY3"/>
+              </a:cxn>
+              <a:cxn ang="0">
+                <a:pos x="connsiteX4" y="connsiteY4"/>
+              </a:cxn>
+              <a:cxn ang="0">
+                <a:pos x="connsiteX5" y="connsiteY5"/>
+              </a:cxn>
+              <a:cxn ang="0">
+                <a:pos x="connsiteX6" y="connsiteY6"/>
+              </a:cxn>
+            </a:cxnLst>
+            <a:rect l="l" t="t" r="r" b="b"/>
+            <a:pathLst>
+              <a:path w="4446529" h="6858000">
+                <a:moveTo>
+                  <a:pt x="0" y="0"/>
+                </a:moveTo>
+                <a:lnTo>
+                  <a:pt x="3233551" y="0"/>
+                </a:lnTo>
+                <a:lnTo>
+                  <a:pt x="3296534" y="69271"/>
+                </a:lnTo>
+                <a:cubicBezTo>
+                  <a:pt x="4007060" y="929100"/>
+                  <a:pt x="4446529" y="2116944"/>
+                  <a:pt x="4446529" y="3429000"/>
+                </a:cubicBezTo>
+                <a:cubicBezTo>
+                  <a:pt x="4446529" y="4741056"/>
+                  <a:pt x="4007060" y="5928900"/>
+                  <a:pt x="3296534" y="6788730"/>
+                </a:cubicBezTo>
+                <a:lnTo>
+                  <a:pt x="3233551" y="6858000"/>
+                </a:lnTo>
+                <a:lnTo>
+                  <a:pt x="0" y="6858000"/>
+                </a:lnTo>
+                <a:close/>
+              </a:path>
+            </a:pathLst>
+          </a:custGeom>
+          <a:ln w="9525">
+            <a:noFill/>
+          </a:ln>
+          <a:effectLst/>
+        </p:spPr>
+        <p:style>
+          <a:lnRef idx="2">
+            <a:schemeClr val="accent1">
+              <a:shade val="50000"/>
+            </a:schemeClr>
+          </a:lnRef>
+          <a:fillRef idx="1">
+            <a:schemeClr val="accent1"/>
+          </a:fillRef>
+          <a:effectRef idx="0">
+            <a:schemeClr val="accent1"/>
+          </a:effectRef>
+          <a:fontRef idx="minor">
+            <a:schemeClr val="lt1"/>
+          </a:fontRef>
+        </p:style>
+        <p:txBody>
+          <a:bodyPr wrap="square" rtlCol="0" anchor="ctr">
+            <a:noAutofit/>
+          </a:bodyPr>
+          <a:lstStyle/>
+          <a:p>
+            <a:pPr marL="0" marR="0" lvl="0" indent="0" algn="ctr" defTabSz="914400" rtl="0" eaLnBrk="1" fontAlgn="auto" latinLnBrk="0" hangingPunct="1">
+              <a:lnSpc>
+                <a:spcPct val="100000"/>
+              </a:lnSpc>
+              <a:spcBef>
+                <a:spcPts val="0"/>
+              </a:spcBef>
+              <a:spcAft>
+                <a:spcPts val="0"/>
+              </a:spcAft>
+              <a:buClrTx/>
+              <a:buSzTx/>
+              <a:buFontTx/>
+              <a:buNone/>
+              <a:tabLst/>
+              <a:defRPr/>
+            </a:pPr>
+            <a:endParaRPr kumimoji="0" lang="en-US" sz="1800" b="0" i="0" u="none" strike="noStrike" kern="1200" cap="none" spc="0" normalizeH="0" baseline="0" noProof="0">
+              <a:ln>
+                <a:noFill/>
+              </a:ln>
+              <a:solidFill>
+                <a:prstClr val="white"/>
+              </a:solidFill>
+              <a:effectLst/>
+              <a:uLnTx/>
+              <a:uFillTx/>
+              <a:latin typeface="Calibri" panose="020F0502020204030204"/>
+              <a:ea typeface="+mn-ea"/>
+              <a:cs typeface="+mn-cs"/>
+            </a:endParaRPr>
+          </a:p>
+        </p:txBody>
+      </p:sp>
       <p:sp>
         <p:nvSpPr>
           <p:cNvPr id="2" name="Titel 1">
             <a:extLst>
               <a:ext uri="{FF2B5EF4-FFF2-40B4-BE49-F238E27FC236}">
-                <a16:creationId xmlns:a16="http://schemas.microsoft.com/office/drawing/2014/main" id="{A217E5F0-D093-3034-28A0-FC4E20B94964}"/>
+                <a16:creationId xmlns:a16="http://schemas.microsoft.com/office/drawing/2014/main" id="{474DF1C7-6323-DBF5-A1CC-B6DCF2938D60}"/>
               </a:ext>
             </a:extLst>
           </p:cNvPr>
@@ -3827,18 +7311,209 @@
             <p:ph type="title"/>
           </p:nvPr>
         </p:nvSpPr>
-        <p:spPr/>
-        <p:txBody>
-          <a:bodyPr/>
-          <a:lstStyle/>
-          <a:p>
-            <a:r>
-              <a:rPr lang="nl-NL" dirty="0">
-                <a:solidFill>
-                  <a:schemeClr val="bg1"/>
-                </a:solidFill>
+        <p:spPr>
+          <a:xfrm>
+            <a:off x="371094" y="1161288"/>
+            <a:ext cx="3438144" cy="1125728"/>
+          </a:xfrm>
+        </p:spPr>
+        <p:txBody>
+          <a:bodyPr anchor="b">
+            <a:normAutofit/>
+          </a:bodyPr>
+          <a:lstStyle/>
+          <a:p>
+            <a:r>
+              <a:rPr lang="nl-NL" sz="2400" b="0" i="0">
+                <a:effectLst/>
+                <a:latin typeface="Open Sans" panose="020B0606030504020204" pitchFamily="34" charset="0"/>
               </a:rPr>
-              <a:t>De flowchart</a:t>
+              <a:t>Wat jullie tot nu toe hebben gedaan aan het prototype</a:t>
+            </a:r>
+            <a:endParaRPr lang="nl-NL" sz="2400"/>
+          </a:p>
+        </p:txBody>
+      </p:sp>
+      <p:sp>
+        <p:nvSpPr>
+          <p:cNvPr id="15" name="Rectangle 14">
+            <a:extLst>
+              <a:ext uri="{FF2B5EF4-FFF2-40B4-BE49-F238E27FC236}">
+                <a16:creationId xmlns:a16="http://schemas.microsoft.com/office/drawing/2014/main" id="{55D4142C-5077-457F-A6AD-3FECFDB39685}"/>
+              </a:ext>
+              <a:ext uri="{C183D7F6-B498-43B3-948B-1728B52AA6E4}">
+                <adec:decorative xmlns:adec="http://schemas.microsoft.com/office/drawing/2017/decorative" val="1"/>
+              </a:ext>
+            </a:extLst>
+          </p:cNvPr>
+          <p:cNvSpPr>
+            <a:spLocks noGrp="1" noRot="1" noChangeAspect="1" noMove="1" noResize="1" noEditPoints="1" noAdjustHandles="1" noChangeArrowheads="1" noChangeShapeType="1" noTextEdit="1"/>
+          </p:cNvSpPr>
+          <p:nvPr>
+            <p:extLst>
+              <p:ext uri="{386F3935-93C4-4BCD-93E2-E3B085C9AB24}">
+                <p16:designElem xmlns:p16="http://schemas.microsoft.com/office/powerpoint/2015/main" val="1"/>
+              </p:ext>
+            </p:extLst>
+          </p:nvPr>
+        </p:nvSpPr>
+        <p:spPr>
+          <a:xfrm rot="5400000">
+            <a:off x="662559" y="605790"/>
+            <a:ext cx="73152" cy="548640"/>
+          </a:xfrm>
+          <a:prstGeom prst="rect">
+            <a:avLst/>
+          </a:prstGeom>
+          <a:solidFill>
+            <a:schemeClr val="accent2"/>
+          </a:solidFill>
+          <a:ln>
+            <a:noFill/>
+          </a:ln>
+        </p:spPr>
+        <p:style>
+          <a:lnRef idx="2">
+            <a:schemeClr val="accent1">
+              <a:shade val="50000"/>
+            </a:schemeClr>
+          </a:lnRef>
+          <a:fillRef idx="1">
+            <a:schemeClr val="accent1"/>
+          </a:fillRef>
+          <a:effectRef idx="0">
+            <a:schemeClr val="accent1"/>
+          </a:effectRef>
+          <a:fontRef idx="minor">
+            <a:schemeClr val="lt1"/>
+          </a:fontRef>
+        </p:style>
+        <p:txBody>
+          <a:bodyPr rtlCol="0" anchor="ctr"/>
+          <a:lstStyle/>
+          <a:p>
+            <a:pPr algn="ctr"/>
+            <a:endParaRPr lang="en-US">
+              <a:solidFill>
+                <a:prstClr val="white"/>
+              </a:solidFill>
+              <a:latin typeface="Calibri" panose="020F0502020204030204"/>
+            </a:endParaRPr>
+          </a:p>
+        </p:txBody>
+      </p:sp>
+      <p:sp>
+        <p:nvSpPr>
+          <p:cNvPr id="17" name="Rectangle 16">
+            <a:extLst>
+              <a:ext uri="{FF2B5EF4-FFF2-40B4-BE49-F238E27FC236}">
+                <a16:creationId xmlns:a16="http://schemas.microsoft.com/office/drawing/2014/main" id="{7A5F0580-5EE9-419F-96EE-B6529EF6E7D0}"/>
+              </a:ext>
+              <a:ext uri="{C183D7F6-B498-43B3-948B-1728B52AA6E4}">
+                <adec:decorative xmlns:adec="http://schemas.microsoft.com/office/drawing/2017/decorative" val="1"/>
+              </a:ext>
+            </a:extLst>
+          </p:cNvPr>
+          <p:cNvSpPr>
+            <a:spLocks noGrp="1" noRot="1" noChangeAspect="1" noMove="1" noResize="1" noEditPoints="1" noAdjustHandles="1" noChangeArrowheads="1" noChangeShapeType="1" noTextEdit="1"/>
+          </p:cNvSpPr>
+          <p:nvPr>
+            <p:extLst>
+              <p:ext uri="{386F3935-93C4-4BCD-93E2-E3B085C9AB24}">
+                <p16:designElem xmlns:p16="http://schemas.microsoft.com/office/powerpoint/2015/main" val="1"/>
+              </p:ext>
+            </p:extLst>
+          </p:nvPr>
+        </p:nvSpPr>
+        <p:spPr>
+          <a:xfrm>
+            <a:off x="428244" y="2443480"/>
+            <a:ext cx="3337560" cy="18288"/>
+          </a:xfrm>
+          <a:prstGeom prst="rect">
+            <a:avLst/>
+          </a:prstGeom>
+          <a:solidFill>
+            <a:srgbClr val="D5D5D5"/>
+          </a:solidFill>
+          <a:ln w="3175">
+            <a:noFill/>
+          </a:ln>
+          <a:effectLst/>
+        </p:spPr>
+        <p:style>
+          <a:lnRef idx="2">
+            <a:schemeClr val="accent1">
+              <a:shade val="50000"/>
+            </a:schemeClr>
+          </a:lnRef>
+          <a:fillRef idx="1">
+            <a:schemeClr val="accent1"/>
+          </a:fillRef>
+          <a:effectRef idx="0">
+            <a:schemeClr val="accent1"/>
+          </a:effectRef>
+          <a:fontRef idx="minor">
+            <a:schemeClr val="lt1"/>
+          </a:fontRef>
+        </p:style>
+        <p:txBody>
+          <a:bodyPr rtlCol="0" anchor="ctr"/>
+          <a:lstStyle/>
+          <a:p>
+            <a:pPr algn="ctr"/>
+            <a:endParaRPr lang="en-US">
+              <a:solidFill>
+                <a:prstClr val="white"/>
+              </a:solidFill>
+              <a:latin typeface="Calibri" panose="020F0502020204030204"/>
+            </a:endParaRPr>
+          </a:p>
+        </p:txBody>
+      </p:sp>
+      <p:sp>
+        <p:nvSpPr>
+          <p:cNvPr id="3" name="Tijdelijke aanduiding voor inhoud 2">
+            <a:extLst>
+              <a:ext uri="{FF2B5EF4-FFF2-40B4-BE49-F238E27FC236}">
+                <a16:creationId xmlns:a16="http://schemas.microsoft.com/office/drawing/2014/main" id="{C4ACD516-1CED-ABD0-F11B-FEF3991A913F}"/>
+              </a:ext>
+            </a:extLst>
+          </p:cNvPr>
+          <p:cNvSpPr>
+            <a:spLocks noGrp="1"/>
+          </p:cNvSpPr>
+          <p:nvPr>
+            <p:ph idx="1"/>
+          </p:nvPr>
+        </p:nvSpPr>
+        <p:spPr>
+          <a:xfrm>
+            <a:off x="371094" y="2718054"/>
+            <a:ext cx="3438906" cy="3207258"/>
+          </a:xfrm>
+        </p:spPr>
+        <p:txBody>
+          <a:bodyPr anchor="t">
+            <a:normAutofit/>
+          </a:bodyPr>
+          <a:lstStyle/>
+          <a:p>
+            <a:r>
+              <a:rPr lang="nl-NL" sz="1700" dirty="0"/>
+              <a:t>We hebben de pionnen 3d geprint</a:t>
+            </a:r>
+          </a:p>
+          <a:p>
+            <a:r>
+              <a:rPr lang="nl-NL" sz="1700" dirty="0"/>
+              <a:t>We hebben voor karton gezorgd en lijm en plakband</a:t>
+            </a:r>
+          </a:p>
+          <a:p>
+            <a:r>
+              <a:rPr lang="nl-NL" sz="1700" dirty="0"/>
+              <a:t>En 13 unieke kaarten gemaakt</a:t>
             </a:r>
           </a:p>
         </p:txBody>
@@ -3846,7 +7521,1672 @@
     </p:spTree>
     <p:extLst>
       <p:ext uri="{BB962C8B-B14F-4D97-AF65-F5344CB8AC3E}">
-        <p14:creationId xmlns:p14="http://schemas.microsoft.com/office/powerpoint/2010/main" val="754147637"/>
+        <p14:creationId xmlns:p14="http://schemas.microsoft.com/office/powerpoint/2010/main" val="3770193720"/>
+      </p:ext>
+    </p:extLst>
+  </p:cSld>
+  <p:clrMapOvr>
+    <a:masterClrMapping/>
+  </p:clrMapOvr>
+</p:sld>
+</file>
+
+<file path=ppt/slides/slide8.xml><?xml version="1.0" encoding="utf-8"?>
+<p:sld xmlns:a="http://schemas.openxmlformats.org/drawingml/2006/main" xmlns:r="http://schemas.openxmlformats.org/officeDocument/2006/relationships" xmlns:p="http://schemas.openxmlformats.org/presentationml/2006/main">
+  <p:cSld>
+    <p:bg>
+      <p:bgPr>
+        <a:solidFill>
+          <a:schemeClr val="bg1"/>
+        </a:solidFill>
+        <a:effectLst/>
+      </p:bgPr>
+    </p:bg>
+    <p:spTree>
+      <p:nvGrpSpPr>
+        <p:cNvPr id="1" name=""/>
+        <p:cNvGrpSpPr/>
+        <p:nvPr/>
+      </p:nvGrpSpPr>
+      <p:grpSpPr>
+        <a:xfrm>
+          <a:off x="0" y="0"/>
+          <a:ext cx="0" cy="0"/>
+          <a:chOff x="0" y="0"/>
+          <a:chExt cx="0" cy="0"/>
+        </a:xfrm>
+      </p:grpSpPr>
+      <p:sp useBgFill="1">
+        <p:nvSpPr>
+          <p:cNvPr id="2055" name="Rectangle 2054">
+            <a:extLst>
+              <a:ext uri="{FF2B5EF4-FFF2-40B4-BE49-F238E27FC236}">
+                <a16:creationId xmlns:a16="http://schemas.microsoft.com/office/drawing/2014/main" id="{6B5E2835-4E47-45B3-9CFE-732FF7B05472}"/>
+              </a:ext>
+              <a:ext uri="{C183D7F6-B498-43B3-948B-1728B52AA6E4}">
+                <adec:decorative xmlns:adec="http://schemas.microsoft.com/office/drawing/2017/decorative" val="1"/>
+              </a:ext>
+            </a:extLst>
+          </p:cNvPr>
+          <p:cNvSpPr>
+            <a:spLocks noGrp="1" noRot="1" noChangeAspect="1" noMove="1" noResize="1" noEditPoints="1" noAdjustHandles="1" noChangeArrowheads="1" noChangeShapeType="1" noTextEdit="1"/>
+          </p:cNvSpPr>
+          <p:nvPr>
+            <p:extLst>
+              <p:ext uri="{386F3935-93C4-4BCD-93E2-E3B085C9AB24}">
+                <p16:designElem xmlns:p16="http://schemas.microsoft.com/office/powerpoint/2015/main" val="1"/>
+              </p:ext>
+            </p:extLst>
+          </p:nvPr>
+        </p:nvSpPr>
+        <p:spPr>
+          <a:xfrm>
+            <a:off x="0" y="0"/>
+            <a:ext cx="12192000" cy="6858000"/>
+          </a:xfrm>
+          <a:prstGeom prst="rect">
+            <a:avLst/>
+          </a:prstGeom>
+          <a:ln>
+            <a:noFill/>
+          </a:ln>
+        </p:spPr>
+        <p:style>
+          <a:lnRef idx="2">
+            <a:schemeClr val="accent1">
+              <a:shade val="50000"/>
+            </a:schemeClr>
+          </a:lnRef>
+          <a:fillRef idx="1">
+            <a:schemeClr val="accent1"/>
+          </a:fillRef>
+          <a:effectRef idx="0">
+            <a:schemeClr val="accent1"/>
+          </a:effectRef>
+          <a:fontRef idx="minor">
+            <a:schemeClr val="lt1"/>
+          </a:fontRef>
+        </p:style>
+        <p:txBody>
+          <a:bodyPr rtlCol="0" anchor="ctr"/>
+          <a:lstStyle/>
+          <a:p>
+            <a:pPr algn="ctr"/>
+            <a:endParaRPr lang="en-US"/>
+          </a:p>
+        </p:txBody>
+      </p:sp>
+      <p:pic>
+        <p:nvPicPr>
+          <p:cNvPr id="2050" name="Picture 2" descr="Exquisite 4 player chess set">
+            <a:extLst>
+              <a:ext uri="{FF2B5EF4-FFF2-40B4-BE49-F238E27FC236}">
+                <a16:creationId xmlns:a16="http://schemas.microsoft.com/office/drawing/2014/main" id="{24B42411-66AD-1D88-C474-48B48668AA61}"/>
+              </a:ext>
+            </a:extLst>
+          </p:cNvPr>
+          <p:cNvPicPr>
+            <a:picLocks noChangeAspect="1" noChangeArrowheads="1"/>
+          </p:cNvPicPr>
+          <p:nvPr/>
+        </p:nvPicPr>
+        <p:blipFill rotWithShape="1">
+          <a:blip r:embed="rId2">
+            <a:extLst>
+              <a:ext uri="{28A0092B-C50C-407E-A947-70E740481C1C}">
+                <a14:useLocalDpi xmlns:a14="http://schemas.microsoft.com/office/drawing/2010/main" val="0"/>
+              </a:ext>
+            </a:extLst>
+          </a:blip>
+          <a:srcRect r="12894" b="-1"/>
+          <a:stretch/>
+        </p:blipFill>
+        <p:spPr bwMode="auto">
+          <a:xfrm>
+            <a:off x="3242695" y="10"/>
+            <a:ext cx="8949307" cy="6857990"/>
+          </a:xfrm>
+          <a:custGeom>
+            <a:avLst/>
+            <a:gdLst/>
+            <a:ahLst/>
+            <a:cxnLst/>
+            <a:rect l="l" t="t" r="r" b="b"/>
+            <a:pathLst>
+              <a:path w="8949307" h="6858000">
+                <a:moveTo>
+                  <a:pt x="0" y="0"/>
+                </a:moveTo>
+                <a:lnTo>
+                  <a:pt x="8949307" y="0"/>
+                </a:lnTo>
+                <a:lnTo>
+                  <a:pt x="8949307" y="6858000"/>
+                </a:lnTo>
+                <a:lnTo>
+                  <a:pt x="0" y="6858000"/>
+                </a:lnTo>
+                <a:lnTo>
+                  <a:pt x="62983" y="6788730"/>
+                </a:lnTo>
+                <a:cubicBezTo>
+                  <a:pt x="773509" y="5928900"/>
+                  <a:pt x="1212979" y="4741056"/>
+                  <a:pt x="1212979" y="3429000"/>
+                </a:cubicBezTo>
+                <a:cubicBezTo>
+                  <a:pt x="1212979" y="2116944"/>
+                  <a:pt x="773509" y="929100"/>
+                  <a:pt x="62983" y="69271"/>
+                </a:cubicBezTo>
+                <a:close/>
+              </a:path>
+            </a:pathLst>
+          </a:custGeom>
+          <a:noFill/>
+          <a:extLst>
+            <a:ext uri="{909E8E84-426E-40DD-AFC4-6F175D3DCCD1}">
+              <a14:hiddenFill xmlns:a14="http://schemas.microsoft.com/office/drawing/2010/main">
+                <a:solidFill>
+                  <a:srgbClr val="FFFFFF"/>
+                </a:solidFill>
+              </a14:hiddenFill>
+            </a:ext>
+          </a:extLst>
+        </p:spPr>
+      </p:pic>
+      <p:sp useBgFill="1">
+        <p:nvSpPr>
+          <p:cNvPr id="2057" name="Freeform: Shape 2056">
+            <a:extLst>
+              <a:ext uri="{FF2B5EF4-FFF2-40B4-BE49-F238E27FC236}">
+                <a16:creationId xmlns:a16="http://schemas.microsoft.com/office/drawing/2014/main" id="{5B45AD5D-AA52-4F7B-9362-576A39AD9E09}"/>
+              </a:ext>
+              <a:ext uri="{C183D7F6-B498-43B3-948B-1728B52AA6E4}">
+                <adec:decorative xmlns:adec="http://schemas.microsoft.com/office/drawing/2017/decorative" val="1"/>
+              </a:ext>
+            </a:extLst>
+          </p:cNvPr>
+          <p:cNvSpPr>
+            <a:spLocks noGrp="1" noRot="1" noChangeAspect="1" noMove="1" noResize="1" noEditPoints="1" noAdjustHandles="1" noChangeArrowheads="1" noChangeShapeType="1" noTextEdit="1"/>
+          </p:cNvSpPr>
+          <p:nvPr>
+            <p:extLst>
+              <p:ext uri="{386F3935-93C4-4BCD-93E2-E3B085C9AB24}">
+                <p16:designElem xmlns:p16="http://schemas.microsoft.com/office/powerpoint/2015/main" val="1"/>
+              </p:ext>
+            </p:extLst>
+          </p:nvPr>
+        </p:nvSpPr>
+        <p:spPr>
+          <a:xfrm>
+            <a:off x="-1" y="0"/>
+            <a:ext cx="4455673" cy="6858000"/>
+          </a:xfrm>
+          <a:custGeom>
+            <a:avLst/>
+            <a:gdLst>
+              <a:gd name="connsiteX0" fmla="*/ 0 w 4455673"/>
+              <a:gd name="connsiteY0" fmla="*/ 0 h 6858000"/>
+              <a:gd name="connsiteX1" fmla="*/ 3242695 w 4455673"/>
+              <a:gd name="connsiteY1" fmla="*/ 0 h 6858000"/>
+              <a:gd name="connsiteX2" fmla="*/ 3305678 w 4455673"/>
+              <a:gd name="connsiteY2" fmla="*/ 69271 h 6858000"/>
+              <a:gd name="connsiteX3" fmla="*/ 4455673 w 4455673"/>
+              <a:gd name="connsiteY3" fmla="*/ 3429000 h 6858000"/>
+              <a:gd name="connsiteX4" fmla="*/ 3305678 w 4455673"/>
+              <a:gd name="connsiteY4" fmla="*/ 6788730 h 6858000"/>
+              <a:gd name="connsiteX5" fmla="*/ 3242695 w 4455673"/>
+              <a:gd name="connsiteY5" fmla="*/ 6858000 h 6858000"/>
+              <a:gd name="connsiteX6" fmla="*/ 0 w 4455673"/>
+              <a:gd name="connsiteY6" fmla="*/ 6858000 h 6858000"/>
+            </a:gdLst>
+            <a:ahLst/>
+            <a:cxnLst>
+              <a:cxn ang="0">
+                <a:pos x="connsiteX0" y="connsiteY0"/>
+              </a:cxn>
+              <a:cxn ang="0">
+                <a:pos x="connsiteX1" y="connsiteY1"/>
+              </a:cxn>
+              <a:cxn ang="0">
+                <a:pos x="connsiteX2" y="connsiteY2"/>
+              </a:cxn>
+              <a:cxn ang="0">
+                <a:pos x="connsiteX3" y="connsiteY3"/>
+              </a:cxn>
+              <a:cxn ang="0">
+                <a:pos x="connsiteX4" y="connsiteY4"/>
+              </a:cxn>
+              <a:cxn ang="0">
+                <a:pos x="connsiteX5" y="connsiteY5"/>
+              </a:cxn>
+              <a:cxn ang="0">
+                <a:pos x="connsiteX6" y="connsiteY6"/>
+              </a:cxn>
+            </a:cxnLst>
+            <a:rect l="l" t="t" r="r" b="b"/>
+            <a:pathLst>
+              <a:path w="4455673" h="6858000">
+                <a:moveTo>
+                  <a:pt x="0" y="0"/>
+                </a:moveTo>
+                <a:lnTo>
+                  <a:pt x="3242695" y="0"/>
+                </a:lnTo>
+                <a:lnTo>
+                  <a:pt x="3305678" y="69271"/>
+                </a:lnTo>
+                <a:cubicBezTo>
+                  <a:pt x="4016204" y="929100"/>
+                  <a:pt x="4455673" y="2116944"/>
+                  <a:pt x="4455673" y="3429000"/>
+                </a:cubicBezTo>
+                <a:cubicBezTo>
+                  <a:pt x="4455673" y="4741056"/>
+                  <a:pt x="4016204" y="5928900"/>
+                  <a:pt x="3305678" y="6788730"/>
+                </a:cubicBezTo>
+                <a:lnTo>
+                  <a:pt x="3242695" y="6858000"/>
+                </a:lnTo>
+                <a:lnTo>
+                  <a:pt x="0" y="6858000"/>
+                </a:lnTo>
+                <a:close/>
+              </a:path>
+            </a:pathLst>
+          </a:custGeom>
+          <a:ln w="9525">
+            <a:solidFill>
+              <a:srgbClr val="D5D5D5"/>
+            </a:solidFill>
+          </a:ln>
+          <a:effectLst>
+            <a:outerShdw blurRad="50800" dist="38100" algn="l" rotWithShape="0">
+              <a:schemeClr val="bg1">
+                <a:lumMod val="85000"/>
+                <a:alpha val="30000"/>
+              </a:schemeClr>
+            </a:outerShdw>
+          </a:effectLst>
+        </p:spPr>
+        <p:style>
+          <a:lnRef idx="2">
+            <a:schemeClr val="accent1">
+              <a:shade val="50000"/>
+            </a:schemeClr>
+          </a:lnRef>
+          <a:fillRef idx="1">
+            <a:schemeClr val="accent1"/>
+          </a:fillRef>
+          <a:effectRef idx="0">
+            <a:schemeClr val="accent1"/>
+          </a:effectRef>
+          <a:fontRef idx="minor">
+            <a:schemeClr val="lt1"/>
+          </a:fontRef>
+        </p:style>
+        <p:txBody>
+          <a:bodyPr wrap="square" rtlCol="0" anchor="ctr">
+            <a:noAutofit/>
+          </a:bodyPr>
+          <a:lstStyle/>
+          <a:p>
+            <a:pPr marL="0" marR="0" lvl="0" indent="0" algn="ctr" defTabSz="914400" rtl="0" eaLnBrk="1" fontAlgn="auto" latinLnBrk="0" hangingPunct="1">
+              <a:lnSpc>
+                <a:spcPct val="100000"/>
+              </a:lnSpc>
+              <a:spcBef>
+                <a:spcPts val="0"/>
+              </a:spcBef>
+              <a:spcAft>
+                <a:spcPts val="0"/>
+              </a:spcAft>
+              <a:buClrTx/>
+              <a:buSzTx/>
+              <a:buFontTx/>
+              <a:buNone/>
+              <a:tabLst/>
+              <a:defRPr/>
+            </a:pPr>
+            <a:endParaRPr kumimoji="0" lang="en-US" sz="1800" b="0" i="0" u="none" strike="noStrike" kern="1200" cap="none" spc="0" normalizeH="0" baseline="0" noProof="0">
+              <a:ln>
+                <a:noFill/>
+              </a:ln>
+              <a:solidFill>
+                <a:prstClr val="white"/>
+              </a:solidFill>
+              <a:effectLst/>
+              <a:uLnTx/>
+              <a:uFillTx/>
+              <a:latin typeface="Calibri" panose="020F0502020204030204"/>
+              <a:ea typeface="+mn-ea"/>
+              <a:cs typeface="+mn-cs"/>
+            </a:endParaRPr>
+          </a:p>
+        </p:txBody>
+      </p:sp>
+      <p:sp useBgFill="1">
+        <p:nvSpPr>
+          <p:cNvPr id="2059" name="Freeform: Shape 2058">
+            <a:extLst>
+              <a:ext uri="{FF2B5EF4-FFF2-40B4-BE49-F238E27FC236}">
+                <a16:creationId xmlns:a16="http://schemas.microsoft.com/office/drawing/2014/main" id="{AEDD7960-4866-4399-BEF6-DD1431AB4E34}"/>
+              </a:ext>
+              <a:ext uri="{C183D7F6-B498-43B3-948B-1728B52AA6E4}">
+                <adec:decorative xmlns:adec="http://schemas.microsoft.com/office/drawing/2017/decorative" val="1"/>
+              </a:ext>
+            </a:extLst>
+          </p:cNvPr>
+          <p:cNvSpPr>
+            <a:spLocks noGrp="1" noRot="1" noChangeAspect="1" noMove="1" noResize="1" noEditPoints="1" noAdjustHandles="1" noChangeArrowheads="1" noChangeShapeType="1" noTextEdit="1"/>
+          </p:cNvSpPr>
+          <p:nvPr>
+            <p:extLst>
+              <p:ext uri="{386F3935-93C4-4BCD-93E2-E3B085C9AB24}">
+                <p16:designElem xmlns:p16="http://schemas.microsoft.com/office/powerpoint/2015/main" val="1"/>
+              </p:ext>
+            </p:extLst>
+          </p:nvPr>
+        </p:nvSpPr>
+        <p:spPr>
+          <a:xfrm>
+            <a:off x="0" y="0"/>
+            <a:ext cx="4446529" cy="6858000"/>
+          </a:xfrm>
+          <a:custGeom>
+            <a:avLst/>
+            <a:gdLst>
+              <a:gd name="connsiteX0" fmla="*/ 0 w 4446529"/>
+              <a:gd name="connsiteY0" fmla="*/ 0 h 6858000"/>
+              <a:gd name="connsiteX1" fmla="*/ 3233551 w 4446529"/>
+              <a:gd name="connsiteY1" fmla="*/ 0 h 6858000"/>
+              <a:gd name="connsiteX2" fmla="*/ 3296534 w 4446529"/>
+              <a:gd name="connsiteY2" fmla="*/ 69271 h 6858000"/>
+              <a:gd name="connsiteX3" fmla="*/ 4446529 w 4446529"/>
+              <a:gd name="connsiteY3" fmla="*/ 3429000 h 6858000"/>
+              <a:gd name="connsiteX4" fmla="*/ 3296534 w 4446529"/>
+              <a:gd name="connsiteY4" fmla="*/ 6788730 h 6858000"/>
+              <a:gd name="connsiteX5" fmla="*/ 3233551 w 4446529"/>
+              <a:gd name="connsiteY5" fmla="*/ 6858000 h 6858000"/>
+              <a:gd name="connsiteX6" fmla="*/ 0 w 4446529"/>
+              <a:gd name="connsiteY6" fmla="*/ 6858000 h 6858000"/>
+            </a:gdLst>
+            <a:ahLst/>
+            <a:cxnLst>
+              <a:cxn ang="0">
+                <a:pos x="connsiteX0" y="connsiteY0"/>
+              </a:cxn>
+              <a:cxn ang="0">
+                <a:pos x="connsiteX1" y="connsiteY1"/>
+              </a:cxn>
+              <a:cxn ang="0">
+                <a:pos x="connsiteX2" y="connsiteY2"/>
+              </a:cxn>
+              <a:cxn ang="0">
+                <a:pos x="connsiteX3" y="connsiteY3"/>
+              </a:cxn>
+              <a:cxn ang="0">
+                <a:pos x="connsiteX4" y="connsiteY4"/>
+              </a:cxn>
+              <a:cxn ang="0">
+                <a:pos x="connsiteX5" y="connsiteY5"/>
+              </a:cxn>
+              <a:cxn ang="0">
+                <a:pos x="connsiteX6" y="connsiteY6"/>
+              </a:cxn>
+            </a:cxnLst>
+            <a:rect l="l" t="t" r="r" b="b"/>
+            <a:pathLst>
+              <a:path w="4446529" h="6858000">
+                <a:moveTo>
+                  <a:pt x="0" y="0"/>
+                </a:moveTo>
+                <a:lnTo>
+                  <a:pt x="3233551" y="0"/>
+                </a:lnTo>
+                <a:lnTo>
+                  <a:pt x="3296534" y="69271"/>
+                </a:lnTo>
+                <a:cubicBezTo>
+                  <a:pt x="4007060" y="929100"/>
+                  <a:pt x="4446529" y="2116944"/>
+                  <a:pt x="4446529" y="3429000"/>
+                </a:cubicBezTo>
+                <a:cubicBezTo>
+                  <a:pt x="4446529" y="4741056"/>
+                  <a:pt x="4007060" y="5928900"/>
+                  <a:pt x="3296534" y="6788730"/>
+                </a:cubicBezTo>
+                <a:lnTo>
+                  <a:pt x="3233551" y="6858000"/>
+                </a:lnTo>
+                <a:lnTo>
+                  <a:pt x="0" y="6858000"/>
+                </a:lnTo>
+                <a:close/>
+              </a:path>
+            </a:pathLst>
+          </a:custGeom>
+          <a:ln w="9525">
+            <a:noFill/>
+          </a:ln>
+          <a:effectLst/>
+        </p:spPr>
+        <p:style>
+          <a:lnRef idx="2">
+            <a:schemeClr val="accent1">
+              <a:shade val="50000"/>
+            </a:schemeClr>
+          </a:lnRef>
+          <a:fillRef idx="1">
+            <a:schemeClr val="accent1"/>
+          </a:fillRef>
+          <a:effectRef idx="0">
+            <a:schemeClr val="accent1"/>
+          </a:effectRef>
+          <a:fontRef idx="minor">
+            <a:schemeClr val="lt1"/>
+          </a:fontRef>
+        </p:style>
+        <p:txBody>
+          <a:bodyPr wrap="square" rtlCol="0" anchor="ctr">
+            <a:noAutofit/>
+          </a:bodyPr>
+          <a:lstStyle/>
+          <a:p>
+            <a:pPr marL="0" marR="0" lvl="0" indent="0" algn="ctr" defTabSz="914400" rtl="0" eaLnBrk="1" fontAlgn="auto" latinLnBrk="0" hangingPunct="1">
+              <a:lnSpc>
+                <a:spcPct val="100000"/>
+              </a:lnSpc>
+              <a:spcBef>
+                <a:spcPts val="0"/>
+              </a:spcBef>
+              <a:spcAft>
+                <a:spcPts val="0"/>
+              </a:spcAft>
+              <a:buClrTx/>
+              <a:buSzTx/>
+              <a:buFontTx/>
+              <a:buNone/>
+              <a:tabLst/>
+              <a:defRPr/>
+            </a:pPr>
+            <a:endParaRPr kumimoji="0" lang="en-US" sz="1800" b="0" i="0" u="none" strike="noStrike" kern="1200" cap="none" spc="0" normalizeH="0" baseline="0" noProof="0">
+              <a:ln>
+                <a:noFill/>
+              </a:ln>
+              <a:solidFill>
+                <a:prstClr val="white"/>
+              </a:solidFill>
+              <a:effectLst/>
+              <a:uLnTx/>
+              <a:uFillTx/>
+              <a:latin typeface="Calibri" panose="020F0502020204030204"/>
+              <a:ea typeface="+mn-ea"/>
+              <a:cs typeface="+mn-cs"/>
+            </a:endParaRPr>
+          </a:p>
+        </p:txBody>
+      </p:sp>
+      <p:sp>
+        <p:nvSpPr>
+          <p:cNvPr id="2" name="Titel 1">
+            <a:extLst>
+              <a:ext uri="{FF2B5EF4-FFF2-40B4-BE49-F238E27FC236}">
+                <a16:creationId xmlns:a16="http://schemas.microsoft.com/office/drawing/2014/main" id="{5A8C6614-9F9F-1EFE-A178-812E6B47D076}"/>
+              </a:ext>
+            </a:extLst>
+          </p:cNvPr>
+          <p:cNvSpPr>
+            <a:spLocks noGrp="1"/>
+          </p:cNvSpPr>
+          <p:nvPr>
+            <p:ph type="title"/>
+          </p:nvPr>
+        </p:nvSpPr>
+        <p:spPr>
+          <a:xfrm>
+            <a:off x="371094" y="1161288"/>
+            <a:ext cx="3438144" cy="1125728"/>
+          </a:xfrm>
+        </p:spPr>
+        <p:txBody>
+          <a:bodyPr vert="horz" lIns="91440" tIns="45720" rIns="91440" bIns="45720" rtlCol="0" anchor="b">
+            <a:normAutofit fontScale="90000"/>
+          </a:bodyPr>
+          <a:lstStyle/>
+          <a:p>
+            <a:r>
+              <a:rPr lang="nl-NL" sz="2000" b="0" i="0" dirty="0">
+                <a:solidFill>
+                  <a:srgbClr val="333333"/>
+                </a:solidFill>
+                <a:effectLst/>
+                <a:latin typeface="Open Sans" panose="020B0606030504020204" pitchFamily="34" charset="0"/>
+              </a:rPr>
+              <a:t>Wat er nog aan moet gebeuren en wat jullie niet gaan doen (</a:t>
+            </a:r>
+            <a:r>
+              <a:rPr lang="nl-NL" sz="2000" b="0" i="0" dirty="0" err="1">
+                <a:solidFill>
+                  <a:srgbClr val="333333"/>
+                </a:solidFill>
+                <a:effectLst/>
+                <a:latin typeface="Open Sans" panose="020B0606030504020204" pitchFamily="34" charset="0"/>
+              </a:rPr>
+              <a:t>MoSCoW</a:t>
+            </a:r>
+            <a:r>
+              <a:rPr lang="nl-NL" sz="2000" b="0" i="0" dirty="0">
+                <a:solidFill>
+                  <a:srgbClr val="333333"/>
+                </a:solidFill>
+                <a:effectLst/>
+                <a:latin typeface="Open Sans" panose="020B0606030504020204" pitchFamily="34" charset="0"/>
+              </a:rPr>
+              <a:t> &amp; </a:t>
+            </a:r>
+            <a:r>
+              <a:rPr lang="nl-NL" sz="2000" b="0" i="0" dirty="0" err="1">
+                <a:solidFill>
+                  <a:srgbClr val="333333"/>
+                </a:solidFill>
+                <a:effectLst/>
+                <a:latin typeface="Open Sans" panose="020B0606030504020204" pitchFamily="34" charset="0"/>
+              </a:rPr>
+              <a:t>ToDo</a:t>
+            </a:r>
+            <a:r>
+              <a:rPr lang="nl-NL" sz="2000" b="0" i="0" dirty="0">
+                <a:solidFill>
+                  <a:srgbClr val="333333"/>
+                </a:solidFill>
+                <a:effectLst/>
+                <a:latin typeface="Open Sans" panose="020B0606030504020204" pitchFamily="34" charset="0"/>
+              </a:rPr>
+              <a:t>).</a:t>
+            </a:r>
+            <a:br>
+              <a:rPr lang="nl-NL" sz="1100" b="0" i="0" dirty="0">
+                <a:solidFill>
+                  <a:srgbClr val="333333"/>
+                </a:solidFill>
+                <a:effectLst/>
+                <a:latin typeface="Open Sans" panose="020B0606030504020204" pitchFamily="34" charset="0"/>
+              </a:rPr>
+            </a:br>
+            <a:endParaRPr lang="en-US" sz="2800" dirty="0"/>
+          </a:p>
+        </p:txBody>
+      </p:sp>
+      <p:sp>
+        <p:nvSpPr>
+          <p:cNvPr id="2061" name="Rectangle 2060">
+            <a:extLst>
+              <a:ext uri="{FF2B5EF4-FFF2-40B4-BE49-F238E27FC236}">
+                <a16:creationId xmlns:a16="http://schemas.microsoft.com/office/drawing/2014/main" id="{55D4142C-5077-457F-A6AD-3FECFDB39685}"/>
+              </a:ext>
+              <a:ext uri="{C183D7F6-B498-43B3-948B-1728B52AA6E4}">
+                <adec:decorative xmlns:adec="http://schemas.microsoft.com/office/drawing/2017/decorative" val="1"/>
+              </a:ext>
+            </a:extLst>
+          </p:cNvPr>
+          <p:cNvSpPr>
+            <a:spLocks noGrp="1" noRot="1" noChangeAspect="1" noMove="1" noResize="1" noEditPoints="1" noAdjustHandles="1" noChangeArrowheads="1" noChangeShapeType="1" noTextEdit="1"/>
+          </p:cNvSpPr>
+          <p:nvPr>
+            <p:extLst>
+              <p:ext uri="{386F3935-93C4-4BCD-93E2-E3B085C9AB24}">
+                <p16:designElem xmlns:p16="http://schemas.microsoft.com/office/powerpoint/2015/main" val="1"/>
+              </p:ext>
+            </p:extLst>
+          </p:nvPr>
+        </p:nvSpPr>
+        <p:spPr>
+          <a:xfrm rot="5400000">
+            <a:off x="662559" y="605790"/>
+            <a:ext cx="73152" cy="548640"/>
+          </a:xfrm>
+          <a:prstGeom prst="rect">
+            <a:avLst/>
+          </a:prstGeom>
+          <a:solidFill>
+            <a:schemeClr val="accent2"/>
+          </a:solidFill>
+          <a:ln>
+            <a:noFill/>
+          </a:ln>
+        </p:spPr>
+        <p:style>
+          <a:lnRef idx="2">
+            <a:schemeClr val="accent1">
+              <a:shade val="50000"/>
+            </a:schemeClr>
+          </a:lnRef>
+          <a:fillRef idx="1">
+            <a:schemeClr val="accent1"/>
+          </a:fillRef>
+          <a:effectRef idx="0">
+            <a:schemeClr val="accent1"/>
+          </a:effectRef>
+          <a:fontRef idx="minor">
+            <a:schemeClr val="lt1"/>
+          </a:fontRef>
+        </p:style>
+        <p:txBody>
+          <a:bodyPr rtlCol="0" anchor="ctr"/>
+          <a:lstStyle/>
+          <a:p>
+            <a:pPr algn="ctr"/>
+            <a:endParaRPr lang="en-US">
+              <a:solidFill>
+                <a:prstClr val="white"/>
+              </a:solidFill>
+              <a:latin typeface="Calibri" panose="020F0502020204030204"/>
+            </a:endParaRPr>
+          </a:p>
+        </p:txBody>
+      </p:sp>
+      <p:sp>
+        <p:nvSpPr>
+          <p:cNvPr id="2063" name="Rectangle 2062">
+            <a:extLst>
+              <a:ext uri="{FF2B5EF4-FFF2-40B4-BE49-F238E27FC236}">
+                <a16:creationId xmlns:a16="http://schemas.microsoft.com/office/drawing/2014/main" id="{7A5F0580-5EE9-419F-96EE-B6529EF6E7D0}"/>
+              </a:ext>
+              <a:ext uri="{C183D7F6-B498-43B3-948B-1728B52AA6E4}">
+                <adec:decorative xmlns:adec="http://schemas.microsoft.com/office/drawing/2017/decorative" val="1"/>
+              </a:ext>
+            </a:extLst>
+          </p:cNvPr>
+          <p:cNvSpPr>
+            <a:spLocks noGrp="1" noRot="1" noChangeAspect="1" noMove="1" noResize="1" noEditPoints="1" noAdjustHandles="1" noChangeArrowheads="1" noChangeShapeType="1" noTextEdit="1"/>
+          </p:cNvSpPr>
+          <p:nvPr>
+            <p:extLst>
+              <p:ext uri="{386F3935-93C4-4BCD-93E2-E3B085C9AB24}">
+                <p16:designElem xmlns:p16="http://schemas.microsoft.com/office/powerpoint/2015/main" val="1"/>
+              </p:ext>
+            </p:extLst>
+          </p:nvPr>
+        </p:nvSpPr>
+        <p:spPr>
+          <a:xfrm>
+            <a:off x="428244" y="2443480"/>
+            <a:ext cx="3337560" cy="18288"/>
+          </a:xfrm>
+          <a:prstGeom prst="rect">
+            <a:avLst/>
+          </a:prstGeom>
+          <a:solidFill>
+            <a:srgbClr val="D5D5D5"/>
+          </a:solidFill>
+          <a:ln w="3175">
+            <a:noFill/>
+          </a:ln>
+          <a:effectLst/>
+        </p:spPr>
+        <p:style>
+          <a:lnRef idx="2">
+            <a:schemeClr val="accent1">
+              <a:shade val="50000"/>
+            </a:schemeClr>
+          </a:lnRef>
+          <a:fillRef idx="1">
+            <a:schemeClr val="accent1"/>
+          </a:fillRef>
+          <a:effectRef idx="0">
+            <a:schemeClr val="accent1"/>
+          </a:effectRef>
+          <a:fontRef idx="minor">
+            <a:schemeClr val="lt1"/>
+          </a:fontRef>
+        </p:style>
+        <p:txBody>
+          <a:bodyPr rtlCol="0" anchor="ctr"/>
+          <a:lstStyle/>
+          <a:p>
+            <a:pPr algn="ctr"/>
+            <a:endParaRPr lang="en-US">
+              <a:solidFill>
+                <a:prstClr val="white"/>
+              </a:solidFill>
+              <a:latin typeface="Calibri" panose="020F0502020204030204"/>
+            </a:endParaRPr>
+          </a:p>
+        </p:txBody>
+      </p:sp>
+      <p:sp>
+        <p:nvSpPr>
+          <p:cNvPr id="3" name="Tijdelijke aanduiding voor inhoud 2">
+            <a:extLst>
+              <a:ext uri="{FF2B5EF4-FFF2-40B4-BE49-F238E27FC236}">
+                <a16:creationId xmlns:a16="http://schemas.microsoft.com/office/drawing/2014/main" id="{5304D197-49F0-60EA-EF2C-14D1EB494D2C}"/>
+              </a:ext>
+            </a:extLst>
+          </p:cNvPr>
+          <p:cNvSpPr>
+            <a:spLocks noGrp="1"/>
+          </p:cNvSpPr>
+          <p:nvPr>
+            <p:ph idx="1"/>
+          </p:nvPr>
+        </p:nvSpPr>
+        <p:spPr>
+          <a:xfrm>
+            <a:off x="371094" y="2718054"/>
+            <a:ext cx="3438906" cy="3207258"/>
+          </a:xfrm>
+        </p:spPr>
+        <p:txBody>
+          <a:bodyPr vert="horz" lIns="91440" tIns="45720" rIns="91440" bIns="45720" rtlCol="0" anchor="t">
+            <a:normAutofit/>
+          </a:bodyPr>
+          <a:lstStyle/>
+          <a:p>
+            <a:pPr marL="0" indent="0">
+              <a:buNone/>
+            </a:pPr>
+            <a:r>
+              <a:rPr lang="en-US" sz="1700" dirty="0"/>
+              <a:t>M: 13 </a:t>
+            </a:r>
+            <a:r>
+              <a:rPr lang="en-US" sz="1700" dirty="0" err="1"/>
+              <a:t>unieke</a:t>
+            </a:r>
+            <a:r>
+              <a:rPr lang="en-US" sz="1700" dirty="0"/>
+              <a:t> </a:t>
+            </a:r>
+            <a:r>
+              <a:rPr lang="en-US" sz="1700" dirty="0" err="1"/>
+              <a:t>kaarten</a:t>
+            </a:r>
+            <a:r>
+              <a:rPr lang="en-US" sz="1700" dirty="0"/>
+              <a:t>, </a:t>
+            </a:r>
+            <a:r>
+              <a:rPr lang="en-US" sz="1700" dirty="0" err="1"/>
+              <a:t>een</a:t>
+            </a:r>
+            <a:r>
+              <a:rPr lang="en-US" sz="1700" dirty="0"/>
+              <a:t> bord, </a:t>
+            </a:r>
+            <a:r>
+              <a:rPr lang="en-US" sz="1700" dirty="0" err="1"/>
+              <a:t>pionnen</a:t>
+            </a:r>
+            <a:endParaRPr lang="en-US" sz="1700" dirty="0"/>
+          </a:p>
+          <a:p>
+            <a:pPr marL="0" indent="0">
+              <a:buNone/>
+            </a:pPr>
+            <a:r>
+              <a:rPr lang="en-US" sz="1700" dirty="0"/>
+              <a:t>S: </a:t>
+            </a:r>
+            <a:r>
+              <a:rPr lang="en-US" sz="1700" dirty="0" err="1"/>
+              <a:t>gelamineerde</a:t>
+            </a:r>
+            <a:r>
+              <a:rPr lang="en-US" sz="1700" dirty="0"/>
+              <a:t> </a:t>
+            </a:r>
+            <a:r>
+              <a:rPr lang="en-US" sz="1700" dirty="0" err="1"/>
+              <a:t>kaarten</a:t>
+            </a:r>
+            <a:endParaRPr lang="en-US" sz="1700" dirty="0"/>
+          </a:p>
+          <a:p>
+            <a:pPr marL="0" indent="0">
+              <a:buNone/>
+            </a:pPr>
+            <a:r>
+              <a:rPr lang="en-US" sz="1700" dirty="0"/>
+              <a:t>C: </a:t>
+            </a:r>
+            <a:r>
+              <a:rPr lang="en-US" sz="1700" dirty="0" err="1"/>
+              <a:t>meer</a:t>
+            </a:r>
+            <a:r>
+              <a:rPr lang="en-US" sz="1700" dirty="0"/>
+              <a:t> </a:t>
+            </a:r>
+            <a:r>
+              <a:rPr lang="en-US" sz="1700" dirty="0" err="1"/>
+              <a:t>kaarten</a:t>
+            </a:r>
+            <a:r>
+              <a:rPr lang="en-US" sz="1700" dirty="0"/>
+              <a:t> </a:t>
+            </a:r>
+            <a:r>
+              <a:rPr lang="en-US" sz="1700" dirty="0" err="1"/>
+              <a:t>voor</a:t>
+            </a:r>
+            <a:r>
+              <a:rPr lang="en-US" sz="1700" dirty="0"/>
+              <a:t> </a:t>
+            </a:r>
+            <a:r>
+              <a:rPr lang="en-US" sz="1700" dirty="0" err="1"/>
+              <a:t>betere</a:t>
+            </a:r>
+            <a:r>
+              <a:rPr lang="en-US" sz="1700" dirty="0"/>
+              <a:t> </a:t>
+            </a:r>
+            <a:r>
+              <a:rPr lang="en-US" sz="1700" dirty="0" err="1"/>
+              <a:t>strategien</a:t>
+            </a:r>
+            <a:r>
+              <a:rPr lang="en-US" sz="1700" dirty="0"/>
+              <a:t> </a:t>
+            </a:r>
+            <a:r>
+              <a:rPr lang="en-US" sz="1700" dirty="0" err="1"/>
+              <a:t>en</a:t>
+            </a:r>
+            <a:r>
+              <a:rPr lang="en-US" sz="1700" dirty="0"/>
+              <a:t> </a:t>
+            </a:r>
+            <a:r>
+              <a:rPr lang="en-US" sz="1700" dirty="0" err="1"/>
+              <a:t>een</a:t>
+            </a:r>
+            <a:r>
+              <a:rPr lang="en-US" sz="1700" dirty="0"/>
+              <a:t> </a:t>
+            </a:r>
+            <a:r>
+              <a:rPr lang="en-US" sz="1700" dirty="0" err="1"/>
+              <a:t>betere</a:t>
+            </a:r>
+            <a:r>
+              <a:rPr lang="en-US" sz="1700" dirty="0"/>
+              <a:t> map op het bord</a:t>
+            </a:r>
+          </a:p>
+          <a:p>
+            <a:pPr marL="0" indent="0">
+              <a:buNone/>
+            </a:pPr>
+            <a:r>
+              <a:rPr lang="en-US" sz="1700" dirty="0"/>
+              <a:t>W: </a:t>
+            </a:r>
+            <a:r>
+              <a:rPr lang="en-US" sz="1700" dirty="0" err="1"/>
+              <a:t>niet</a:t>
+            </a:r>
+            <a:r>
+              <a:rPr lang="en-US" sz="1700" dirty="0"/>
+              <a:t> </a:t>
+            </a:r>
+            <a:r>
+              <a:rPr lang="en-US" sz="1700" dirty="0" err="1"/>
+              <a:t>te</a:t>
+            </a:r>
+            <a:r>
+              <a:rPr lang="en-US" sz="1700" dirty="0"/>
+              <a:t> </a:t>
+            </a:r>
+            <a:r>
+              <a:rPr lang="en-US" sz="1700" dirty="0" err="1"/>
+              <a:t>veel</a:t>
+            </a:r>
+            <a:r>
+              <a:rPr lang="en-US" sz="1700" dirty="0"/>
+              <a:t> regels </a:t>
+            </a:r>
+            <a:r>
+              <a:rPr lang="en-US" sz="1700" dirty="0" err="1"/>
+              <a:t>en</a:t>
+            </a:r>
+            <a:r>
+              <a:rPr lang="en-US" sz="1700" dirty="0"/>
+              <a:t> </a:t>
+            </a:r>
+            <a:r>
+              <a:rPr lang="en-US" sz="1700" dirty="0" err="1"/>
+              <a:t>niet</a:t>
+            </a:r>
+            <a:r>
+              <a:rPr lang="en-US" sz="1700" dirty="0"/>
+              <a:t> </a:t>
+            </a:r>
+            <a:r>
+              <a:rPr lang="en-US" sz="1700" dirty="0" err="1"/>
+              <a:t>meer</a:t>
+            </a:r>
+            <a:r>
+              <a:rPr lang="en-US" sz="1700" dirty="0"/>
+              <a:t> </a:t>
+            </a:r>
+            <a:r>
+              <a:rPr lang="en-US" sz="1700" dirty="0" err="1"/>
+              <a:t>spelers</a:t>
+            </a:r>
+            <a:r>
+              <a:rPr lang="en-US" sz="1700" dirty="0"/>
+              <a:t> </a:t>
+            </a:r>
+            <a:r>
+              <a:rPr lang="en-US" sz="1700" dirty="0" err="1"/>
+              <a:t>erbij</a:t>
+            </a:r>
+            <a:r>
+              <a:rPr lang="en-US" sz="1700" dirty="0"/>
+              <a:t> </a:t>
+            </a:r>
+            <a:r>
+              <a:rPr lang="en-US" sz="1700" dirty="0" err="1"/>
+              <a:t>doen</a:t>
+            </a:r>
+            <a:endParaRPr lang="en-US" sz="1700" dirty="0"/>
+          </a:p>
+        </p:txBody>
+      </p:sp>
+    </p:spTree>
+    <p:extLst>
+      <p:ext uri="{BB962C8B-B14F-4D97-AF65-F5344CB8AC3E}">
+        <p14:creationId xmlns:p14="http://schemas.microsoft.com/office/powerpoint/2010/main" val="2954118490"/>
+      </p:ext>
+    </p:extLst>
+  </p:cSld>
+  <p:clrMapOvr>
+    <a:masterClrMapping/>
+  </p:clrMapOvr>
+</p:sld>
+</file>
+
+<file path=ppt/slides/slide9.xml><?xml version="1.0" encoding="utf-8"?>
+<p:sld xmlns:a="http://schemas.openxmlformats.org/drawingml/2006/main" xmlns:r="http://schemas.openxmlformats.org/officeDocument/2006/relationships" xmlns:p="http://schemas.openxmlformats.org/presentationml/2006/main">
+  <p:cSld>
+    <p:bg>
+      <p:bgPr>
+        <a:solidFill>
+          <a:schemeClr val="bg1"/>
+        </a:solidFill>
+        <a:effectLst/>
+      </p:bgPr>
+    </p:bg>
+    <p:spTree>
+      <p:nvGrpSpPr>
+        <p:cNvPr id="1" name=""/>
+        <p:cNvGrpSpPr/>
+        <p:nvPr/>
+      </p:nvGrpSpPr>
+      <p:grpSpPr>
+        <a:xfrm>
+          <a:off x="0" y="0"/>
+          <a:ext cx="0" cy="0"/>
+          <a:chOff x="0" y="0"/>
+          <a:chExt cx="0" cy="0"/>
+        </a:xfrm>
+      </p:grpSpPr>
+      <p:sp useBgFill="1">
+        <p:nvSpPr>
+          <p:cNvPr id="9" name="Rectangle 8">
+            <a:extLst>
+              <a:ext uri="{FF2B5EF4-FFF2-40B4-BE49-F238E27FC236}">
+                <a16:creationId xmlns:a16="http://schemas.microsoft.com/office/drawing/2014/main" id="{6B5E2835-4E47-45B3-9CFE-732FF7B05472}"/>
+              </a:ext>
+              <a:ext uri="{C183D7F6-B498-43B3-948B-1728B52AA6E4}">
+                <adec:decorative xmlns:adec="http://schemas.microsoft.com/office/drawing/2017/decorative" val="1"/>
+              </a:ext>
+            </a:extLst>
+          </p:cNvPr>
+          <p:cNvSpPr>
+            <a:spLocks noGrp="1" noRot="1" noChangeAspect="1" noMove="1" noResize="1" noEditPoints="1" noAdjustHandles="1" noChangeArrowheads="1" noChangeShapeType="1" noTextEdit="1"/>
+          </p:cNvSpPr>
+          <p:nvPr>
+            <p:extLst>
+              <p:ext uri="{386F3935-93C4-4BCD-93E2-E3B085C9AB24}">
+                <p16:designElem xmlns:p16="http://schemas.microsoft.com/office/powerpoint/2015/main" val="1"/>
+              </p:ext>
+            </p:extLst>
+          </p:nvPr>
+        </p:nvSpPr>
+        <p:spPr>
+          <a:xfrm>
+            <a:off x="0" y="0"/>
+            <a:ext cx="12192000" cy="6858000"/>
+          </a:xfrm>
+          <a:prstGeom prst="rect">
+            <a:avLst/>
+          </a:prstGeom>
+          <a:ln>
+            <a:noFill/>
+          </a:ln>
+        </p:spPr>
+        <p:style>
+          <a:lnRef idx="2">
+            <a:schemeClr val="accent1">
+              <a:shade val="50000"/>
+            </a:schemeClr>
+          </a:lnRef>
+          <a:fillRef idx="1">
+            <a:schemeClr val="accent1"/>
+          </a:fillRef>
+          <a:effectRef idx="0">
+            <a:schemeClr val="accent1"/>
+          </a:effectRef>
+          <a:fontRef idx="minor">
+            <a:schemeClr val="lt1"/>
+          </a:fontRef>
+        </p:style>
+        <p:txBody>
+          <a:bodyPr rtlCol="0" anchor="ctr"/>
+          <a:lstStyle/>
+          <a:p>
+            <a:pPr algn="ctr"/>
+            <a:endParaRPr lang="en-US"/>
+          </a:p>
+        </p:txBody>
+      </p:sp>
+      <p:pic>
+        <p:nvPicPr>
+          <p:cNvPr id="4" name="Picture 2" descr="Exquisite 4 player chess set">
+            <a:extLst>
+              <a:ext uri="{FF2B5EF4-FFF2-40B4-BE49-F238E27FC236}">
+                <a16:creationId xmlns:a16="http://schemas.microsoft.com/office/drawing/2014/main" id="{D7FDA346-4854-3DF6-C932-BF38C516CF52}"/>
+              </a:ext>
+            </a:extLst>
+          </p:cNvPr>
+          <p:cNvPicPr>
+            <a:picLocks noChangeAspect="1" noChangeArrowheads="1"/>
+          </p:cNvPicPr>
+          <p:nvPr/>
+        </p:nvPicPr>
+        <p:blipFill rotWithShape="1">
+          <a:blip r:embed="rId2">
+            <a:extLst>
+              <a:ext uri="{28A0092B-C50C-407E-A947-70E740481C1C}">
+                <a14:useLocalDpi xmlns:a14="http://schemas.microsoft.com/office/drawing/2010/main" val="0"/>
+              </a:ext>
+            </a:extLst>
+          </a:blip>
+          <a:srcRect l="6267" r="6626" b="-1"/>
+          <a:stretch/>
+        </p:blipFill>
+        <p:spPr bwMode="auto">
+          <a:xfrm>
+            <a:off x="3242695" y="10"/>
+            <a:ext cx="8949307" cy="6857990"/>
+          </a:xfrm>
+          <a:custGeom>
+            <a:avLst/>
+            <a:gdLst/>
+            <a:ahLst/>
+            <a:cxnLst/>
+            <a:rect l="l" t="t" r="r" b="b"/>
+            <a:pathLst>
+              <a:path w="8949307" h="6858000">
+                <a:moveTo>
+                  <a:pt x="0" y="0"/>
+                </a:moveTo>
+                <a:lnTo>
+                  <a:pt x="8949307" y="0"/>
+                </a:lnTo>
+                <a:lnTo>
+                  <a:pt x="8949307" y="6858000"/>
+                </a:lnTo>
+                <a:lnTo>
+                  <a:pt x="0" y="6858000"/>
+                </a:lnTo>
+                <a:lnTo>
+                  <a:pt x="62983" y="6788730"/>
+                </a:lnTo>
+                <a:cubicBezTo>
+                  <a:pt x="773509" y="5928900"/>
+                  <a:pt x="1212979" y="4741056"/>
+                  <a:pt x="1212979" y="3429000"/>
+                </a:cubicBezTo>
+                <a:cubicBezTo>
+                  <a:pt x="1212979" y="2116944"/>
+                  <a:pt x="773509" y="929100"/>
+                  <a:pt x="62983" y="69271"/>
+                </a:cubicBezTo>
+                <a:close/>
+              </a:path>
+            </a:pathLst>
+          </a:custGeom>
+          <a:noFill/>
+          <a:extLst>
+            <a:ext uri="{909E8E84-426E-40DD-AFC4-6F175D3DCCD1}">
+              <a14:hiddenFill xmlns:a14="http://schemas.microsoft.com/office/drawing/2010/main">
+                <a:solidFill>
+                  <a:srgbClr val="FFFFFF"/>
+                </a:solidFill>
+              </a14:hiddenFill>
+            </a:ext>
+          </a:extLst>
+        </p:spPr>
+      </p:pic>
+      <p:sp useBgFill="1">
+        <p:nvSpPr>
+          <p:cNvPr id="11" name="Freeform: Shape 10">
+            <a:extLst>
+              <a:ext uri="{FF2B5EF4-FFF2-40B4-BE49-F238E27FC236}">
+                <a16:creationId xmlns:a16="http://schemas.microsoft.com/office/drawing/2014/main" id="{5B45AD5D-AA52-4F7B-9362-576A39AD9E09}"/>
+              </a:ext>
+              <a:ext uri="{C183D7F6-B498-43B3-948B-1728B52AA6E4}">
+                <adec:decorative xmlns:adec="http://schemas.microsoft.com/office/drawing/2017/decorative" val="1"/>
+              </a:ext>
+            </a:extLst>
+          </p:cNvPr>
+          <p:cNvSpPr>
+            <a:spLocks noGrp="1" noRot="1" noChangeAspect="1" noMove="1" noResize="1" noEditPoints="1" noAdjustHandles="1" noChangeArrowheads="1" noChangeShapeType="1" noTextEdit="1"/>
+          </p:cNvSpPr>
+          <p:nvPr>
+            <p:extLst>
+              <p:ext uri="{386F3935-93C4-4BCD-93E2-E3B085C9AB24}">
+                <p16:designElem xmlns:p16="http://schemas.microsoft.com/office/powerpoint/2015/main" val="1"/>
+              </p:ext>
+            </p:extLst>
+          </p:nvPr>
+        </p:nvSpPr>
+        <p:spPr>
+          <a:xfrm>
+            <a:off x="-1" y="0"/>
+            <a:ext cx="4455673" cy="6858000"/>
+          </a:xfrm>
+          <a:custGeom>
+            <a:avLst/>
+            <a:gdLst>
+              <a:gd name="connsiteX0" fmla="*/ 0 w 4455673"/>
+              <a:gd name="connsiteY0" fmla="*/ 0 h 6858000"/>
+              <a:gd name="connsiteX1" fmla="*/ 3242695 w 4455673"/>
+              <a:gd name="connsiteY1" fmla="*/ 0 h 6858000"/>
+              <a:gd name="connsiteX2" fmla="*/ 3305678 w 4455673"/>
+              <a:gd name="connsiteY2" fmla="*/ 69271 h 6858000"/>
+              <a:gd name="connsiteX3" fmla="*/ 4455673 w 4455673"/>
+              <a:gd name="connsiteY3" fmla="*/ 3429000 h 6858000"/>
+              <a:gd name="connsiteX4" fmla="*/ 3305678 w 4455673"/>
+              <a:gd name="connsiteY4" fmla="*/ 6788730 h 6858000"/>
+              <a:gd name="connsiteX5" fmla="*/ 3242695 w 4455673"/>
+              <a:gd name="connsiteY5" fmla="*/ 6858000 h 6858000"/>
+              <a:gd name="connsiteX6" fmla="*/ 0 w 4455673"/>
+              <a:gd name="connsiteY6" fmla="*/ 6858000 h 6858000"/>
+            </a:gdLst>
+            <a:ahLst/>
+            <a:cxnLst>
+              <a:cxn ang="0">
+                <a:pos x="connsiteX0" y="connsiteY0"/>
+              </a:cxn>
+              <a:cxn ang="0">
+                <a:pos x="connsiteX1" y="connsiteY1"/>
+              </a:cxn>
+              <a:cxn ang="0">
+                <a:pos x="connsiteX2" y="connsiteY2"/>
+              </a:cxn>
+              <a:cxn ang="0">
+                <a:pos x="connsiteX3" y="connsiteY3"/>
+              </a:cxn>
+              <a:cxn ang="0">
+                <a:pos x="connsiteX4" y="connsiteY4"/>
+              </a:cxn>
+              <a:cxn ang="0">
+                <a:pos x="connsiteX5" y="connsiteY5"/>
+              </a:cxn>
+              <a:cxn ang="0">
+                <a:pos x="connsiteX6" y="connsiteY6"/>
+              </a:cxn>
+            </a:cxnLst>
+            <a:rect l="l" t="t" r="r" b="b"/>
+            <a:pathLst>
+              <a:path w="4455673" h="6858000">
+                <a:moveTo>
+                  <a:pt x="0" y="0"/>
+                </a:moveTo>
+                <a:lnTo>
+                  <a:pt x="3242695" y="0"/>
+                </a:lnTo>
+                <a:lnTo>
+                  <a:pt x="3305678" y="69271"/>
+                </a:lnTo>
+                <a:cubicBezTo>
+                  <a:pt x="4016204" y="929100"/>
+                  <a:pt x="4455673" y="2116944"/>
+                  <a:pt x="4455673" y="3429000"/>
+                </a:cubicBezTo>
+                <a:cubicBezTo>
+                  <a:pt x="4455673" y="4741056"/>
+                  <a:pt x="4016204" y="5928900"/>
+                  <a:pt x="3305678" y="6788730"/>
+                </a:cubicBezTo>
+                <a:lnTo>
+                  <a:pt x="3242695" y="6858000"/>
+                </a:lnTo>
+                <a:lnTo>
+                  <a:pt x="0" y="6858000"/>
+                </a:lnTo>
+                <a:close/>
+              </a:path>
+            </a:pathLst>
+          </a:custGeom>
+          <a:ln w="9525">
+            <a:solidFill>
+              <a:srgbClr val="D5D5D5"/>
+            </a:solidFill>
+          </a:ln>
+          <a:effectLst>
+            <a:outerShdw blurRad="50800" dist="38100" algn="l" rotWithShape="0">
+              <a:schemeClr val="bg1">
+                <a:lumMod val="85000"/>
+                <a:alpha val="30000"/>
+              </a:schemeClr>
+            </a:outerShdw>
+          </a:effectLst>
+        </p:spPr>
+        <p:style>
+          <a:lnRef idx="2">
+            <a:schemeClr val="accent1">
+              <a:shade val="50000"/>
+            </a:schemeClr>
+          </a:lnRef>
+          <a:fillRef idx="1">
+            <a:schemeClr val="accent1"/>
+          </a:fillRef>
+          <a:effectRef idx="0">
+            <a:schemeClr val="accent1"/>
+          </a:effectRef>
+          <a:fontRef idx="minor">
+            <a:schemeClr val="lt1"/>
+          </a:fontRef>
+        </p:style>
+        <p:txBody>
+          <a:bodyPr wrap="square" rtlCol="0" anchor="ctr">
+            <a:noAutofit/>
+          </a:bodyPr>
+          <a:lstStyle/>
+          <a:p>
+            <a:pPr marL="0" marR="0" lvl="0" indent="0" algn="ctr" defTabSz="914400" rtl="0" eaLnBrk="1" fontAlgn="auto" latinLnBrk="0" hangingPunct="1">
+              <a:lnSpc>
+                <a:spcPct val="100000"/>
+              </a:lnSpc>
+              <a:spcBef>
+                <a:spcPts val="0"/>
+              </a:spcBef>
+              <a:spcAft>
+                <a:spcPts val="0"/>
+              </a:spcAft>
+              <a:buClrTx/>
+              <a:buSzTx/>
+              <a:buFontTx/>
+              <a:buNone/>
+              <a:tabLst/>
+              <a:defRPr/>
+            </a:pPr>
+            <a:endParaRPr kumimoji="0" lang="en-US" sz="1800" b="0" i="0" u="none" strike="noStrike" kern="1200" cap="none" spc="0" normalizeH="0" baseline="0" noProof="0">
+              <a:ln>
+                <a:noFill/>
+              </a:ln>
+              <a:solidFill>
+                <a:prstClr val="white"/>
+              </a:solidFill>
+              <a:effectLst/>
+              <a:uLnTx/>
+              <a:uFillTx/>
+              <a:latin typeface="Calibri" panose="020F0502020204030204"/>
+              <a:ea typeface="+mn-ea"/>
+              <a:cs typeface="+mn-cs"/>
+            </a:endParaRPr>
+          </a:p>
+        </p:txBody>
+      </p:sp>
+      <p:sp useBgFill="1">
+        <p:nvSpPr>
+          <p:cNvPr id="13" name="Freeform: Shape 12">
+            <a:extLst>
+              <a:ext uri="{FF2B5EF4-FFF2-40B4-BE49-F238E27FC236}">
+                <a16:creationId xmlns:a16="http://schemas.microsoft.com/office/drawing/2014/main" id="{AEDD7960-4866-4399-BEF6-DD1431AB4E34}"/>
+              </a:ext>
+              <a:ext uri="{C183D7F6-B498-43B3-948B-1728B52AA6E4}">
+                <adec:decorative xmlns:adec="http://schemas.microsoft.com/office/drawing/2017/decorative" val="1"/>
+              </a:ext>
+            </a:extLst>
+          </p:cNvPr>
+          <p:cNvSpPr>
+            <a:spLocks noGrp="1" noRot="1" noChangeAspect="1" noMove="1" noResize="1" noEditPoints="1" noAdjustHandles="1" noChangeArrowheads="1" noChangeShapeType="1" noTextEdit="1"/>
+          </p:cNvSpPr>
+          <p:nvPr>
+            <p:extLst>
+              <p:ext uri="{386F3935-93C4-4BCD-93E2-E3B085C9AB24}">
+                <p16:designElem xmlns:p16="http://schemas.microsoft.com/office/powerpoint/2015/main" val="1"/>
+              </p:ext>
+            </p:extLst>
+          </p:nvPr>
+        </p:nvSpPr>
+        <p:spPr>
+          <a:xfrm>
+            <a:off x="0" y="0"/>
+            <a:ext cx="4446529" cy="6858000"/>
+          </a:xfrm>
+          <a:custGeom>
+            <a:avLst/>
+            <a:gdLst>
+              <a:gd name="connsiteX0" fmla="*/ 0 w 4446529"/>
+              <a:gd name="connsiteY0" fmla="*/ 0 h 6858000"/>
+              <a:gd name="connsiteX1" fmla="*/ 3233551 w 4446529"/>
+              <a:gd name="connsiteY1" fmla="*/ 0 h 6858000"/>
+              <a:gd name="connsiteX2" fmla="*/ 3296534 w 4446529"/>
+              <a:gd name="connsiteY2" fmla="*/ 69271 h 6858000"/>
+              <a:gd name="connsiteX3" fmla="*/ 4446529 w 4446529"/>
+              <a:gd name="connsiteY3" fmla="*/ 3429000 h 6858000"/>
+              <a:gd name="connsiteX4" fmla="*/ 3296534 w 4446529"/>
+              <a:gd name="connsiteY4" fmla="*/ 6788730 h 6858000"/>
+              <a:gd name="connsiteX5" fmla="*/ 3233551 w 4446529"/>
+              <a:gd name="connsiteY5" fmla="*/ 6858000 h 6858000"/>
+              <a:gd name="connsiteX6" fmla="*/ 0 w 4446529"/>
+              <a:gd name="connsiteY6" fmla="*/ 6858000 h 6858000"/>
+            </a:gdLst>
+            <a:ahLst/>
+            <a:cxnLst>
+              <a:cxn ang="0">
+                <a:pos x="connsiteX0" y="connsiteY0"/>
+              </a:cxn>
+              <a:cxn ang="0">
+                <a:pos x="connsiteX1" y="connsiteY1"/>
+              </a:cxn>
+              <a:cxn ang="0">
+                <a:pos x="connsiteX2" y="connsiteY2"/>
+              </a:cxn>
+              <a:cxn ang="0">
+                <a:pos x="connsiteX3" y="connsiteY3"/>
+              </a:cxn>
+              <a:cxn ang="0">
+                <a:pos x="connsiteX4" y="connsiteY4"/>
+              </a:cxn>
+              <a:cxn ang="0">
+                <a:pos x="connsiteX5" y="connsiteY5"/>
+              </a:cxn>
+              <a:cxn ang="0">
+                <a:pos x="connsiteX6" y="connsiteY6"/>
+              </a:cxn>
+            </a:cxnLst>
+            <a:rect l="l" t="t" r="r" b="b"/>
+            <a:pathLst>
+              <a:path w="4446529" h="6858000">
+                <a:moveTo>
+                  <a:pt x="0" y="0"/>
+                </a:moveTo>
+                <a:lnTo>
+                  <a:pt x="3233551" y="0"/>
+                </a:lnTo>
+                <a:lnTo>
+                  <a:pt x="3296534" y="69271"/>
+                </a:lnTo>
+                <a:cubicBezTo>
+                  <a:pt x="4007060" y="929100"/>
+                  <a:pt x="4446529" y="2116944"/>
+                  <a:pt x="4446529" y="3429000"/>
+                </a:cubicBezTo>
+                <a:cubicBezTo>
+                  <a:pt x="4446529" y="4741056"/>
+                  <a:pt x="4007060" y="5928900"/>
+                  <a:pt x="3296534" y="6788730"/>
+                </a:cubicBezTo>
+                <a:lnTo>
+                  <a:pt x="3233551" y="6858000"/>
+                </a:lnTo>
+                <a:lnTo>
+                  <a:pt x="0" y="6858000"/>
+                </a:lnTo>
+                <a:close/>
+              </a:path>
+            </a:pathLst>
+          </a:custGeom>
+          <a:ln w="9525">
+            <a:noFill/>
+          </a:ln>
+          <a:effectLst/>
+        </p:spPr>
+        <p:style>
+          <a:lnRef idx="2">
+            <a:schemeClr val="accent1">
+              <a:shade val="50000"/>
+            </a:schemeClr>
+          </a:lnRef>
+          <a:fillRef idx="1">
+            <a:schemeClr val="accent1"/>
+          </a:fillRef>
+          <a:effectRef idx="0">
+            <a:schemeClr val="accent1"/>
+          </a:effectRef>
+          <a:fontRef idx="minor">
+            <a:schemeClr val="lt1"/>
+          </a:fontRef>
+        </p:style>
+        <p:txBody>
+          <a:bodyPr wrap="square" rtlCol="0" anchor="ctr">
+            <a:noAutofit/>
+          </a:bodyPr>
+          <a:lstStyle/>
+          <a:p>
+            <a:pPr marL="0" marR="0" lvl="0" indent="0" algn="ctr" defTabSz="914400" rtl="0" eaLnBrk="1" fontAlgn="auto" latinLnBrk="0" hangingPunct="1">
+              <a:lnSpc>
+                <a:spcPct val="100000"/>
+              </a:lnSpc>
+              <a:spcBef>
+                <a:spcPts val="0"/>
+              </a:spcBef>
+              <a:spcAft>
+                <a:spcPts val="0"/>
+              </a:spcAft>
+              <a:buClrTx/>
+              <a:buSzTx/>
+              <a:buFontTx/>
+              <a:buNone/>
+              <a:tabLst/>
+              <a:defRPr/>
+            </a:pPr>
+            <a:endParaRPr kumimoji="0" lang="en-US" sz="1800" b="0" i="0" u="none" strike="noStrike" kern="1200" cap="none" spc="0" normalizeH="0" baseline="0" noProof="0">
+              <a:ln>
+                <a:noFill/>
+              </a:ln>
+              <a:solidFill>
+                <a:prstClr val="white"/>
+              </a:solidFill>
+              <a:effectLst/>
+              <a:uLnTx/>
+              <a:uFillTx/>
+              <a:latin typeface="Calibri" panose="020F0502020204030204"/>
+              <a:ea typeface="+mn-ea"/>
+              <a:cs typeface="+mn-cs"/>
+            </a:endParaRPr>
+          </a:p>
+        </p:txBody>
+      </p:sp>
+      <p:sp>
+        <p:nvSpPr>
+          <p:cNvPr id="2" name="Titel 1">
+            <a:extLst>
+              <a:ext uri="{FF2B5EF4-FFF2-40B4-BE49-F238E27FC236}">
+                <a16:creationId xmlns:a16="http://schemas.microsoft.com/office/drawing/2014/main" id="{D2E1105E-6346-07C5-BB84-3DF51BF6205D}"/>
+              </a:ext>
+            </a:extLst>
+          </p:cNvPr>
+          <p:cNvSpPr>
+            <a:spLocks noGrp="1"/>
+          </p:cNvSpPr>
+          <p:nvPr>
+            <p:ph type="title"/>
+          </p:nvPr>
+        </p:nvSpPr>
+        <p:spPr>
+          <a:xfrm>
+            <a:off x="371094" y="1161288"/>
+            <a:ext cx="3438144" cy="1125728"/>
+          </a:xfrm>
+        </p:spPr>
+        <p:txBody>
+          <a:bodyPr anchor="b">
+            <a:normAutofit/>
+          </a:bodyPr>
+          <a:lstStyle/>
+          <a:p>
+            <a:r>
+              <a:rPr lang="en-US" sz="4000" dirty="0" err="1"/>
+              <a:t>Einde</a:t>
+            </a:r>
+            <a:endParaRPr lang="nl-NL" sz="4000" dirty="0"/>
+          </a:p>
+        </p:txBody>
+      </p:sp>
+      <p:sp>
+        <p:nvSpPr>
+          <p:cNvPr id="15" name="Rectangle 14">
+            <a:extLst>
+              <a:ext uri="{FF2B5EF4-FFF2-40B4-BE49-F238E27FC236}">
+                <a16:creationId xmlns:a16="http://schemas.microsoft.com/office/drawing/2014/main" id="{55D4142C-5077-457F-A6AD-3FECFDB39685}"/>
+              </a:ext>
+              <a:ext uri="{C183D7F6-B498-43B3-948B-1728B52AA6E4}">
+                <adec:decorative xmlns:adec="http://schemas.microsoft.com/office/drawing/2017/decorative" val="1"/>
+              </a:ext>
+            </a:extLst>
+          </p:cNvPr>
+          <p:cNvSpPr>
+            <a:spLocks noGrp="1" noRot="1" noChangeAspect="1" noMove="1" noResize="1" noEditPoints="1" noAdjustHandles="1" noChangeArrowheads="1" noChangeShapeType="1" noTextEdit="1"/>
+          </p:cNvSpPr>
+          <p:nvPr>
+            <p:extLst>
+              <p:ext uri="{386F3935-93C4-4BCD-93E2-E3B085C9AB24}">
+                <p16:designElem xmlns:p16="http://schemas.microsoft.com/office/powerpoint/2015/main" val="1"/>
+              </p:ext>
+            </p:extLst>
+          </p:nvPr>
+        </p:nvSpPr>
+        <p:spPr>
+          <a:xfrm rot="5400000">
+            <a:off x="662559" y="605790"/>
+            <a:ext cx="73152" cy="548640"/>
+          </a:xfrm>
+          <a:prstGeom prst="rect">
+            <a:avLst/>
+          </a:prstGeom>
+          <a:solidFill>
+            <a:schemeClr val="accent2"/>
+          </a:solidFill>
+          <a:ln>
+            <a:noFill/>
+          </a:ln>
+        </p:spPr>
+        <p:style>
+          <a:lnRef idx="2">
+            <a:schemeClr val="accent1">
+              <a:shade val="50000"/>
+            </a:schemeClr>
+          </a:lnRef>
+          <a:fillRef idx="1">
+            <a:schemeClr val="accent1"/>
+          </a:fillRef>
+          <a:effectRef idx="0">
+            <a:schemeClr val="accent1"/>
+          </a:effectRef>
+          <a:fontRef idx="minor">
+            <a:schemeClr val="lt1"/>
+          </a:fontRef>
+        </p:style>
+        <p:txBody>
+          <a:bodyPr rtlCol="0" anchor="ctr"/>
+          <a:lstStyle/>
+          <a:p>
+            <a:pPr algn="ctr"/>
+            <a:endParaRPr lang="en-US">
+              <a:solidFill>
+                <a:prstClr val="white"/>
+              </a:solidFill>
+              <a:latin typeface="Calibri" panose="020F0502020204030204"/>
+            </a:endParaRPr>
+          </a:p>
+        </p:txBody>
+      </p:sp>
+      <p:sp>
+        <p:nvSpPr>
+          <p:cNvPr id="17" name="Rectangle 16">
+            <a:extLst>
+              <a:ext uri="{FF2B5EF4-FFF2-40B4-BE49-F238E27FC236}">
+                <a16:creationId xmlns:a16="http://schemas.microsoft.com/office/drawing/2014/main" id="{7A5F0580-5EE9-419F-96EE-B6529EF6E7D0}"/>
+              </a:ext>
+              <a:ext uri="{C183D7F6-B498-43B3-948B-1728B52AA6E4}">
+                <adec:decorative xmlns:adec="http://schemas.microsoft.com/office/drawing/2017/decorative" val="1"/>
+              </a:ext>
+            </a:extLst>
+          </p:cNvPr>
+          <p:cNvSpPr>
+            <a:spLocks noGrp="1" noRot="1" noChangeAspect="1" noMove="1" noResize="1" noEditPoints="1" noAdjustHandles="1" noChangeArrowheads="1" noChangeShapeType="1" noTextEdit="1"/>
+          </p:cNvSpPr>
+          <p:nvPr>
+            <p:extLst>
+              <p:ext uri="{386F3935-93C4-4BCD-93E2-E3B085C9AB24}">
+                <p16:designElem xmlns:p16="http://schemas.microsoft.com/office/powerpoint/2015/main" val="1"/>
+              </p:ext>
+            </p:extLst>
+          </p:nvPr>
+        </p:nvSpPr>
+        <p:spPr>
+          <a:xfrm>
+            <a:off x="428244" y="2443480"/>
+            <a:ext cx="3337560" cy="18288"/>
+          </a:xfrm>
+          <a:prstGeom prst="rect">
+            <a:avLst/>
+          </a:prstGeom>
+          <a:solidFill>
+            <a:srgbClr val="D5D5D5"/>
+          </a:solidFill>
+          <a:ln w="3175">
+            <a:noFill/>
+          </a:ln>
+          <a:effectLst/>
+        </p:spPr>
+        <p:style>
+          <a:lnRef idx="2">
+            <a:schemeClr val="accent1">
+              <a:shade val="50000"/>
+            </a:schemeClr>
+          </a:lnRef>
+          <a:fillRef idx="1">
+            <a:schemeClr val="accent1"/>
+          </a:fillRef>
+          <a:effectRef idx="0">
+            <a:schemeClr val="accent1"/>
+          </a:effectRef>
+          <a:fontRef idx="minor">
+            <a:schemeClr val="lt1"/>
+          </a:fontRef>
+        </p:style>
+        <p:txBody>
+          <a:bodyPr rtlCol="0" anchor="ctr"/>
+          <a:lstStyle/>
+          <a:p>
+            <a:pPr algn="ctr"/>
+            <a:endParaRPr lang="en-US">
+              <a:solidFill>
+                <a:prstClr val="white"/>
+              </a:solidFill>
+              <a:latin typeface="Calibri" panose="020F0502020204030204"/>
+            </a:endParaRPr>
+          </a:p>
+        </p:txBody>
+      </p:sp>
+    </p:spTree>
+    <p:extLst>
+      <p:ext uri="{BB962C8B-B14F-4D97-AF65-F5344CB8AC3E}">
+        <p14:creationId xmlns:p14="http://schemas.microsoft.com/office/powerpoint/2010/main" val="3572936844"/>
       </p:ext>
     </p:extLst>
   </p:cSld>
